--- a/DataScienceGuidedCapstone/GuidedCapstonProject_SlideDeck.pptx
+++ b/DataScienceGuidedCapstone/GuidedCapstonProject_SlideDeck.pptx
@@ -1,50 +1,50 @@
 
 <file path=ppt/presentation.xml><?xml version="1.0" encoding="utf-8"?>
-<p:presentation xmlns:a="http://schemas.openxmlformats.org/drawingml/2006/main" xmlns:r="http://schemas.openxmlformats.org/officeDocument/2006/relationships" xmlns:mc="http://schemas.openxmlformats.org/markup-compatibility/2006" xmlns:mv="urn:schemas-microsoft-com:mac:vml" xmlns:p="http://schemas.openxmlformats.org/presentationml/2006/main" xmlns:c="http://schemas.openxmlformats.org/drawingml/2006/chart" xmlns:dgm="http://schemas.openxmlformats.org/drawingml/2006/diagram" xmlns:o="urn:schemas-microsoft-com:office:office" xmlns:v="urn:schemas-microsoft-com:vml" xmlns:pvml="urn:schemas-microsoft-com:office:powerpoint" xmlns:com="http://schemas.openxmlformats.org/drawingml/2006/compatibility" xmlns:p14="http://schemas.microsoft.com/office/powerpoint/2010/main" xmlns:p15="http://schemas.microsoft.com/office/powerpoint/2012/main" xmlns:ahyp="http://schemas.microsoft.com/office/drawing/2018/hyperlinkcolor" autoCompressPictures="0" embedTrueTypeFonts="1" strictFirstAndLastChars="0" saveSubsetFonts="1">
+<p:presentation xmlns:a="http://schemas.openxmlformats.org/drawingml/2006/main" xmlns:r="http://schemas.openxmlformats.org/officeDocument/2006/relationships" xmlns:p="http://schemas.openxmlformats.org/presentationml/2006/main" strictFirstAndLastChars="0" embedTrueTypeFonts="1" saveSubsetFonts="1" autoCompressPictures="0">
   <p:sldMasterIdLst>
-    <p:sldMasterId id="2147483659" r:id="rId4"/>
+    <p:sldMasterId id="2147483659" r:id="rId1"/>
   </p:sldMasterIdLst>
   <p:notesMasterIdLst>
-    <p:notesMasterId r:id="rId5"/>
+    <p:notesMasterId r:id="rId11"/>
   </p:notesMasterIdLst>
   <p:sldIdLst>
-    <p:sldId id="256" r:id="rId6"/>
-    <p:sldId id="257" r:id="rId7"/>
-    <p:sldId id="258" r:id="rId8"/>
-    <p:sldId id="259" r:id="rId9"/>
-    <p:sldId id="260" r:id="rId10"/>
-    <p:sldId id="261" r:id="rId11"/>
-    <p:sldId id="262" r:id="rId12"/>
-    <p:sldId id="263" r:id="rId13"/>
-    <p:sldId id="264" r:id="rId14"/>
+    <p:sldId id="256" r:id="rId2"/>
+    <p:sldId id="257" r:id="rId3"/>
+    <p:sldId id="258" r:id="rId4"/>
+    <p:sldId id="267" r:id="rId5"/>
+    <p:sldId id="260" r:id="rId6"/>
+    <p:sldId id="261" r:id="rId7"/>
+    <p:sldId id="262" r:id="rId8"/>
+    <p:sldId id="263" r:id="rId9"/>
+    <p:sldId id="264" r:id="rId10"/>
   </p:sldIdLst>
-  <p:sldSz cy="5143500" cx="9144000"/>
+  <p:sldSz cx="9144000" cy="5143500" type="screen16x9"/>
   <p:notesSz cx="6858000" cy="9144000"/>
   <p:embeddedFontLst>
     <p:embeddedFont>
-      <p:font typeface="Roboto Thin"/>
-      <p:regular r:id="rId15"/>
-      <p:bold r:id="rId16"/>
-      <p:italic r:id="rId17"/>
-      <p:boldItalic r:id="rId18"/>
+      <p:font typeface="Roboto" panose="020B0604020202020204" charset="0"/>
+      <p:regular r:id="rId12"/>
+      <p:bold r:id="rId13"/>
+      <p:italic r:id="rId14"/>
+      <p:boldItalic r:id="rId15"/>
     </p:embeddedFont>
     <p:embeddedFont>
-      <p:font typeface="Roboto"/>
-      <p:regular r:id="rId19"/>
-      <p:bold r:id="rId20"/>
-      <p:italic r:id="rId21"/>
-      <p:boldItalic r:id="rId22"/>
+      <p:font typeface="Roboto Light" panose="020B0604020202020204" charset="0"/>
+      <p:regular r:id="rId16"/>
+      <p:bold r:id="rId17"/>
+      <p:italic r:id="rId18"/>
+      <p:boldItalic r:id="rId19"/>
     </p:embeddedFont>
     <p:embeddedFont>
-      <p:font typeface="Roboto Light"/>
-      <p:regular r:id="rId23"/>
-      <p:bold r:id="rId24"/>
-      <p:italic r:id="rId25"/>
-      <p:boldItalic r:id="rId26"/>
+      <p:font typeface="Roboto Thin" panose="020B0604020202020204" charset="0"/>
+      <p:regular r:id="rId20"/>
+      <p:bold r:id="rId21"/>
+      <p:italic r:id="rId22"/>
+      <p:boldItalic r:id="rId23"/>
     </p:embeddedFont>
   </p:embeddedFontLst>
   <p:defaultTextStyle>
-    <a:defPPr lvl="0" marR="0" rtl="0" algn="l">
+    <a:defPPr marR="0" lvl="0" algn="l" rtl="0">
       <a:lnSpc>
         <a:spcPct val="100000"/>
       </a:lnSpc>
@@ -55,7 +55,7 @@
         <a:spcPts val="0"/>
       </a:spcAft>
     </a:defPPr>
-    <a:lvl1pPr lvl="0" marR="0" rtl="0" algn="l">
+    <a:lvl1pPr marR="0" lvl="0" algn="l" rtl="0">
       <a:lnSpc>
         <a:spcPct val="100000"/>
       </a:lnSpc>
@@ -69,7 +69,7 @@
         <a:srgbClr val="000000"/>
       </a:buClr>
       <a:buFont typeface="Arial"/>
-      <a:defRPr b="0" i="0" sz="1400" u="none" cap="none" strike="noStrike">
+      <a:defRPr sz="1400" b="0" i="0" u="none" strike="noStrike" cap="none">
         <a:solidFill>
           <a:srgbClr val="000000"/>
         </a:solidFill>
@@ -79,7 +79,7 @@
         <a:sym typeface="Arial"/>
       </a:defRPr>
     </a:lvl1pPr>
-    <a:lvl2pPr lvl="1" marR="0" rtl="0" algn="l">
+    <a:lvl2pPr marR="0" lvl="1" algn="l" rtl="0">
       <a:lnSpc>
         <a:spcPct val="100000"/>
       </a:lnSpc>
@@ -93,7 +93,7 @@
         <a:srgbClr val="000000"/>
       </a:buClr>
       <a:buFont typeface="Arial"/>
-      <a:defRPr b="0" i="0" sz="1400" u="none" cap="none" strike="noStrike">
+      <a:defRPr sz="1400" b="0" i="0" u="none" strike="noStrike" cap="none">
         <a:solidFill>
           <a:srgbClr val="000000"/>
         </a:solidFill>
@@ -103,7 +103,7 @@
         <a:sym typeface="Arial"/>
       </a:defRPr>
     </a:lvl2pPr>
-    <a:lvl3pPr lvl="2" marR="0" rtl="0" algn="l">
+    <a:lvl3pPr marR="0" lvl="2" algn="l" rtl="0">
       <a:lnSpc>
         <a:spcPct val="100000"/>
       </a:lnSpc>
@@ -117,7 +117,7 @@
         <a:srgbClr val="000000"/>
       </a:buClr>
       <a:buFont typeface="Arial"/>
-      <a:defRPr b="0" i="0" sz="1400" u="none" cap="none" strike="noStrike">
+      <a:defRPr sz="1400" b="0" i="0" u="none" strike="noStrike" cap="none">
         <a:solidFill>
           <a:srgbClr val="000000"/>
         </a:solidFill>
@@ -127,7 +127,7 @@
         <a:sym typeface="Arial"/>
       </a:defRPr>
     </a:lvl3pPr>
-    <a:lvl4pPr lvl="3" marR="0" rtl="0" algn="l">
+    <a:lvl4pPr marR="0" lvl="3" algn="l" rtl="0">
       <a:lnSpc>
         <a:spcPct val="100000"/>
       </a:lnSpc>
@@ -141,7 +141,7 @@
         <a:srgbClr val="000000"/>
       </a:buClr>
       <a:buFont typeface="Arial"/>
-      <a:defRPr b="0" i="0" sz="1400" u="none" cap="none" strike="noStrike">
+      <a:defRPr sz="1400" b="0" i="0" u="none" strike="noStrike" cap="none">
         <a:solidFill>
           <a:srgbClr val="000000"/>
         </a:solidFill>
@@ -151,7 +151,7 @@
         <a:sym typeface="Arial"/>
       </a:defRPr>
     </a:lvl4pPr>
-    <a:lvl5pPr lvl="4" marR="0" rtl="0" algn="l">
+    <a:lvl5pPr marR="0" lvl="4" algn="l" rtl="0">
       <a:lnSpc>
         <a:spcPct val="100000"/>
       </a:lnSpc>
@@ -165,7 +165,7 @@
         <a:srgbClr val="000000"/>
       </a:buClr>
       <a:buFont typeface="Arial"/>
-      <a:defRPr b="0" i="0" sz="1400" u="none" cap="none" strike="noStrike">
+      <a:defRPr sz="1400" b="0" i="0" u="none" strike="noStrike" cap="none">
         <a:solidFill>
           <a:srgbClr val="000000"/>
         </a:solidFill>
@@ -175,7 +175,7 @@
         <a:sym typeface="Arial"/>
       </a:defRPr>
     </a:lvl5pPr>
-    <a:lvl6pPr lvl="5" marR="0" rtl="0" algn="l">
+    <a:lvl6pPr marR="0" lvl="5" algn="l" rtl="0">
       <a:lnSpc>
         <a:spcPct val="100000"/>
       </a:lnSpc>
@@ -189,7 +189,7 @@
         <a:srgbClr val="000000"/>
       </a:buClr>
       <a:buFont typeface="Arial"/>
-      <a:defRPr b="0" i="0" sz="1400" u="none" cap="none" strike="noStrike">
+      <a:defRPr sz="1400" b="0" i="0" u="none" strike="noStrike" cap="none">
         <a:solidFill>
           <a:srgbClr val="000000"/>
         </a:solidFill>
@@ -199,7 +199,7 @@
         <a:sym typeface="Arial"/>
       </a:defRPr>
     </a:lvl6pPr>
-    <a:lvl7pPr lvl="6" marR="0" rtl="0" algn="l">
+    <a:lvl7pPr marR="0" lvl="6" algn="l" rtl="0">
       <a:lnSpc>
         <a:spcPct val="100000"/>
       </a:lnSpc>
@@ -213,7 +213,7 @@
         <a:srgbClr val="000000"/>
       </a:buClr>
       <a:buFont typeface="Arial"/>
-      <a:defRPr b="0" i="0" sz="1400" u="none" cap="none" strike="noStrike">
+      <a:defRPr sz="1400" b="0" i="0" u="none" strike="noStrike" cap="none">
         <a:solidFill>
           <a:srgbClr val="000000"/>
         </a:solidFill>
@@ -223,7 +223,7 @@
         <a:sym typeface="Arial"/>
       </a:defRPr>
     </a:lvl7pPr>
-    <a:lvl8pPr lvl="7" marR="0" rtl="0" algn="l">
+    <a:lvl8pPr marR="0" lvl="7" algn="l" rtl="0">
       <a:lnSpc>
         <a:spcPct val="100000"/>
       </a:lnSpc>
@@ -237,7 +237,7 @@
         <a:srgbClr val="000000"/>
       </a:buClr>
       <a:buFont typeface="Arial"/>
-      <a:defRPr b="0" i="0" sz="1400" u="none" cap="none" strike="noStrike">
+      <a:defRPr sz="1400" b="0" i="0" u="none" strike="noStrike" cap="none">
         <a:solidFill>
           <a:srgbClr val="000000"/>
         </a:solidFill>
@@ -247,7 +247,7 @@
         <a:sym typeface="Arial"/>
       </a:defRPr>
     </a:lvl8pPr>
-    <a:lvl9pPr lvl="8" marR="0" rtl="0" algn="l">
+    <a:lvl9pPr marR="0" lvl="8" algn="l" rtl="0">
       <a:lnSpc>
         <a:spcPct val="100000"/>
       </a:lnSpc>
@@ -261,7 +261,7 @@
         <a:srgbClr val="000000"/>
       </a:buClr>
       <a:buFont typeface="Arial"/>
-      <a:defRPr b="0" i="0" sz="1400" u="none" cap="none" strike="noStrike">
+      <a:defRPr sz="1400" b="0" i="0" u="none" strike="noStrike" cap="none">
         <a:solidFill>
           <a:srgbClr val="000000"/>
         </a:solidFill>
@@ -274,7 +274,7 @@
   </p:defaultTextStyle>
   <p:extLst>
     <p:ext uri="{EFAFB233-063F-42B5-8137-9DF3F51BA10A}">
-      <p15:sldGuideLst>
+      <p15:sldGuideLst xmlns:p15="http://schemas.microsoft.com/office/powerpoint/2012/main">
         <p15:guide id="1" orient="horz" pos="1620">
           <p15:clr>
             <a:srgbClr val="A4A3A4"/>
@@ -292,11 +292,16 @@
 </file>
 
 <file path=ppt/notesMasters/notesMaster1.xml><?xml version="1.0" encoding="utf-8"?>
-<p:notesMaster xmlns:a="http://schemas.openxmlformats.org/drawingml/2006/main" xmlns:r="http://schemas.openxmlformats.org/officeDocument/2006/relationships" xmlns:mc="http://schemas.openxmlformats.org/markup-compatibility/2006" xmlns:mv="urn:schemas-microsoft-com:mac:vml" xmlns:p="http://schemas.openxmlformats.org/presentationml/2006/main" xmlns:c="http://schemas.openxmlformats.org/drawingml/2006/chart" xmlns:dgm="http://schemas.openxmlformats.org/drawingml/2006/diagram" xmlns:o="urn:schemas-microsoft-com:office:office" xmlns:v="urn:schemas-microsoft-com:vml" xmlns:pvml="urn:schemas-microsoft-com:office:powerpoint" xmlns:com="http://schemas.openxmlformats.org/drawingml/2006/compatibility" xmlns:p14="http://schemas.microsoft.com/office/powerpoint/2010/main" xmlns:p15="http://schemas.microsoft.com/office/powerpoint/2012/main" xmlns:ahyp="http://schemas.microsoft.com/office/drawing/2018/hyperlinkcolor">
+<p:notesMaster xmlns:a="http://schemas.openxmlformats.org/drawingml/2006/main" xmlns:r="http://schemas.openxmlformats.org/officeDocument/2006/relationships" xmlns:p="http://schemas.openxmlformats.org/presentationml/2006/main">
   <p:cSld>
+    <p:bg>
+      <p:bgRef idx="1001">
+        <a:schemeClr val="bg1"/>
+      </p:bgRef>
+    </p:bg>
     <p:spTree>
       <p:nvGrpSpPr>
-        <p:cNvPr id="2" name="Shape 2"/>
+        <p:cNvPr id="1" name="Shape 2"/>
         <p:cNvGrpSpPr/>
         <p:nvPr/>
       </p:nvGrpSpPr>
@@ -311,9 +316,11 @@
       <p:sp>
         <p:nvSpPr>
           <p:cNvPr id="3" name="Google Shape;3;n"/>
-          <p:cNvSpPr/>
+          <p:cNvSpPr>
+            <a:spLocks noGrp="1" noRot="1" noChangeAspect="1"/>
+          </p:cNvSpPr>
           <p:nvPr>
-            <p:ph idx="2" type="sldImg"/>
+            <p:ph type="sldImg" idx="2"/>
           </p:nvPr>
         </p:nvSpPr>
         <p:spPr>
@@ -322,9 +329,13 @@
             <a:ext cx="6096075" cy="3429000"/>
           </a:xfrm>
           <a:custGeom>
-            <a:rect b="b" l="l" r="r" t="t"/>
+            <a:avLst/>
+            <a:gdLst/>
+            <a:ahLst/>
+            <a:cxnLst/>
+            <a:rect l="l" t="t" r="r" b="b"/>
             <a:pathLst>
-              <a:path extrusionOk="0" h="120000" w="120000">
+              <a:path w="120000" h="120000" extrusionOk="0">
                 <a:moveTo>
                   <a:pt x="0" y="0"/>
                 </a:moveTo>
@@ -342,23 +353,25 @@
             </a:pathLst>
           </a:custGeom>
           <a:noFill/>
-          <a:ln cap="flat" cmpd="sng" w="9525">
+          <a:ln w="9525" cap="flat" cmpd="sng">
             <a:solidFill>
               <a:srgbClr val="000000"/>
             </a:solidFill>
             <a:prstDash val="solid"/>
             <a:round/>
-            <a:headEnd len="sm" w="sm" type="none"/>
-            <a:tailEnd len="sm" w="sm" type="none"/>
+            <a:headEnd type="none" w="sm" len="sm"/>
+            <a:tailEnd type="none" w="sm" len="sm"/>
           </a:ln>
         </p:spPr>
       </p:sp>
       <p:sp>
         <p:nvSpPr>
           <p:cNvPr id="4" name="Google Shape;4;n"/>
-          <p:cNvSpPr txBox="1"/>
+          <p:cNvSpPr txBox="1">
+            <a:spLocks noGrp="1"/>
+          </p:cNvSpPr>
           <p:nvPr>
-            <p:ph idx="1" type="body"/>
+            <p:ph type="body" idx="1"/>
           </p:nvPr>
         </p:nvSpPr>
         <p:spPr>
@@ -375,11 +388,11 @@
           </a:ln>
         </p:spPr>
         <p:txBody>
-          <a:bodyPr anchorCtr="0" anchor="t" bIns="91425" lIns="91425" spcFirstLastPara="1" rIns="91425" wrap="square" tIns="91425">
+          <a:bodyPr spcFirstLastPara="1" wrap="square" lIns="91425" tIns="91425" rIns="91425" bIns="91425" anchor="t" anchorCtr="0">
             <a:noAutofit/>
           </a:bodyPr>
           <a:lstStyle>
-            <a:lvl1pPr indent="-298450" lvl="0" marL="457200">
+            <a:lvl1pPr marL="457200" lvl="0" indent="-298450">
               <a:spcBef>
                 <a:spcPts val="0"/>
               </a:spcBef>
@@ -390,7 +403,7 @@
               <a:buChar char="●"/>
               <a:defRPr sz="1100"/>
             </a:lvl1pPr>
-            <a:lvl2pPr indent="-298450" lvl="1" marL="914400">
+            <a:lvl2pPr marL="914400" lvl="1" indent="-298450">
               <a:spcBef>
                 <a:spcPts val="0"/>
               </a:spcBef>
@@ -401,7 +414,7 @@
               <a:buChar char="○"/>
               <a:defRPr sz="1100"/>
             </a:lvl2pPr>
-            <a:lvl3pPr indent="-298450" lvl="2" marL="1371600">
+            <a:lvl3pPr marL="1371600" lvl="2" indent="-298450">
               <a:spcBef>
                 <a:spcPts val="0"/>
               </a:spcBef>
@@ -412,7 +425,7 @@
               <a:buChar char="■"/>
               <a:defRPr sz="1100"/>
             </a:lvl3pPr>
-            <a:lvl4pPr indent="-298450" lvl="3" marL="1828800">
+            <a:lvl4pPr marL="1828800" lvl="3" indent="-298450">
               <a:spcBef>
                 <a:spcPts val="0"/>
               </a:spcBef>
@@ -423,7 +436,7 @@
               <a:buChar char="●"/>
               <a:defRPr sz="1100"/>
             </a:lvl4pPr>
-            <a:lvl5pPr indent="-298450" lvl="4" marL="2286000">
+            <a:lvl5pPr marL="2286000" lvl="4" indent="-298450">
               <a:spcBef>
                 <a:spcPts val="0"/>
               </a:spcBef>
@@ -434,7 +447,7 @@
               <a:buChar char="○"/>
               <a:defRPr sz="1100"/>
             </a:lvl5pPr>
-            <a:lvl6pPr indent="-298450" lvl="5" marL="2743200">
+            <a:lvl6pPr marL="2743200" lvl="5" indent="-298450">
               <a:spcBef>
                 <a:spcPts val="0"/>
               </a:spcBef>
@@ -445,7 +458,7 @@
               <a:buChar char="■"/>
               <a:defRPr sz="1100"/>
             </a:lvl6pPr>
-            <a:lvl7pPr indent="-298450" lvl="6" marL="3200400">
+            <a:lvl7pPr marL="3200400" lvl="6" indent="-298450">
               <a:spcBef>
                 <a:spcPts val="0"/>
               </a:spcBef>
@@ -456,7 +469,7 @@
               <a:buChar char="●"/>
               <a:defRPr sz="1100"/>
             </a:lvl7pPr>
-            <a:lvl8pPr indent="-298450" lvl="7" marL="3657600">
+            <a:lvl8pPr marL="3657600" lvl="7" indent="-298450">
               <a:spcBef>
                 <a:spcPts val="0"/>
               </a:spcBef>
@@ -467,7 +480,7 @@
               <a:buChar char="○"/>
               <a:defRPr sz="1100"/>
             </a:lvl8pPr>
-            <a:lvl9pPr indent="-298450" lvl="8" marL="4114800">
+            <a:lvl9pPr marL="4114800" lvl="8" indent="-298450">
               <a:spcBef>
                 <a:spcPts val="0"/>
               </a:spcBef>
@@ -479,14 +492,16 @@
               <a:defRPr sz="1100"/>
             </a:lvl9pPr>
           </a:lstStyle>
-          <a:p/>
+          <a:p>
+            <a:endParaRPr/>
+          </a:p>
         </p:txBody>
       </p:sp>
     </p:spTree>
   </p:cSld>
-  <p:clrMap accent1="accent1" accent2="accent2" accent3="accent3" accent4="accent4" accent5="accent5" accent6="accent6" bg1="lt1" bg2="dk2" tx1="dk1" tx2="lt2" folHlink="folHlink" hlink="hlink"/>
+  <p:clrMap bg1="lt1" tx1="dk1" bg2="dk2" tx2="lt2" accent1="accent1" accent2="accent2" accent3="accent3" accent4="accent4" accent5="accent5" accent6="accent6" hlink="hlink" folHlink="folHlink"/>
   <p:notesStyle>
-    <a:defPPr lvl="0" marR="0" rtl="0" algn="l">
+    <a:defPPr marR="0" lvl="0" algn="l" rtl="0">
       <a:lnSpc>
         <a:spcPct val="100000"/>
       </a:lnSpc>
@@ -497,7 +512,7 @@
         <a:spcPts val="0"/>
       </a:spcAft>
     </a:defPPr>
-    <a:lvl1pPr lvl="0" marR="0" rtl="0" algn="l">
+    <a:lvl1pPr marR="0" lvl="0" algn="l" rtl="0">
       <a:lnSpc>
         <a:spcPct val="100000"/>
       </a:lnSpc>
@@ -511,7 +526,7 @@
         <a:srgbClr val="000000"/>
       </a:buClr>
       <a:buFont typeface="Arial"/>
-      <a:defRPr b="0" i="0" sz="1400" u="none" cap="none" strike="noStrike">
+      <a:defRPr sz="1400" b="0" i="0" u="none" strike="noStrike" cap="none">
         <a:solidFill>
           <a:srgbClr val="000000"/>
         </a:solidFill>
@@ -521,7 +536,7 @@
         <a:sym typeface="Arial"/>
       </a:defRPr>
     </a:lvl1pPr>
-    <a:lvl2pPr lvl="1" marR="0" rtl="0" algn="l">
+    <a:lvl2pPr marR="0" lvl="1" algn="l" rtl="0">
       <a:lnSpc>
         <a:spcPct val="100000"/>
       </a:lnSpc>
@@ -535,7 +550,7 @@
         <a:srgbClr val="000000"/>
       </a:buClr>
       <a:buFont typeface="Arial"/>
-      <a:defRPr b="0" i="0" sz="1400" u="none" cap="none" strike="noStrike">
+      <a:defRPr sz="1400" b="0" i="0" u="none" strike="noStrike" cap="none">
         <a:solidFill>
           <a:srgbClr val="000000"/>
         </a:solidFill>
@@ -545,7 +560,7 @@
         <a:sym typeface="Arial"/>
       </a:defRPr>
     </a:lvl2pPr>
-    <a:lvl3pPr lvl="2" marR="0" rtl="0" algn="l">
+    <a:lvl3pPr marR="0" lvl="2" algn="l" rtl="0">
       <a:lnSpc>
         <a:spcPct val="100000"/>
       </a:lnSpc>
@@ -559,7 +574,7 @@
         <a:srgbClr val="000000"/>
       </a:buClr>
       <a:buFont typeface="Arial"/>
-      <a:defRPr b="0" i="0" sz="1400" u="none" cap="none" strike="noStrike">
+      <a:defRPr sz="1400" b="0" i="0" u="none" strike="noStrike" cap="none">
         <a:solidFill>
           <a:srgbClr val="000000"/>
         </a:solidFill>
@@ -569,7 +584,7 @@
         <a:sym typeface="Arial"/>
       </a:defRPr>
     </a:lvl3pPr>
-    <a:lvl4pPr lvl="3" marR="0" rtl="0" algn="l">
+    <a:lvl4pPr marR="0" lvl="3" algn="l" rtl="0">
       <a:lnSpc>
         <a:spcPct val="100000"/>
       </a:lnSpc>
@@ -583,7 +598,7 @@
         <a:srgbClr val="000000"/>
       </a:buClr>
       <a:buFont typeface="Arial"/>
-      <a:defRPr b="0" i="0" sz="1400" u="none" cap="none" strike="noStrike">
+      <a:defRPr sz="1400" b="0" i="0" u="none" strike="noStrike" cap="none">
         <a:solidFill>
           <a:srgbClr val="000000"/>
         </a:solidFill>
@@ -593,7 +608,7 @@
         <a:sym typeface="Arial"/>
       </a:defRPr>
     </a:lvl4pPr>
-    <a:lvl5pPr lvl="4" marR="0" rtl="0" algn="l">
+    <a:lvl5pPr marR="0" lvl="4" algn="l" rtl="0">
       <a:lnSpc>
         <a:spcPct val="100000"/>
       </a:lnSpc>
@@ -607,7 +622,7 @@
         <a:srgbClr val="000000"/>
       </a:buClr>
       <a:buFont typeface="Arial"/>
-      <a:defRPr b="0" i="0" sz="1400" u="none" cap="none" strike="noStrike">
+      <a:defRPr sz="1400" b="0" i="0" u="none" strike="noStrike" cap="none">
         <a:solidFill>
           <a:srgbClr val="000000"/>
         </a:solidFill>
@@ -617,7 +632,7 @@
         <a:sym typeface="Arial"/>
       </a:defRPr>
     </a:lvl5pPr>
-    <a:lvl6pPr lvl="5" marR="0" rtl="0" algn="l">
+    <a:lvl6pPr marR="0" lvl="5" algn="l" rtl="0">
       <a:lnSpc>
         <a:spcPct val="100000"/>
       </a:lnSpc>
@@ -631,7 +646,7 @@
         <a:srgbClr val="000000"/>
       </a:buClr>
       <a:buFont typeface="Arial"/>
-      <a:defRPr b="0" i="0" sz="1400" u="none" cap="none" strike="noStrike">
+      <a:defRPr sz="1400" b="0" i="0" u="none" strike="noStrike" cap="none">
         <a:solidFill>
           <a:srgbClr val="000000"/>
         </a:solidFill>
@@ -641,7 +656,7 @@
         <a:sym typeface="Arial"/>
       </a:defRPr>
     </a:lvl6pPr>
-    <a:lvl7pPr lvl="6" marR="0" rtl="0" algn="l">
+    <a:lvl7pPr marR="0" lvl="6" algn="l" rtl="0">
       <a:lnSpc>
         <a:spcPct val="100000"/>
       </a:lnSpc>
@@ -655,7 +670,7 @@
         <a:srgbClr val="000000"/>
       </a:buClr>
       <a:buFont typeface="Arial"/>
-      <a:defRPr b="0" i="0" sz="1400" u="none" cap="none" strike="noStrike">
+      <a:defRPr sz="1400" b="0" i="0" u="none" strike="noStrike" cap="none">
         <a:solidFill>
           <a:srgbClr val="000000"/>
         </a:solidFill>
@@ -665,7 +680,7 @@
         <a:sym typeface="Arial"/>
       </a:defRPr>
     </a:lvl7pPr>
-    <a:lvl8pPr lvl="7" marR="0" rtl="0" algn="l">
+    <a:lvl8pPr marR="0" lvl="7" algn="l" rtl="0">
       <a:lnSpc>
         <a:spcPct val="100000"/>
       </a:lnSpc>
@@ -679,7 +694,7 @@
         <a:srgbClr val="000000"/>
       </a:buClr>
       <a:buFont typeface="Arial"/>
-      <a:defRPr b="0" i="0" sz="1400" u="none" cap="none" strike="noStrike">
+      <a:defRPr sz="1400" b="0" i="0" u="none" strike="noStrike" cap="none">
         <a:solidFill>
           <a:srgbClr val="000000"/>
         </a:solidFill>
@@ -689,7 +704,7 @@
         <a:sym typeface="Arial"/>
       </a:defRPr>
     </a:lvl8pPr>
-    <a:lvl9pPr lvl="8" marR="0" rtl="0" algn="l">
+    <a:lvl9pPr marR="0" lvl="8" algn="l" rtl="0">
       <a:lnSpc>
         <a:spcPct val="100000"/>
       </a:lnSpc>
@@ -703,7 +718,7 @@
         <a:srgbClr val="000000"/>
       </a:buClr>
       <a:buFont typeface="Arial"/>
-      <a:defRPr b="0" i="0" sz="1400" u="none" cap="none" strike="noStrike">
+      <a:defRPr sz="1400" b="0" i="0" u="none" strike="noStrike" cap="none">
         <a:solidFill>
           <a:srgbClr val="000000"/>
         </a:solidFill>
@@ -718,11 +733,11 @@
 </file>
 
 <file path=ppt/notesSlides/notesSlide1.xml><?xml version="1.0" encoding="utf-8"?>
-<p:notes xmlns:a="http://schemas.openxmlformats.org/drawingml/2006/main" xmlns:r="http://schemas.openxmlformats.org/officeDocument/2006/relationships" xmlns:mc="http://schemas.openxmlformats.org/markup-compatibility/2006" xmlns:mv="urn:schemas-microsoft-com:mac:vml" xmlns:p="http://schemas.openxmlformats.org/presentationml/2006/main" xmlns:c="http://schemas.openxmlformats.org/drawingml/2006/chart" xmlns:dgm="http://schemas.openxmlformats.org/drawingml/2006/diagram" xmlns:o="urn:schemas-microsoft-com:office:office" xmlns:v="urn:schemas-microsoft-com:vml" xmlns:pvml="urn:schemas-microsoft-com:office:powerpoint" xmlns:com="http://schemas.openxmlformats.org/drawingml/2006/compatibility" xmlns:p14="http://schemas.microsoft.com/office/powerpoint/2010/main" xmlns:p15="http://schemas.microsoft.com/office/powerpoint/2012/main" xmlns:ahyp="http://schemas.microsoft.com/office/drawing/2018/hyperlinkcolor" showMasterPhAnim="0" showMasterSp="0">
+<p:notes xmlns:a="http://schemas.openxmlformats.org/drawingml/2006/main" xmlns:r="http://schemas.openxmlformats.org/officeDocument/2006/relationships" xmlns:p="http://schemas.openxmlformats.org/presentationml/2006/main" showMasterSp="0" showMasterPhAnim="0">
   <p:cSld>
     <p:spTree>
       <p:nvGrpSpPr>
-        <p:cNvPr id="50" name="Shape 50"/>
+        <p:cNvPr id="1" name="Shape 50"/>
         <p:cNvGrpSpPr/>
         <p:nvPr/>
       </p:nvGrpSpPr>
@@ -737,9 +752,11 @@
       <p:sp>
         <p:nvSpPr>
           <p:cNvPr id="51" name="Google Shape;51;ga660e3e689_1_0:notes"/>
-          <p:cNvSpPr/>
+          <p:cNvSpPr>
+            <a:spLocks noGrp="1" noRot="1" noChangeAspect="1"/>
+          </p:cNvSpPr>
           <p:nvPr>
-            <p:ph idx="2" type="sldImg"/>
+            <p:ph type="sldImg" idx="2"/>
           </p:nvPr>
         </p:nvSpPr>
         <p:spPr>
@@ -748,9 +765,13 @@
             <a:ext cx="6096000" cy="3429000"/>
           </a:xfrm>
           <a:custGeom>
-            <a:rect b="b" l="l" r="r" t="t"/>
+            <a:avLst/>
+            <a:gdLst/>
+            <a:ahLst/>
+            <a:cxnLst/>
+            <a:rect l="l" t="t" r="r" b="b"/>
             <a:pathLst>
-              <a:path extrusionOk="0" h="120000" w="120000">
+              <a:path w="120000" h="120000" extrusionOk="0">
                 <a:moveTo>
                   <a:pt x="0" y="0"/>
                 </a:moveTo>
@@ -772,9 +793,11 @@
       <p:sp>
         <p:nvSpPr>
           <p:cNvPr id="52" name="Google Shape;52;ga660e3e689_1_0:notes"/>
-          <p:cNvSpPr txBox="1"/>
+          <p:cNvSpPr txBox="1">
+            <a:spLocks noGrp="1"/>
+          </p:cNvSpPr>
           <p:nvPr>
-            <p:ph idx="1" type="body"/>
+            <p:ph type="body" idx="1"/>
           </p:nvPr>
         </p:nvSpPr>
         <p:spPr>
@@ -787,12 +810,12 @@
           </a:prstGeom>
         </p:spPr>
         <p:txBody>
-          <a:bodyPr anchorCtr="0" anchor="t" bIns="91425" lIns="91425" spcFirstLastPara="1" rIns="91425" wrap="square" tIns="91425">
+          <a:bodyPr spcFirstLastPara="1" wrap="square" lIns="91425" tIns="91425" rIns="91425" bIns="91425" anchor="t" anchorCtr="0">
             <a:noAutofit/>
           </a:bodyPr>
           <a:lstStyle/>
           <a:p>
-            <a:pPr indent="0" lvl="0" marL="0" rtl="0" algn="l">
+            <a:pPr marL="0" lvl="0" indent="0" algn="l" rtl="0">
               <a:spcBef>
                 <a:spcPts val="0"/>
               </a:spcBef>
@@ -801,9 +824,6 @@
               </a:spcAft>
               <a:buNone/>
             </a:pPr>
-            <a:r>
-              <a:t/>
-            </a:r>
             <a:endParaRPr/>
           </a:p>
         </p:txBody>
@@ -817,11 +837,11 @@
 </file>
 
 <file path=ppt/notesSlides/notesSlide2.xml><?xml version="1.0" encoding="utf-8"?>
-<p:notes xmlns:a="http://schemas.openxmlformats.org/drawingml/2006/main" xmlns:r="http://schemas.openxmlformats.org/officeDocument/2006/relationships" xmlns:mc="http://schemas.openxmlformats.org/markup-compatibility/2006" xmlns:mv="urn:schemas-microsoft-com:mac:vml" xmlns:p="http://schemas.openxmlformats.org/presentationml/2006/main" xmlns:c="http://schemas.openxmlformats.org/drawingml/2006/chart" xmlns:dgm="http://schemas.openxmlformats.org/drawingml/2006/diagram" xmlns:o="urn:schemas-microsoft-com:office:office" xmlns:v="urn:schemas-microsoft-com:vml" xmlns:pvml="urn:schemas-microsoft-com:office:powerpoint" xmlns:com="http://schemas.openxmlformats.org/drawingml/2006/compatibility" xmlns:p14="http://schemas.microsoft.com/office/powerpoint/2010/main" xmlns:p15="http://schemas.microsoft.com/office/powerpoint/2012/main" xmlns:ahyp="http://schemas.microsoft.com/office/drawing/2018/hyperlinkcolor" showMasterPhAnim="0" showMasterSp="0">
+<p:notes xmlns:a="http://schemas.openxmlformats.org/drawingml/2006/main" xmlns:r="http://schemas.openxmlformats.org/officeDocument/2006/relationships" xmlns:p="http://schemas.openxmlformats.org/presentationml/2006/main" showMasterSp="0" showMasterPhAnim="0">
   <p:cSld>
     <p:spTree>
       <p:nvGrpSpPr>
-        <p:cNvPr id="57" name="Shape 57"/>
+        <p:cNvPr id="1" name="Shape 57"/>
         <p:cNvGrpSpPr/>
         <p:nvPr/>
       </p:nvGrpSpPr>
@@ -836,9 +856,11 @@
       <p:sp>
         <p:nvSpPr>
           <p:cNvPr id="58" name="Google Shape;58;ga660e3e689_1_101:notes"/>
-          <p:cNvSpPr/>
+          <p:cNvSpPr>
+            <a:spLocks noGrp="1" noRot="1" noChangeAspect="1"/>
+          </p:cNvSpPr>
           <p:nvPr>
-            <p:ph idx="2" type="sldImg"/>
+            <p:ph type="sldImg" idx="2"/>
           </p:nvPr>
         </p:nvSpPr>
         <p:spPr>
@@ -847,9 +869,13 @@
             <a:ext cx="6096000" cy="3429000"/>
           </a:xfrm>
           <a:custGeom>
-            <a:rect b="b" l="l" r="r" t="t"/>
+            <a:avLst/>
+            <a:gdLst/>
+            <a:ahLst/>
+            <a:cxnLst/>
+            <a:rect l="l" t="t" r="r" b="b"/>
             <a:pathLst>
-              <a:path extrusionOk="0" h="120000" w="120000">
+              <a:path w="120000" h="120000" extrusionOk="0">
                 <a:moveTo>
                   <a:pt x="0" y="0"/>
                 </a:moveTo>
@@ -871,9 +897,11 @@
       <p:sp>
         <p:nvSpPr>
           <p:cNvPr id="59" name="Google Shape;59;ga660e3e689_1_101:notes"/>
-          <p:cNvSpPr txBox="1"/>
+          <p:cNvSpPr txBox="1">
+            <a:spLocks noGrp="1"/>
+          </p:cNvSpPr>
           <p:nvPr>
-            <p:ph idx="1" type="body"/>
+            <p:ph type="body" idx="1"/>
           </p:nvPr>
         </p:nvSpPr>
         <p:spPr>
@@ -886,12 +914,12 @@
           </a:prstGeom>
         </p:spPr>
         <p:txBody>
-          <a:bodyPr anchorCtr="0" anchor="t" bIns="91425" lIns="91425" spcFirstLastPara="1" rIns="91425" wrap="square" tIns="91425">
+          <a:bodyPr spcFirstLastPara="1" wrap="square" lIns="91425" tIns="91425" rIns="91425" bIns="91425" anchor="t" anchorCtr="0">
             <a:noAutofit/>
           </a:bodyPr>
           <a:lstStyle/>
           <a:p>
-            <a:pPr indent="0" lvl="0" marL="0" rtl="0" algn="l">
+            <a:pPr marL="0" lvl="0" indent="0" algn="l" rtl="0">
               <a:spcBef>
                 <a:spcPts val="0"/>
               </a:spcBef>
@@ -900,9 +928,6 @@
               </a:spcAft>
               <a:buNone/>
             </a:pPr>
-            <a:r>
-              <a:t/>
-            </a:r>
             <a:endParaRPr/>
           </a:p>
         </p:txBody>
@@ -916,11 +941,11 @@
 </file>
 
 <file path=ppt/notesSlides/notesSlide3.xml><?xml version="1.0" encoding="utf-8"?>
-<p:notes xmlns:a="http://schemas.openxmlformats.org/drawingml/2006/main" xmlns:r="http://schemas.openxmlformats.org/officeDocument/2006/relationships" xmlns:mc="http://schemas.openxmlformats.org/markup-compatibility/2006" xmlns:mv="urn:schemas-microsoft-com:mac:vml" xmlns:p="http://schemas.openxmlformats.org/presentationml/2006/main" xmlns:c="http://schemas.openxmlformats.org/drawingml/2006/chart" xmlns:dgm="http://schemas.openxmlformats.org/drawingml/2006/diagram" xmlns:o="urn:schemas-microsoft-com:office:office" xmlns:v="urn:schemas-microsoft-com:vml" xmlns:pvml="urn:schemas-microsoft-com:office:powerpoint" xmlns:com="http://schemas.openxmlformats.org/drawingml/2006/compatibility" xmlns:p14="http://schemas.microsoft.com/office/powerpoint/2010/main" xmlns:p15="http://schemas.microsoft.com/office/powerpoint/2012/main" xmlns:ahyp="http://schemas.microsoft.com/office/drawing/2018/hyperlinkcolor" showMasterPhAnim="0" showMasterSp="0">
+<p:notes xmlns:a="http://schemas.openxmlformats.org/drawingml/2006/main" xmlns:r="http://schemas.openxmlformats.org/officeDocument/2006/relationships" xmlns:p="http://schemas.openxmlformats.org/presentationml/2006/main" showMasterSp="0" showMasterPhAnim="0">
   <p:cSld>
     <p:spTree>
       <p:nvGrpSpPr>
-        <p:cNvPr id="65" name="Shape 65"/>
+        <p:cNvPr id="1" name="Shape 65"/>
         <p:cNvGrpSpPr/>
         <p:nvPr/>
       </p:nvGrpSpPr>
@@ -935,9 +960,11 @@
       <p:sp>
         <p:nvSpPr>
           <p:cNvPr id="66" name="Google Shape;66;ga660e3e689_1_113:notes"/>
-          <p:cNvSpPr/>
+          <p:cNvSpPr>
+            <a:spLocks noGrp="1" noRot="1" noChangeAspect="1"/>
+          </p:cNvSpPr>
           <p:nvPr>
-            <p:ph idx="2" type="sldImg"/>
+            <p:ph type="sldImg" idx="2"/>
           </p:nvPr>
         </p:nvSpPr>
         <p:spPr>
@@ -946,9 +973,13 @@
             <a:ext cx="6096000" cy="3429000"/>
           </a:xfrm>
           <a:custGeom>
-            <a:rect b="b" l="l" r="r" t="t"/>
+            <a:avLst/>
+            <a:gdLst/>
+            <a:ahLst/>
+            <a:cxnLst/>
+            <a:rect l="l" t="t" r="r" b="b"/>
             <a:pathLst>
-              <a:path extrusionOk="0" h="120000" w="120000">
+              <a:path w="120000" h="120000" extrusionOk="0">
                 <a:moveTo>
                   <a:pt x="0" y="0"/>
                 </a:moveTo>
@@ -970,9 +1001,11 @@
       <p:sp>
         <p:nvSpPr>
           <p:cNvPr id="67" name="Google Shape;67;ga660e3e689_1_113:notes"/>
-          <p:cNvSpPr txBox="1"/>
+          <p:cNvSpPr txBox="1">
+            <a:spLocks noGrp="1"/>
+          </p:cNvSpPr>
           <p:nvPr>
-            <p:ph idx="1" type="body"/>
+            <p:ph type="body" idx="1"/>
           </p:nvPr>
         </p:nvSpPr>
         <p:spPr>
@@ -985,12 +1018,12 @@
           </a:prstGeom>
         </p:spPr>
         <p:txBody>
-          <a:bodyPr anchorCtr="0" anchor="t" bIns="91425" lIns="91425" spcFirstLastPara="1" rIns="91425" wrap="square" tIns="91425">
+          <a:bodyPr spcFirstLastPara="1" wrap="square" lIns="91425" tIns="91425" rIns="91425" bIns="91425" anchor="t" anchorCtr="0">
             <a:noAutofit/>
           </a:bodyPr>
           <a:lstStyle/>
           <a:p>
-            <a:pPr indent="0" lvl="0" marL="0" rtl="0" algn="l">
+            <a:pPr marL="0" lvl="0" indent="0" algn="l" rtl="0">
               <a:spcBef>
                 <a:spcPts val="0"/>
               </a:spcBef>
@@ -999,9 +1032,6 @@
               </a:spcAft>
               <a:buNone/>
             </a:pPr>
-            <a:r>
-              <a:t/>
-            </a:r>
             <a:endParaRPr/>
           </a:p>
         </p:txBody>
@@ -1015,11 +1045,11 @@
 </file>
 
 <file path=ppt/notesSlides/notesSlide4.xml><?xml version="1.0" encoding="utf-8"?>
-<p:notes xmlns:a="http://schemas.openxmlformats.org/drawingml/2006/main" xmlns:r="http://schemas.openxmlformats.org/officeDocument/2006/relationships" xmlns:mc="http://schemas.openxmlformats.org/markup-compatibility/2006" xmlns:mv="urn:schemas-microsoft-com:mac:vml" xmlns:p="http://schemas.openxmlformats.org/presentationml/2006/main" xmlns:c="http://schemas.openxmlformats.org/drawingml/2006/chart" xmlns:dgm="http://schemas.openxmlformats.org/drawingml/2006/diagram" xmlns:o="urn:schemas-microsoft-com:office:office" xmlns:v="urn:schemas-microsoft-com:vml" xmlns:pvml="urn:schemas-microsoft-com:office:powerpoint" xmlns:com="http://schemas.openxmlformats.org/drawingml/2006/compatibility" xmlns:p14="http://schemas.microsoft.com/office/powerpoint/2010/main" xmlns:p15="http://schemas.microsoft.com/office/powerpoint/2012/main" xmlns:ahyp="http://schemas.microsoft.com/office/drawing/2018/hyperlinkcolor" showMasterPhAnim="0" showMasterSp="0">
+<p:notes xmlns:a="http://schemas.openxmlformats.org/drawingml/2006/main" xmlns:r="http://schemas.openxmlformats.org/officeDocument/2006/relationships" xmlns:p="http://schemas.openxmlformats.org/presentationml/2006/main" showMasterSp="0" showMasterPhAnim="0">
   <p:cSld>
     <p:spTree>
       <p:nvGrpSpPr>
-        <p:cNvPr id="73" name="Shape 73"/>
+        <p:cNvPr id="1" name="Shape 65"/>
         <p:cNvGrpSpPr/>
         <p:nvPr/>
       </p:nvGrpSpPr>
@@ -1033,21 +1063,27 @@
       </p:grpSpPr>
       <p:sp>
         <p:nvSpPr>
-          <p:cNvPr id="74" name="Google Shape;74;ga660e3e689_1_121:notes"/>
-          <p:cNvSpPr/>
+          <p:cNvPr id="66" name="Google Shape;66;ga660e3e689_1_113:notes"/>
+          <p:cNvSpPr>
+            <a:spLocks noGrp="1" noRot="1" noChangeAspect="1"/>
+          </p:cNvSpPr>
           <p:nvPr>
-            <p:ph idx="2" type="sldImg"/>
+            <p:ph type="sldImg" idx="2"/>
           </p:nvPr>
         </p:nvSpPr>
         <p:spPr>
           <a:xfrm>
-            <a:off x="381300" y="685800"/>
+            <a:off x="381000" y="685800"/>
             <a:ext cx="6096000" cy="3429000"/>
           </a:xfrm>
           <a:custGeom>
-            <a:rect b="b" l="l" r="r" t="t"/>
+            <a:avLst/>
+            <a:gdLst/>
+            <a:ahLst/>
+            <a:cxnLst/>
+            <a:rect l="l" t="t" r="r" b="b"/>
             <a:pathLst>
-              <a:path extrusionOk="0" h="120000" w="120000">
+              <a:path w="120000" h="120000" extrusionOk="0">
                 <a:moveTo>
                   <a:pt x="0" y="0"/>
                 </a:moveTo>
@@ -1068,10 +1104,12 @@
       </p:sp>
       <p:sp>
         <p:nvSpPr>
-          <p:cNvPr id="75" name="Google Shape;75;ga660e3e689_1_121:notes"/>
-          <p:cNvSpPr txBox="1"/>
+          <p:cNvPr id="67" name="Google Shape;67;ga660e3e689_1_113:notes"/>
+          <p:cNvSpPr txBox="1">
+            <a:spLocks noGrp="1"/>
+          </p:cNvSpPr>
           <p:nvPr>
-            <p:ph idx="1" type="body"/>
+            <p:ph type="body" idx="1"/>
           </p:nvPr>
         </p:nvSpPr>
         <p:spPr>
@@ -1084,12 +1122,12 @@
           </a:prstGeom>
         </p:spPr>
         <p:txBody>
-          <a:bodyPr anchorCtr="0" anchor="t" bIns="91425" lIns="91425" spcFirstLastPara="1" rIns="91425" wrap="square" tIns="91425">
+          <a:bodyPr spcFirstLastPara="1" wrap="square" lIns="91425" tIns="91425" rIns="91425" bIns="91425" anchor="t" anchorCtr="0">
             <a:noAutofit/>
           </a:bodyPr>
           <a:lstStyle/>
           <a:p>
-            <a:pPr indent="0" lvl="0" marL="0" rtl="0" algn="l">
+            <a:pPr marL="0" lvl="0" indent="0" algn="l" rtl="0">
               <a:spcBef>
                 <a:spcPts val="0"/>
               </a:spcBef>
@@ -1098,14 +1136,16 @@
               </a:spcAft>
               <a:buNone/>
             </a:pPr>
-            <a:r>
-              <a:t/>
-            </a:r>
             <a:endParaRPr/>
           </a:p>
         </p:txBody>
       </p:sp>
     </p:spTree>
+    <p:extLst>
+      <p:ext uri="{BB962C8B-B14F-4D97-AF65-F5344CB8AC3E}">
+        <p14:creationId xmlns:p14="http://schemas.microsoft.com/office/powerpoint/2010/main" val="24296067"/>
+      </p:ext>
+    </p:extLst>
   </p:cSld>
   <p:clrMapOvr>
     <a:masterClrMapping/>
@@ -1114,11 +1154,11 @@
 </file>
 
 <file path=ppt/notesSlides/notesSlide5.xml><?xml version="1.0" encoding="utf-8"?>
-<p:notes xmlns:a="http://schemas.openxmlformats.org/drawingml/2006/main" xmlns:r="http://schemas.openxmlformats.org/officeDocument/2006/relationships" xmlns:mc="http://schemas.openxmlformats.org/markup-compatibility/2006" xmlns:mv="urn:schemas-microsoft-com:mac:vml" xmlns:p="http://schemas.openxmlformats.org/presentationml/2006/main" xmlns:c="http://schemas.openxmlformats.org/drawingml/2006/chart" xmlns:dgm="http://schemas.openxmlformats.org/drawingml/2006/diagram" xmlns:o="urn:schemas-microsoft-com:office:office" xmlns:v="urn:schemas-microsoft-com:vml" xmlns:pvml="urn:schemas-microsoft-com:office:powerpoint" xmlns:com="http://schemas.openxmlformats.org/drawingml/2006/compatibility" xmlns:p14="http://schemas.microsoft.com/office/powerpoint/2010/main" xmlns:p15="http://schemas.microsoft.com/office/powerpoint/2012/main" xmlns:ahyp="http://schemas.microsoft.com/office/drawing/2018/hyperlinkcolor" showMasterPhAnim="0" showMasterSp="0">
+<p:notes xmlns:a="http://schemas.openxmlformats.org/drawingml/2006/main" xmlns:r="http://schemas.openxmlformats.org/officeDocument/2006/relationships" xmlns:p="http://schemas.openxmlformats.org/presentationml/2006/main" showMasterSp="0" showMasterPhAnim="0">
   <p:cSld>
     <p:spTree>
       <p:nvGrpSpPr>
-        <p:cNvPr id="82" name="Shape 82"/>
+        <p:cNvPr id="1" name="Shape 82"/>
         <p:cNvGrpSpPr/>
         <p:nvPr/>
       </p:nvGrpSpPr>
@@ -1133,20 +1173,26 @@
       <p:sp>
         <p:nvSpPr>
           <p:cNvPr id="83" name="Google Shape;83;ga660e3e689_1_128:notes"/>
-          <p:cNvSpPr/>
+          <p:cNvSpPr>
+            <a:spLocks noGrp="1" noRot="1" noChangeAspect="1"/>
+          </p:cNvSpPr>
           <p:nvPr>
-            <p:ph idx="2" type="sldImg"/>
+            <p:ph type="sldImg" idx="2"/>
           </p:nvPr>
         </p:nvSpPr>
         <p:spPr>
           <a:xfrm>
-            <a:off x="381300" y="685800"/>
+            <a:off x="381000" y="685800"/>
             <a:ext cx="6096000" cy="3429000"/>
           </a:xfrm>
           <a:custGeom>
-            <a:rect b="b" l="l" r="r" t="t"/>
+            <a:avLst/>
+            <a:gdLst/>
+            <a:ahLst/>
+            <a:cxnLst/>
+            <a:rect l="l" t="t" r="r" b="b"/>
             <a:pathLst>
-              <a:path extrusionOk="0" h="120000" w="120000">
+              <a:path w="120000" h="120000" extrusionOk="0">
                 <a:moveTo>
                   <a:pt x="0" y="0"/>
                 </a:moveTo>
@@ -1168,9 +1214,11 @@
       <p:sp>
         <p:nvSpPr>
           <p:cNvPr id="84" name="Google Shape;84;ga660e3e689_1_128:notes"/>
-          <p:cNvSpPr txBox="1"/>
+          <p:cNvSpPr txBox="1">
+            <a:spLocks noGrp="1"/>
+          </p:cNvSpPr>
           <p:nvPr>
-            <p:ph idx="1" type="body"/>
+            <p:ph type="body" idx="1"/>
           </p:nvPr>
         </p:nvSpPr>
         <p:spPr>
@@ -1183,12 +1231,12 @@
           </a:prstGeom>
         </p:spPr>
         <p:txBody>
-          <a:bodyPr anchorCtr="0" anchor="t" bIns="91425" lIns="91425" spcFirstLastPara="1" rIns="91425" wrap="square" tIns="91425">
+          <a:bodyPr spcFirstLastPara="1" wrap="square" lIns="91425" tIns="91425" rIns="91425" bIns="91425" anchor="t" anchorCtr="0">
             <a:noAutofit/>
           </a:bodyPr>
           <a:lstStyle/>
           <a:p>
-            <a:pPr indent="0" lvl="0" marL="0" rtl="0" algn="l">
+            <a:pPr marL="0" lvl="0" indent="0" algn="l" rtl="0">
               <a:spcBef>
                 <a:spcPts val="0"/>
               </a:spcBef>
@@ -1197,9 +1245,6 @@
               </a:spcAft>
               <a:buNone/>
             </a:pPr>
-            <a:r>
-              <a:t/>
-            </a:r>
             <a:endParaRPr/>
           </a:p>
         </p:txBody>
@@ -1213,11 +1258,11 @@
 </file>
 
 <file path=ppt/notesSlides/notesSlide6.xml><?xml version="1.0" encoding="utf-8"?>
-<p:notes xmlns:a="http://schemas.openxmlformats.org/drawingml/2006/main" xmlns:r="http://schemas.openxmlformats.org/officeDocument/2006/relationships" xmlns:mc="http://schemas.openxmlformats.org/markup-compatibility/2006" xmlns:mv="urn:schemas-microsoft-com:mac:vml" xmlns:p="http://schemas.openxmlformats.org/presentationml/2006/main" xmlns:c="http://schemas.openxmlformats.org/drawingml/2006/chart" xmlns:dgm="http://schemas.openxmlformats.org/drawingml/2006/diagram" xmlns:o="urn:schemas-microsoft-com:office:office" xmlns:v="urn:schemas-microsoft-com:vml" xmlns:pvml="urn:schemas-microsoft-com:office:powerpoint" xmlns:com="http://schemas.openxmlformats.org/drawingml/2006/compatibility" xmlns:p14="http://schemas.microsoft.com/office/powerpoint/2010/main" xmlns:p15="http://schemas.microsoft.com/office/powerpoint/2012/main" xmlns:ahyp="http://schemas.microsoft.com/office/drawing/2018/hyperlinkcolor" showMasterPhAnim="0" showMasterSp="0">
+<p:notes xmlns:a="http://schemas.openxmlformats.org/drawingml/2006/main" xmlns:r="http://schemas.openxmlformats.org/officeDocument/2006/relationships" xmlns:p="http://schemas.openxmlformats.org/presentationml/2006/main" showMasterSp="0" showMasterPhAnim="0">
   <p:cSld>
     <p:spTree>
       <p:nvGrpSpPr>
-        <p:cNvPr id="88" name="Shape 88"/>
+        <p:cNvPr id="1" name="Shape 88"/>
         <p:cNvGrpSpPr/>
         <p:nvPr/>
       </p:nvGrpSpPr>
@@ -1232,20 +1277,26 @@
       <p:sp>
         <p:nvSpPr>
           <p:cNvPr id="89" name="Google Shape;89;ga660e3e689_1_137:notes"/>
-          <p:cNvSpPr/>
+          <p:cNvSpPr>
+            <a:spLocks noGrp="1" noRot="1" noChangeAspect="1"/>
+          </p:cNvSpPr>
           <p:nvPr>
-            <p:ph idx="2" type="sldImg"/>
+            <p:ph type="sldImg" idx="2"/>
           </p:nvPr>
         </p:nvSpPr>
         <p:spPr>
           <a:xfrm>
-            <a:off x="381300" y="685800"/>
+            <a:off x="381000" y="685800"/>
             <a:ext cx="6096000" cy="3429000"/>
           </a:xfrm>
           <a:custGeom>
-            <a:rect b="b" l="l" r="r" t="t"/>
+            <a:avLst/>
+            <a:gdLst/>
+            <a:ahLst/>
+            <a:cxnLst/>
+            <a:rect l="l" t="t" r="r" b="b"/>
             <a:pathLst>
-              <a:path extrusionOk="0" h="120000" w="120000">
+              <a:path w="120000" h="120000" extrusionOk="0">
                 <a:moveTo>
                   <a:pt x="0" y="0"/>
                 </a:moveTo>
@@ -1267,9 +1318,11 @@
       <p:sp>
         <p:nvSpPr>
           <p:cNvPr id="90" name="Google Shape;90;ga660e3e689_1_137:notes"/>
-          <p:cNvSpPr txBox="1"/>
+          <p:cNvSpPr txBox="1">
+            <a:spLocks noGrp="1"/>
+          </p:cNvSpPr>
           <p:nvPr>
-            <p:ph idx="1" type="body"/>
+            <p:ph type="body" idx="1"/>
           </p:nvPr>
         </p:nvSpPr>
         <p:spPr>
@@ -1282,12 +1335,12 @@
           </a:prstGeom>
         </p:spPr>
         <p:txBody>
-          <a:bodyPr anchorCtr="0" anchor="t" bIns="91425" lIns="91425" spcFirstLastPara="1" rIns="91425" wrap="square" tIns="91425">
+          <a:bodyPr spcFirstLastPara="1" wrap="square" lIns="91425" tIns="91425" rIns="91425" bIns="91425" anchor="t" anchorCtr="0">
             <a:noAutofit/>
           </a:bodyPr>
           <a:lstStyle/>
           <a:p>
-            <a:pPr indent="0" lvl="0" marL="0" rtl="0" algn="l">
+            <a:pPr marL="0" lvl="0" indent="0" algn="l" rtl="0">
               <a:spcBef>
                 <a:spcPts val="0"/>
               </a:spcBef>
@@ -1296,9 +1349,6 @@
               </a:spcAft>
               <a:buNone/>
             </a:pPr>
-            <a:r>
-              <a:t/>
-            </a:r>
             <a:endParaRPr/>
           </a:p>
         </p:txBody>
@@ -1312,11 +1362,11 @@
 </file>
 
 <file path=ppt/notesSlides/notesSlide7.xml><?xml version="1.0" encoding="utf-8"?>
-<p:notes xmlns:a="http://schemas.openxmlformats.org/drawingml/2006/main" xmlns:r="http://schemas.openxmlformats.org/officeDocument/2006/relationships" xmlns:mc="http://schemas.openxmlformats.org/markup-compatibility/2006" xmlns:mv="urn:schemas-microsoft-com:mac:vml" xmlns:p="http://schemas.openxmlformats.org/presentationml/2006/main" xmlns:c="http://schemas.openxmlformats.org/drawingml/2006/chart" xmlns:dgm="http://schemas.openxmlformats.org/drawingml/2006/diagram" xmlns:o="urn:schemas-microsoft-com:office:office" xmlns:v="urn:schemas-microsoft-com:vml" xmlns:pvml="urn:schemas-microsoft-com:office:powerpoint" xmlns:com="http://schemas.openxmlformats.org/drawingml/2006/compatibility" xmlns:p14="http://schemas.microsoft.com/office/powerpoint/2010/main" xmlns:p15="http://schemas.microsoft.com/office/powerpoint/2012/main" xmlns:ahyp="http://schemas.microsoft.com/office/drawing/2018/hyperlinkcolor" showMasterPhAnim="0" showMasterSp="0">
+<p:notes xmlns:a="http://schemas.openxmlformats.org/drawingml/2006/main" xmlns:r="http://schemas.openxmlformats.org/officeDocument/2006/relationships" xmlns:p="http://schemas.openxmlformats.org/presentationml/2006/main" showMasterSp="0" showMasterPhAnim="0">
   <p:cSld>
     <p:spTree>
       <p:nvGrpSpPr>
-        <p:cNvPr id="94" name="Shape 94"/>
+        <p:cNvPr id="1" name="Shape 94"/>
         <p:cNvGrpSpPr/>
         <p:nvPr/>
       </p:nvGrpSpPr>
@@ -1331,20 +1381,26 @@
       <p:sp>
         <p:nvSpPr>
           <p:cNvPr id="95" name="Google Shape;95;ga660e3e689_1_144:notes"/>
-          <p:cNvSpPr/>
+          <p:cNvSpPr>
+            <a:spLocks noGrp="1" noRot="1" noChangeAspect="1"/>
+          </p:cNvSpPr>
           <p:nvPr>
-            <p:ph idx="2" type="sldImg"/>
+            <p:ph type="sldImg" idx="2"/>
           </p:nvPr>
         </p:nvSpPr>
         <p:spPr>
           <a:xfrm>
-            <a:off x="381300" y="685800"/>
+            <a:off x="381000" y="685800"/>
             <a:ext cx="6096000" cy="3429000"/>
           </a:xfrm>
           <a:custGeom>
-            <a:rect b="b" l="l" r="r" t="t"/>
+            <a:avLst/>
+            <a:gdLst/>
+            <a:ahLst/>
+            <a:cxnLst/>
+            <a:rect l="l" t="t" r="r" b="b"/>
             <a:pathLst>
-              <a:path extrusionOk="0" h="120000" w="120000">
+              <a:path w="120000" h="120000" extrusionOk="0">
                 <a:moveTo>
                   <a:pt x="0" y="0"/>
                 </a:moveTo>
@@ -1366,9 +1422,11 @@
       <p:sp>
         <p:nvSpPr>
           <p:cNvPr id="96" name="Google Shape;96;ga660e3e689_1_144:notes"/>
-          <p:cNvSpPr txBox="1"/>
+          <p:cNvSpPr txBox="1">
+            <a:spLocks noGrp="1"/>
+          </p:cNvSpPr>
           <p:nvPr>
-            <p:ph idx="1" type="body"/>
+            <p:ph type="body" idx="1"/>
           </p:nvPr>
         </p:nvSpPr>
         <p:spPr>
@@ -1381,12 +1439,12 @@
           </a:prstGeom>
         </p:spPr>
         <p:txBody>
-          <a:bodyPr anchorCtr="0" anchor="t" bIns="91425" lIns="91425" spcFirstLastPara="1" rIns="91425" wrap="square" tIns="91425">
+          <a:bodyPr spcFirstLastPara="1" wrap="square" lIns="91425" tIns="91425" rIns="91425" bIns="91425" anchor="t" anchorCtr="0">
             <a:noAutofit/>
           </a:bodyPr>
           <a:lstStyle/>
           <a:p>
-            <a:pPr indent="0" lvl="0" marL="0" rtl="0" algn="l">
+            <a:pPr marL="0" lvl="0" indent="0" algn="l" rtl="0">
               <a:spcBef>
                 <a:spcPts val="0"/>
               </a:spcBef>
@@ -1395,9 +1453,6 @@
               </a:spcAft>
               <a:buNone/>
             </a:pPr>
-            <a:r>
-              <a:t/>
-            </a:r>
             <a:endParaRPr/>
           </a:p>
         </p:txBody>
@@ -1411,11 +1466,11 @@
 </file>
 
 <file path=ppt/notesSlides/notesSlide8.xml><?xml version="1.0" encoding="utf-8"?>
-<p:notes xmlns:a="http://schemas.openxmlformats.org/drawingml/2006/main" xmlns:r="http://schemas.openxmlformats.org/officeDocument/2006/relationships" xmlns:mc="http://schemas.openxmlformats.org/markup-compatibility/2006" xmlns:mv="urn:schemas-microsoft-com:mac:vml" xmlns:p="http://schemas.openxmlformats.org/presentationml/2006/main" xmlns:c="http://schemas.openxmlformats.org/drawingml/2006/chart" xmlns:dgm="http://schemas.openxmlformats.org/drawingml/2006/diagram" xmlns:o="urn:schemas-microsoft-com:office:office" xmlns:v="urn:schemas-microsoft-com:vml" xmlns:pvml="urn:schemas-microsoft-com:office:powerpoint" xmlns:com="http://schemas.openxmlformats.org/drawingml/2006/compatibility" xmlns:p14="http://schemas.microsoft.com/office/powerpoint/2010/main" xmlns:p15="http://schemas.microsoft.com/office/powerpoint/2012/main" xmlns:ahyp="http://schemas.microsoft.com/office/drawing/2018/hyperlinkcolor" showMasterPhAnim="0" showMasterSp="0">
+<p:notes xmlns:a="http://schemas.openxmlformats.org/drawingml/2006/main" xmlns:r="http://schemas.openxmlformats.org/officeDocument/2006/relationships" xmlns:p="http://schemas.openxmlformats.org/presentationml/2006/main" showMasterSp="0" showMasterPhAnim="0">
   <p:cSld>
     <p:spTree>
       <p:nvGrpSpPr>
-        <p:cNvPr id="100" name="Shape 100"/>
+        <p:cNvPr id="1" name="Shape 100"/>
         <p:cNvGrpSpPr/>
         <p:nvPr/>
       </p:nvGrpSpPr>
@@ -1430,20 +1485,26 @@
       <p:sp>
         <p:nvSpPr>
           <p:cNvPr id="101" name="Google Shape;101;ga660e3e689_1_151:notes"/>
-          <p:cNvSpPr/>
+          <p:cNvSpPr>
+            <a:spLocks noGrp="1" noRot="1" noChangeAspect="1"/>
+          </p:cNvSpPr>
           <p:nvPr>
-            <p:ph idx="2" type="sldImg"/>
+            <p:ph type="sldImg" idx="2"/>
           </p:nvPr>
         </p:nvSpPr>
         <p:spPr>
           <a:xfrm>
-            <a:off x="381300" y="685800"/>
+            <a:off x="381000" y="685800"/>
             <a:ext cx="6096000" cy="3429000"/>
           </a:xfrm>
           <a:custGeom>
-            <a:rect b="b" l="l" r="r" t="t"/>
+            <a:avLst/>
+            <a:gdLst/>
+            <a:ahLst/>
+            <a:cxnLst/>
+            <a:rect l="l" t="t" r="r" b="b"/>
             <a:pathLst>
-              <a:path extrusionOk="0" h="120000" w="120000">
+              <a:path w="120000" h="120000" extrusionOk="0">
                 <a:moveTo>
                   <a:pt x="0" y="0"/>
                 </a:moveTo>
@@ -1465,9 +1526,11 @@
       <p:sp>
         <p:nvSpPr>
           <p:cNvPr id="102" name="Google Shape;102;ga660e3e689_1_151:notes"/>
-          <p:cNvSpPr txBox="1"/>
+          <p:cNvSpPr txBox="1">
+            <a:spLocks noGrp="1"/>
+          </p:cNvSpPr>
           <p:nvPr>
-            <p:ph idx="1" type="body"/>
+            <p:ph type="body" idx="1"/>
           </p:nvPr>
         </p:nvSpPr>
         <p:spPr>
@@ -1480,12 +1543,12 @@
           </a:prstGeom>
         </p:spPr>
         <p:txBody>
-          <a:bodyPr anchorCtr="0" anchor="t" bIns="91425" lIns="91425" spcFirstLastPara="1" rIns="91425" wrap="square" tIns="91425">
+          <a:bodyPr spcFirstLastPara="1" wrap="square" lIns="91425" tIns="91425" rIns="91425" bIns="91425" anchor="t" anchorCtr="0">
             <a:noAutofit/>
           </a:bodyPr>
           <a:lstStyle/>
           <a:p>
-            <a:pPr indent="0" lvl="0" marL="0" rtl="0" algn="l">
+            <a:pPr marL="0" lvl="0" indent="0" algn="l" rtl="0">
               <a:spcBef>
                 <a:spcPts val="0"/>
               </a:spcBef>
@@ -1494,9 +1557,6 @@
               </a:spcAft>
               <a:buNone/>
             </a:pPr>
-            <a:r>
-              <a:t/>
-            </a:r>
             <a:endParaRPr/>
           </a:p>
         </p:txBody>
@@ -1510,11 +1570,11 @@
 </file>
 
 <file path=ppt/notesSlides/notesSlide9.xml><?xml version="1.0" encoding="utf-8"?>
-<p:notes xmlns:a="http://schemas.openxmlformats.org/drawingml/2006/main" xmlns:r="http://schemas.openxmlformats.org/officeDocument/2006/relationships" xmlns:mc="http://schemas.openxmlformats.org/markup-compatibility/2006" xmlns:mv="urn:schemas-microsoft-com:mac:vml" xmlns:p="http://schemas.openxmlformats.org/presentationml/2006/main" xmlns:c="http://schemas.openxmlformats.org/drawingml/2006/chart" xmlns:dgm="http://schemas.openxmlformats.org/drawingml/2006/diagram" xmlns:o="urn:schemas-microsoft-com:office:office" xmlns:v="urn:schemas-microsoft-com:vml" xmlns:pvml="urn:schemas-microsoft-com:office:powerpoint" xmlns:com="http://schemas.openxmlformats.org/drawingml/2006/compatibility" xmlns:p14="http://schemas.microsoft.com/office/powerpoint/2010/main" xmlns:p15="http://schemas.microsoft.com/office/powerpoint/2012/main" xmlns:ahyp="http://schemas.microsoft.com/office/drawing/2018/hyperlinkcolor" showMasterPhAnim="0" showMasterSp="0">
+<p:notes xmlns:a="http://schemas.openxmlformats.org/drawingml/2006/main" xmlns:r="http://schemas.openxmlformats.org/officeDocument/2006/relationships" xmlns:p="http://schemas.openxmlformats.org/presentationml/2006/main" showMasterSp="0" showMasterPhAnim="0">
   <p:cSld>
     <p:spTree>
       <p:nvGrpSpPr>
-        <p:cNvPr id="106" name="Shape 106"/>
+        <p:cNvPr id="1" name="Shape 106"/>
         <p:cNvGrpSpPr/>
         <p:nvPr/>
       </p:nvGrpSpPr>
@@ -1529,9 +1589,11 @@
       <p:sp>
         <p:nvSpPr>
           <p:cNvPr id="107" name="Google Shape;107;ga660e3e689_1_158:notes"/>
-          <p:cNvSpPr/>
+          <p:cNvSpPr>
+            <a:spLocks noGrp="1" noRot="1" noChangeAspect="1"/>
+          </p:cNvSpPr>
           <p:nvPr>
-            <p:ph idx="2" type="sldImg"/>
+            <p:ph type="sldImg" idx="2"/>
           </p:nvPr>
         </p:nvSpPr>
         <p:spPr>
@@ -1540,9 +1602,13 @@
             <a:ext cx="6096000" cy="3429000"/>
           </a:xfrm>
           <a:custGeom>
-            <a:rect b="b" l="l" r="r" t="t"/>
+            <a:avLst/>
+            <a:gdLst/>
+            <a:ahLst/>
+            <a:cxnLst/>
+            <a:rect l="l" t="t" r="r" b="b"/>
             <a:pathLst>
-              <a:path extrusionOk="0" h="120000" w="120000">
+              <a:path w="120000" h="120000" extrusionOk="0">
                 <a:moveTo>
                   <a:pt x="0" y="0"/>
                 </a:moveTo>
@@ -1564,9 +1630,11 @@
       <p:sp>
         <p:nvSpPr>
           <p:cNvPr id="108" name="Google Shape;108;ga660e3e689_1_158:notes"/>
-          <p:cNvSpPr txBox="1"/>
+          <p:cNvSpPr txBox="1">
+            <a:spLocks noGrp="1"/>
+          </p:cNvSpPr>
           <p:nvPr>
-            <p:ph idx="1" type="body"/>
+            <p:ph type="body" idx="1"/>
           </p:nvPr>
         </p:nvSpPr>
         <p:spPr>
@@ -1579,12 +1647,12 @@
           </a:prstGeom>
         </p:spPr>
         <p:txBody>
-          <a:bodyPr anchorCtr="0" anchor="t" bIns="91425" lIns="91425" spcFirstLastPara="1" rIns="91425" wrap="square" tIns="91425">
+          <a:bodyPr spcFirstLastPara="1" wrap="square" lIns="91425" tIns="91425" rIns="91425" bIns="91425" anchor="t" anchorCtr="0">
             <a:noAutofit/>
           </a:bodyPr>
           <a:lstStyle/>
           <a:p>
-            <a:pPr indent="0" lvl="0" marL="0" rtl="0" algn="l">
+            <a:pPr marL="0" lvl="0" indent="0" algn="l" rtl="0">
               <a:spcBef>
                 <a:spcPts val="0"/>
               </a:spcBef>
@@ -1593,9 +1661,6 @@
               </a:spcAft>
               <a:buNone/>
             </a:pPr>
-            <a:r>
-              <a:t/>
-            </a:r>
             <a:endParaRPr/>
           </a:p>
         </p:txBody>
@@ -1609,11 +1674,11 @@
 </file>
 
 <file path=ppt/slideLayouts/slideLayout1.xml><?xml version="1.0" encoding="utf-8"?>
-<p:sldLayout xmlns:a="http://schemas.openxmlformats.org/drawingml/2006/main" xmlns:r="http://schemas.openxmlformats.org/officeDocument/2006/relationships" xmlns:mc="http://schemas.openxmlformats.org/markup-compatibility/2006" xmlns:mv="urn:schemas-microsoft-com:mac:vml" xmlns:p="http://schemas.openxmlformats.org/presentationml/2006/main" xmlns:c="http://schemas.openxmlformats.org/drawingml/2006/chart" xmlns:dgm="http://schemas.openxmlformats.org/drawingml/2006/diagram" xmlns:o="urn:schemas-microsoft-com:office:office" xmlns:v="urn:schemas-microsoft-com:vml" xmlns:pvml="urn:schemas-microsoft-com:office:powerpoint" xmlns:com="http://schemas.openxmlformats.org/drawingml/2006/compatibility" xmlns:p14="http://schemas.microsoft.com/office/powerpoint/2010/main" xmlns:p15="http://schemas.microsoft.com/office/powerpoint/2012/main" xmlns:ahyp="http://schemas.microsoft.com/office/drawing/2018/hyperlinkcolor" matchingName="Title slide" type="title">
+<p:sldLayout xmlns:a="http://schemas.openxmlformats.org/drawingml/2006/main" xmlns:r="http://schemas.openxmlformats.org/officeDocument/2006/relationships" xmlns:p="http://schemas.openxmlformats.org/presentationml/2006/main" matchingName="Title slide" type="title">
   <p:cSld name="TITLE">
     <p:spTree>
       <p:nvGrpSpPr>
-        <p:cNvPr id="9" name="Shape 9"/>
+        <p:cNvPr id="1" name="Shape 9"/>
         <p:cNvGrpSpPr/>
         <p:nvPr/>
       </p:nvGrpSpPr>
@@ -1628,7 +1693,9 @@
       <p:sp>
         <p:nvSpPr>
           <p:cNvPr id="10" name="Google Shape;10;p2"/>
-          <p:cNvSpPr txBox="1"/>
+          <p:cNvSpPr txBox="1">
+            <a:spLocks noGrp="1"/>
+          </p:cNvSpPr>
           <p:nvPr>
             <p:ph type="ctrTitle"/>
           </p:nvPr>
@@ -1643,7 +1710,7 @@
           </a:prstGeom>
         </p:spPr>
         <p:txBody>
-          <a:bodyPr anchorCtr="0" anchor="b" bIns="91425" lIns="91425" spcFirstLastPara="1" rIns="91425" wrap="square" tIns="91425">
+          <a:bodyPr spcFirstLastPara="1" wrap="square" lIns="91425" tIns="91425" rIns="91425" bIns="91425" anchor="b" anchorCtr="0">
             <a:noAutofit/>
           </a:bodyPr>
           <a:lstStyle>
@@ -1747,15 +1814,19 @@
               <a:defRPr sz="5200"/>
             </a:lvl9pPr>
           </a:lstStyle>
-          <a:p/>
+          <a:p>
+            <a:endParaRPr/>
+          </a:p>
         </p:txBody>
       </p:sp>
       <p:sp>
         <p:nvSpPr>
           <p:cNvPr id="11" name="Google Shape;11;p2"/>
-          <p:cNvSpPr txBox="1"/>
+          <p:cNvSpPr txBox="1">
+            <a:spLocks noGrp="1"/>
+          </p:cNvSpPr>
           <p:nvPr>
-            <p:ph idx="1" type="subTitle"/>
+            <p:ph type="subTitle" idx="1"/>
           </p:nvPr>
         </p:nvSpPr>
         <p:spPr>
@@ -1768,7 +1839,7 @@
           </a:prstGeom>
         </p:spPr>
         <p:txBody>
-          <a:bodyPr anchorCtr="0" anchor="t" bIns="91425" lIns="91425" spcFirstLastPara="1" rIns="91425" wrap="square" tIns="91425">
+          <a:bodyPr spcFirstLastPara="1" wrap="square" lIns="91425" tIns="91425" rIns="91425" bIns="91425" anchor="t" anchorCtr="0">
             <a:noAutofit/>
           </a:bodyPr>
           <a:lstStyle>
@@ -1899,15 +1970,19 @@
               <a:defRPr sz="2800"/>
             </a:lvl9pPr>
           </a:lstStyle>
-          <a:p/>
+          <a:p>
+            <a:endParaRPr/>
+          </a:p>
         </p:txBody>
       </p:sp>
       <p:sp>
         <p:nvSpPr>
           <p:cNvPr id="12" name="Google Shape;12;p2"/>
-          <p:cNvSpPr txBox="1"/>
+          <p:cNvSpPr txBox="1">
+            <a:spLocks noGrp="1"/>
+          </p:cNvSpPr>
           <p:nvPr>
-            <p:ph idx="12" type="sldNum"/>
+            <p:ph type="sldNum" idx="12"/>
           </p:nvPr>
         </p:nvSpPr>
         <p:spPr>
@@ -1920,7 +1995,7 @@
           </a:prstGeom>
         </p:spPr>
         <p:txBody>
-          <a:bodyPr anchorCtr="0" anchor="ctr" bIns="91425" lIns="91425" spcFirstLastPara="1" rIns="91425" wrap="square" tIns="91425">
+          <a:bodyPr spcFirstLastPara="1" wrap="square" lIns="91425" tIns="91425" rIns="91425" bIns="91425" anchor="ctr" anchorCtr="0">
             <a:noAutofit/>
           </a:bodyPr>
           <a:lstStyle>
@@ -1962,7 +2037,7 @@
             </a:lvl9pPr>
           </a:lstStyle>
           <a:p>
-            <a:pPr indent="0" lvl="0" marL="0" rtl="0" algn="r">
+            <a:pPr marL="0" lvl="0" indent="0" algn="r" rtl="0">
               <a:spcBef>
                 <a:spcPts val="0"/>
               </a:spcBef>
@@ -1988,11 +2063,11 @@
 </file>
 
 <file path=ppt/slideLayouts/slideLayout10.xml><?xml version="1.0" encoding="utf-8"?>
-<p:sldLayout xmlns:a="http://schemas.openxmlformats.org/drawingml/2006/main" xmlns:r="http://schemas.openxmlformats.org/officeDocument/2006/relationships" xmlns:mc="http://schemas.openxmlformats.org/markup-compatibility/2006" xmlns:mv="urn:schemas-microsoft-com:mac:vml" xmlns:p="http://schemas.openxmlformats.org/presentationml/2006/main" xmlns:c="http://schemas.openxmlformats.org/drawingml/2006/chart" xmlns:dgm="http://schemas.openxmlformats.org/drawingml/2006/diagram" xmlns:o="urn:schemas-microsoft-com:office:office" xmlns:v="urn:schemas-microsoft-com:vml" xmlns:pvml="urn:schemas-microsoft-com:office:powerpoint" xmlns:com="http://schemas.openxmlformats.org/drawingml/2006/compatibility" xmlns:p14="http://schemas.microsoft.com/office/powerpoint/2010/main" xmlns:p15="http://schemas.microsoft.com/office/powerpoint/2012/main" xmlns:ahyp="http://schemas.microsoft.com/office/drawing/2018/hyperlinkcolor" matchingName="Big number">
+<p:sldLayout xmlns:a="http://schemas.openxmlformats.org/drawingml/2006/main" xmlns:r="http://schemas.openxmlformats.org/officeDocument/2006/relationships" xmlns:p="http://schemas.openxmlformats.org/presentationml/2006/main" matchingName="Big number">
   <p:cSld name="BIG_NUMBER">
     <p:spTree>
       <p:nvGrpSpPr>
-        <p:cNvPr id="44" name="Shape 44"/>
+        <p:cNvPr id="1" name="Shape 44"/>
         <p:cNvGrpSpPr/>
         <p:nvPr/>
       </p:nvGrpSpPr>
@@ -2007,9 +2082,11 @@
       <p:sp>
         <p:nvSpPr>
           <p:cNvPr id="45" name="Google Shape;45;p11"/>
-          <p:cNvSpPr txBox="1"/>
+          <p:cNvSpPr txBox="1">
+            <a:spLocks noGrp="1"/>
+          </p:cNvSpPr>
           <p:nvPr>
-            <p:ph hasCustomPrompt="1" type="title"/>
+            <p:ph type="title" hasCustomPrompt="1"/>
           </p:nvPr>
         </p:nvSpPr>
         <p:spPr>
@@ -2022,7 +2099,7 @@
           </a:prstGeom>
         </p:spPr>
         <p:txBody>
-          <a:bodyPr anchorCtr="0" anchor="b" bIns="91425" lIns="91425" spcFirstLastPara="1" rIns="91425" wrap="square" tIns="91425">
+          <a:bodyPr spcFirstLastPara="1" wrap="square" lIns="91425" tIns="91425" rIns="91425" bIns="91425" anchor="b" anchorCtr="0">
             <a:noAutofit/>
           </a:bodyPr>
           <a:lstStyle>
@@ -2136,9 +2213,11 @@
       <p:sp>
         <p:nvSpPr>
           <p:cNvPr id="46" name="Google Shape;46;p11"/>
-          <p:cNvSpPr txBox="1"/>
+          <p:cNvSpPr txBox="1">
+            <a:spLocks noGrp="1"/>
+          </p:cNvSpPr>
           <p:nvPr>
-            <p:ph idx="1" type="body"/>
+            <p:ph type="body" idx="1"/>
           </p:nvPr>
         </p:nvSpPr>
         <p:spPr>
@@ -2151,11 +2230,11 @@
           </a:prstGeom>
         </p:spPr>
         <p:txBody>
-          <a:bodyPr anchorCtr="0" anchor="t" bIns="91425" lIns="91425" spcFirstLastPara="1" rIns="91425" wrap="square" tIns="91425">
+          <a:bodyPr spcFirstLastPara="1" wrap="square" lIns="91425" tIns="91425" rIns="91425" bIns="91425" anchor="t" anchorCtr="0">
             <a:noAutofit/>
           </a:bodyPr>
           <a:lstStyle>
-            <a:lvl1pPr indent="-342900" lvl="0" marL="457200" algn="ctr">
+            <a:lvl1pPr marL="457200" lvl="0" indent="-342900" algn="ctr">
               <a:spcBef>
                 <a:spcPts val="0"/>
               </a:spcBef>
@@ -2166,7 +2245,7 @@
               <a:buChar char="●"/>
               <a:defRPr/>
             </a:lvl1pPr>
-            <a:lvl2pPr indent="-317500" lvl="1" marL="914400" algn="ctr">
+            <a:lvl2pPr marL="914400" lvl="1" indent="-317500" algn="ctr">
               <a:spcBef>
                 <a:spcPts val="1600"/>
               </a:spcBef>
@@ -2177,7 +2256,7 @@
               <a:buChar char="○"/>
               <a:defRPr/>
             </a:lvl2pPr>
-            <a:lvl3pPr indent="-317500" lvl="2" marL="1371600" algn="ctr">
+            <a:lvl3pPr marL="1371600" lvl="2" indent="-317500" algn="ctr">
               <a:spcBef>
                 <a:spcPts val="1600"/>
               </a:spcBef>
@@ -2188,7 +2267,7 @@
               <a:buChar char="■"/>
               <a:defRPr/>
             </a:lvl3pPr>
-            <a:lvl4pPr indent="-317500" lvl="3" marL="1828800" algn="ctr">
+            <a:lvl4pPr marL="1828800" lvl="3" indent="-317500" algn="ctr">
               <a:spcBef>
                 <a:spcPts val="1600"/>
               </a:spcBef>
@@ -2199,7 +2278,7 @@
               <a:buChar char="●"/>
               <a:defRPr/>
             </a:lvl4pPr>
-            <a:lvl5pPr indent="-317500" lvl="4" marL="2286000" algn="ctr">
+            <a:lvl5pPr marL="2286000" lvl="4" indent="-317500" algn="ctr">
               <a:spcBef>
                 <a:spcPts val="1600"/>
               </a:spcBef>
@@ -2210,7 +2289,7 @@
               <a:buChar char="○"/>
               <a:defRPr/>
             </a:lvl5pPr>
-            <a:lvl6pPr indent="-317500" lvl="5" marL="2743200" algn="ctr">
+            <a:lvl6pPr marL="2743200" lvl="5" indent="-317500" algn="ctr">
               <a:spcBef>
                 <a:spcPts val="1600"/>
               </a:spcBef>
@@ -2221,7 +2300,7 @@
               <a:buChar char="■"/>
               <a:defRPr/>
             </a:lvl6pPr>
-            <a:lvl7pPr indent="-317500" lvl="6" marL="3200400" algn="ctr">
+            <a:lvl7pPr marL="3200400" lvl="6" indent="-317500" algn="ctr">
               <a:spcBef>
                 <a:spcPts val="1600"/>
               </a:spcBef>
@@ -2232,7 +2311,7 @@
               <a:buChar char="●"/>
               <a:defRPr/>
             </a:lvl7pPr>
-            <a:lvl8pPr indent="-317500" lvl="7" marL="3657600" algn="ctr">
+            <a:lvl8pPr marL="3657600" lvl="7" indent="-317500" algn="ctr">
               <a:spcBef>
                 <a:spcPts val="1600"/>
               </a:spcBef>
@@ -2243,7 +2322,7 @@
               <a:buChar char="○"/>
               <a:defRPr/>
             </a:lvl8pPr>
-            <a:lvl9pPr indent="-317500" lvl="8" marL="4114800" algn="ctr">
+            <a:lvl9pPr marL="4114800" lvl="8" indent="-317500" algn="ctr">
               <a:spcBef>
                 <a:spcPts val="1600"/>
               </a:spcBef>
@@ -2255,15 +2334,19 @@
               <a:defRPr/>
             </a:lvl9pPr>
           </a:lstStyle>
-          <a:p/>
+          <a:p>
+            <a:endParaRPr/>
+          </a:p>
         </p:txBody>
       </p:sp>
       <p:sp>
         <p:nvSpPr>
           <p:cNvPr id="47" name="Google Shape;47;p11"/>
-          <p:cNvSpPr txBox="1"/>
+          <p:cNvSpPr txBox="1">
+            <a:spLocks noGrp="1"/>
+          </p:cNvSpPr>
           <p:nvPr>
-            <p:ph idx="12" type="sldNum"/>
+            <p:ph type="sldNum" idx="12"/>
           </p:nvPr>
         </p:nvSpPr>
         <p:spPr>
@@ -2276,7 +2359,7 @@
           </a:prstGeom>
         </p:spPr>
         <p:txBody>
-          <a:bodyPr anchorCtr="0" anchor="ctr" bIns="91425" lIns="91425" spcFirstLastPara="1" rIns="91425" wrap="square" tIns="91425">
+          <a:bodyPr spcFirstLastPara="1" wrap="square" lIns="91425" tIns="91425" rIns="91425" bIns="91425" anchor="ctr" anchorCtr="0">
             <a:noAutofit/>
           </a:bodyPr>
           <a:lstStyle>
@@ -2318,7 +2401,7 @@
             </a:lvl9pPr>
           </a:lstStyle>
           <a:p>
-            <a:pPr indent="0" lvl="0" marL="0" rtl="0" algn="r">
+            <a:pPr marL="0" lvl="0" indent="0" algn="r" rtl="0">
               <a:spcBef>
                 <a:spcPts val="0"/>
               </a:spcBef>
@@ -2344,11 +2427,11 @@
 </file>
 
 <file path=ppt/slideLayouts/slideLayout11.xml><?xml version="1.0" encoding="utf-8"?>
-<p:sldLayout xmlns:a="http://schemas.openxmlformats.org/drawingml/2006/main" xmlns:r="http://schemas.openxmlformats.org/officeDocument/2006/relationships" xmlns:mc="http://schemas.openxmlformats.org/markup-compatibility/2006" xmlns:mv="urn:schemas-microsoft-com:mac:vml" xmlns:p="http://schemas.openxmlformats.org/presentationml/2006/main" xmlns:c="http://schemas.openxmlformats.org/drawingml/2006/chart" xmlns:dgm="http://schemas.openxmlformats.org/drawingml/2006/diagram" xmlns:o="urn:schemas-microsoft-com:office:office" xmlns:v="urn:schemas-microsoft-com:vml" xmlns:pvml="urn:schemas-microsoft-com:office:powerpoint" xmlns:com="http://schemas.openxmlformats.org/drawingml/2006/compatibility" xmlns:p14="http://schemas.microsoft.com/office/powerpoint/2010/main" xmlns:p15="http://schemas.microsoft.com/office/powerpoint/2012/main" xmlns:ahyp="http://schemas.microsoft.com/office/drawing/2018/hyperlinkcolor" matchingName="Blank" type="blank">
+<p:sldLayout xmlns:a="http://schemas.openxmlformats.org/drawingml/2006/main" xmlns:r="http://schemas.openxmlformats.org/officeDocument/2006/relationships" xmlns:p="http://schemas.openxmlformats.org/presentationml/2006/main" matchingName="Blank" type="blank">
   <p:cSld name="BLANK">
     <p:spTree>
       <p:nvGrpSpPr>
-        <p:cNvPr id="48" name="Shape 48"/>
+        <p:cNvPr id="1" name="Shape 48"/>
         <p:cNvGrpSpPr/>
         <p:nvPr/>
       </p:nvGrpSpPr>
@@ -2363,9 +2446,11 @@
       <p:sp>
         <p:nvSpPr>
           <p:cNvPr id="49" name="Google Shape;49;p12"/>
-          <p:cNvSpPr txBox="1"/>
+          <p:cNvSpPr txBox="1">
+            <a:spLocks noGrp="1"/>
+          </p:cNvSpPr>
           <p:nvPr>
-            <p:ph idx="12" type="sldNum"/>
+            <p:ph type="sldNum" idx="12"/>
           </p:nvPr>
         </p:nvSpPr>
         <p:spPr>
@@ -2378,7 +2463,7 @@
           </a:prstGeom>
         </p:spPr>
         <p:txBody>
-          <a:bodyPr anchorCtr="0" anchor="ctr" bIns="91425" lIns="91425" spcFirstLastPara="1" rIns="91425" wrap="square" tIns="91425">
+          <a:bodyPr spcFirstLastPara="1" wrap="square" lIns="91425" tIns="91425" rIns="91425" bIns="91425" anchor="ctr" anchorCtr="0">
             <a:noAutofit/>
           </a:bodyPr>
           <a:lstStyle>
@@ -2420,7 +2505,7 @@
             </a:lvl9pPr>
           </a:lstStyle>
           <a:p>
-            <a:pPr indent="0" lvl="0" marL="0" rtl="0" algn="r">
+            <a:pPr marL="0" lvl="0" indent="0" algn="r" rtl="0">
               <a:spcBef>
                 <a:spcPts val="0"/>
               </a:spcBef>
@@ -2446,11 +2531,11 @@
 </file>
 
 <file path=ppt/slideLayouts/slideLayout2.xml><?xml version="1.0" encoding="utf-8"?>
-<p:sldLayout xmlns:a="http://schemas.openxmlformats.org/drawingml/2006/main" xmlns:r="http://schemas.openxmlformats.org/officeDocument/2006/relationships" xmlns:mc="http://schemas.openxmlformats.org/markup-compatibility/2006" xmlns:mv="urn:schemas-microsoft-com:mac:vml" xmlns:p="http://schemas.openxmlformats.org/presentationml/2006/main" xmlns:c="http://schemas.openxmlformats.org/drawingml/2006/chart" xmlns:dgm="http://schemas.openxmlformats.org/drawingml/2006/diagram" xmlns:o="urn:schemas-microsoft-com:office:office" xmlns:v="urn:schemas-microsoft-com:vml" xmlns:pvml="urn:schemas-microsoft-com:office:powerpoint" xmlns:com="http://schemas.openxmlformats.org/drawingml/2006/compatibility" xmlns:p14="http://schemas.microsoft.com/office/powerpoint/2010/main" xmlns:p15="http://schemas.microsoft.com/office/powerpoint/2012/main" xmlns:ahyp="http://schemas.microsoft.com/office/drawing/2018/hyperlinkcolor" matchingName="Section header" type="secHead">
+<p:sldLayout xmlns:a="http://schemas.openxmlformats.org/drawingml/2006/main" xmlns:r="http://schemas.openxmlformats.org/officeDocument/2006/relationships" xmlns:p="http://schemas.openxmlformats.org/presentationml/2006/main" matchingName="Section header" type="secHead">
   <p:cSld name="SECTION_HEADER">
     <p:spTree>
       <p:nvGrpSpPr>
-        <p:cNvPr id="13" name="Shape 13"/>
+        <p:cNvPr id="1" name="Shape 13"/>
         <p:cNvGrpSpPr/>
         <p:nvPr/>
       </p:nvGrpSpPr>
@@ -2465,7 +2550,9 @@
       <p:sp>
         <p:nvSpPr>
           <p:cNvPr id="14" name="Google Shape;14;p3"/>
-          <p:cNvSpPr txBox="1"/>
+          <p:cNvSpPr txBox="1">
+            <a:spLocks noGrp="1"/>
+          </p:cNvSpPr>
           <p:nvPr>
             <p:ph type="title"/>
           </p:nvPr>
@@ -2480,7 +2567,7 @@
           </a:prstGeom>
         </p:spPr>
         <p:txBody>
-          <a:bodyPr anchorCtr="0" anchor="ctr" bIns="91425" lIns="91425" spcFirstLastPara="1" rIns="91425" wrap="square" tIns="91425">
+          <a:bodyPr spcFirstLastPara="1" wrap="square" lIns="91425" tIns="91425" rIns="91425" bIns="91425" anchor="ctr" anchorCtr="0">
             <a:noAutofit/>
           </a:bodyPr>
           <a:lstStyle>
@@ -2584,15 +2671,19 @@
               <a:defRPr sz="3600"/>
             </a:lvl9pPr>
           </a:lstStyle>
-          <a:p/>
+          <a:p>
+            <a:endParaRPr/>
+          </a:p>
         </p:txBody>
       </p:sp>
       <p:sp>
         <p:nvSpPr>
           <p:cNvPr id="15" name="Google Shape;15;p3"/>
-          <p:cNvSpPr txBox="1"/>
+          <p:cNvSpPr txBox="1">
+            <a:spLocks noGrp="1"/>
+          </p:cNvSpPr>
           <p:nvPr>
-            <p:ph idx="12" type="sldNum"/>
+            <p:ph type="sldNum" idx="12"/>
           </p:nvPr>
         </p:nvSpPr>
         <p:spPr>
@@ -2605,7 +2696,7 @@
           </a:prstGeom>
         </p:spPr>
         <p:txBody>
-          <a:bodyPr anchorCtr="0" anchor="ctr" bIns="91425" lIns="91425" spcFirstLastPara="1" rIns="91425" wrap="square" tIns="91425">
+          <a:bodyPr spcFirstLastPara="1" wrap="square" lIns="91425" tIns="91425" rIns="91425" bIns="91425" anchor="ctr" anchorCtr="0">
             <a:noAutofit/>
           </a:bodyPr>
           <a:lstStyle>
@@ -2647,7 +2738,7 @@
             </a:lvl9pPr>
           </a:lstStyle>
           <a:p>
-            <a:pPr indent="0" lvl="0" marL="0" rtl="0" algn="r">
+            <a:pPr marL="0" lvl="0" indent="0" algn="r" rtl="0">
               <a:spcBef>
                 <a:spcPts val="0"/>
               </a:spcBef>
@@ -2673,11 +2764,11 @@
 </file>
 
 <file path=ppt/slideLayouts/slideLayout3.xml><?xml version="1.0" encoding="utf-8"?>
-<p:sldLayout xmlns:a="http://schemas.openxmlformats.org/drawingml/2006/main" xmlns:r="http://schemas.openxmlformats.org/officeDocument/2006/relationships" xmlns:mc="http://schemas.openxmlformats.org/markup-compatibility/2006" xmlns:mv="urn:schemas-microsoft-com:mac:vml" xmlns:p="http://schemas.openxmlformats.org/presentationml/2006/main" xmlns:c="http://schemas.openxmlformats.org/drawingml/2006/chart" xmlns:dgm="http://schemas.openxmlformats.org/drawingml/2006/diagram" xmlns:o="urn:schemas-microsoft-com:office:office" xmlns:v="urn:schemas-microsoft-com:vml" xmlns:pvml="urn:schemas-microsoft-com:office:powerpoint" xmlns:com="http://schemas.openxmlformats.org/drawingml/2006/compatibility" xmlns:p14="http://schemas.microsoft.com/office/powerpoint/2010/main" xmlns:p15="http://schemas.microsoft.com/office/powerpoint/2012/main" xmlns:ahyp="http://schemas.microsoft.com/office/drawing/2018/hyperlinkcolor" matchingName="Title and body" type="tx">
+<p:sldLayout xmlns:a="http://schemas.openxmlformats.org/drawingml/2006/main" xmlns:r="http://schemas.openxmlformats.org/officeDocument/2006/relationships" xmlns:p="http://schemas.openxmlformats.org/presentationml/2006/main" matchingName="Title and body" type="tx">
   <p:cSld name="TITLE_AND_BODY">
     <p:spTree>
       <p:nvGrpSpPr>
-        <p:cNvPr id="16" name="Shape 16"/>
+        <p:cNvPr id="1" name="Shape 16"/>
         <p:cNvGrpSpPr/>
         <p:nvPr/>
       </p:nvGrpSpPr>
@@ -2692,7 +2783,9 @@
       <p:sp>
         <p:nvSpPr>
           <p:cNvPr id="17" name="Google Shape;17;p4"/>
-          <p:cNvSpPr txBox="1"/>
+          <p:cNvSpPr txBox="1">
+            <a:spLocks noGrp="1"/>
+          </p:cNvSpPr>
           <p:nvPr>
             <p:ph type="title"/>
           </p:nvPr>
@@ -2707,7 +2800,7 @@
           </a:prstGeom>
         </p:spPr>
         <p:txBody>
-          <a:bodyPr anchorCtr="0" anchor="t" bIns="91425" lIns="91425" spcFirstLastPara="1" rIns="91425" wrap="square" tIns="91425">
+          <a:bodyPr spcFirstLastPara="1" wrap="square" lIns="91425" tIns="91425" rIns="91425" bIns="91425" anchor="t" anchorCtr="0">
             <a:noAutofit/>
           </a:bodyPr>
           <a:lstStyle>
@@ -2811,15 +2904,19 @@
               <a:defRPr/>
             </a:lvl9pPr>
           </a:lstStyle>
-          <a:p/>
+          <a:p>
+            <a:endParaRPr/>
+          </a:p>
         </p:txBody>
       </p:sp>
       <p:sp>
         <p:nvSpPr>
           <p:cNvPr id="18" name="Google Shape;18;p4"/>
-          <p:cNvSpPr txBox="1"/>
+          <p:cNvSpPr txBox="1">
+            <a:spLocks noGrp="1"/>
+          </p:cNvSpPr>
           <p:nvPr>
-            <p:ph idx="1" type="body"/>
+            <p:ph type="body" idx="1"/>
           </p:nvPr>
         </p:nvSpPr>
         <p:spPr>
@@ -2832,11 +2929,11 @@
           </a:prstGeom>
         </p:spPr>
         <p:txBody>
-          <a:bodyPr anchorCtr="0" anchor="t" bIns="91425" lIns="91425" spcFirstLastPara="1" rIns="91425" wrap="square" tIns="91425">
+          <a:bodyPr spcFirstLastPara="1" wrap="square" lIns="91425" tIns="91425" rIns="91425" bIns="91425" anchor="t" anchorCtr="0">
             <a:noAutofit/>
           </a:bodyPr>
           <a:lstStyle>
-            <a:lvl1pPr indent="-342900" lvl="0" marL="457200">
+            <a:lvl1pPr marL="457200" lvl="0" indent="-342900">
               <a:spcBef>
                 <a:spcPts val="0"/>
               </a:spcBef>
@@ -2847,7 +2944,7 @@
               <a:buChar char="●"/>
               <a:defRPr/>
             </a:lvl1pPr>
-            <a:lvl2pPr indent="-317500" lvl="1" marL="914400">
+            <a:lvl2pPr marL="914400" lvl="1" indent="-317500">
               <a:spcBef>
                 <a:spcPts val="1600"/>
               </a:spcBef>
@@ -2858,7 +2955,7 @@
               <a:buChar char="○"/>
               <a:defRPr/>
             </a:lvl2pPr>
-            <a:lvl3pPr indent="-317500" lvl="2" marL="1371600">
+            <a:lvl3pPr marL="1371600" lvl="2" indent="-317500">
               <a:spcBef>
                 <a:spcPts val="1600"/>
               </a:spcBef>
@@ -2869,7 +2966,7 @@
               <a:buChar char="■"/>
               <a:defRPr/>
             </a:lvl3pPr>
-            <a:lvl4pPr indent="-317500" lvl="3" marL="1828800">
+            <a:lvl4pPr marL="1828800" lvl="3" indent="-317500">
               <a:spcBef>
                 <a:spcPts val="1600"/>
               </a:spcBef>
@@ -2880,7 +2977,7 @@
               <a:buChar char="●"/>
               <a:defRPr/>
             </a:lvl4pPr>
-            <a:lvl5pPr indent="-317500" lvl="4" marL="2286000">
+            <a:lvl5pPr marL="2286000" lvl="4" indent="-317500">
               <a:spcBef>
                 <a:spcPts val="1600"/>
               </a:spcBef>
@@ -2891,7 +2988,7 @@
               <a:buChar char="○"/>
               <a:defRPr/>
             </a:lvl5pPr>
-            <a:lvl6pPr indent="-317500" lvl="5" marL="2743200">
+            <a:lvl6pPr marL="2743200" lvl="5" indent="-317500">
               <a:spcBef>
                 <a:spcPts val="1600"/>
               </a:spcBef>
@@ -2902,7 +2999,7 @@
               <a:buChar char="■"/>
               <a:defRPr/>
             </a:lvl6pPr>
-            <a:lvl7pPr indent="-317500" lvl="6" marL="3200400">
+            <a:lvl7pPr marL="3200400" lvl="6" indent="-317500">
               <a:spcBef>
                 <a:spcPts val="1600"/>
               </a:spcBef>
@@ -2913,7 +3010,7 @@
               <a:buChar char="●"/>
               <a:defRPr/>
             </a:lvl7pPr>
-            <a:lvl8pPr indent="-317500" lvl="7" marL="3657600">
+            <a:lvl8pPr marL="3657600" lvl="7" indent="-317500">
               <a:spcBef>
                 <a:spcPts val="1600"/>
               </a:spcBef>
@@ -2924,7 +3021,7 @@
               <a:buChar char="○"/>
               <a:defRPr/>
             </a:lvl8pPr>
-            <a:lvl9pPr indent="-317500" lvl="8" marL="4114800">
+            <a:lvl9pPr marL="4114800" lvl="8" indent="-317500">
               <a:spcBef>
                 <a:spcPts val="1600"/>
               </a:spcBef>
@@ -2936,15 +3033,19 @@
               <a:defRPr/>
             </a:lvl9pPr>
           </a:lstStyle>
-          <a:p/>
+          <a:p>
+            <a:endParaRPr/>
+          </a:p>
         </p:txBody>
       </p:sp>
       <p:sp>
         <p:nvSpPr>
           <p:cNvPr id="19" name="Google Shape;19;p4"/>
-          <p:cNvSpPr txBox="1"/>
+          <p:cNvSpPr txBox="1">
+            <a:spLocks noGrp="1"/>
+          </p:cNvSpPr>
           <p:nvPr>
-            <p:ph idx="12" type="sldNum"/>
+            <p:ph type="sldNum" idx="12"/>
           </p:nvPr>
         </p:nvSpPr>
         <p:spPr>
@@ -2957,7 +3058,7 @@
           </a:prstGeom>
         </p:spPr>
         <p:txBody>
-          <a:bodyPr anchorCtr="0" anchor="ctr" bIns="91425" lIns="91425" spcFirstLastPara="1" rIns="91425" wrap="square" tIns="91425">
+          <a:bodyPr spcFirstLastPara="1" wrap="square" lIns="91425" tIns="91425" rIns="91425" bIns="91425" anchor="ctr" anchorCtr="0">
             <a:noAutofit/>
           </a:bodyPr>
           <a:lstStyle>
@@ -2999,7 +3100,7 @@
             </a:lvl9pPr>
           </a:lstStyle>
           <a:p>
-            <a:pPr indent="0" lvl="0" marL="0" rtl="0" algn="r">
+            <a:pPr marL="0" lvl="0" indent="0" algn="r" rtl="0">
               <a:spcBef>
                 <a:spcPts val="0"/>
               </a:spcBef>
@@ -3025,11 +3126,11 @@
 </file>
 
 <file path=ppt/slideLayouts/slideLayout4.xml><?xml version="1.0" encoding="utf-8"?>
-<p:sldLayout xmlns:a="http://schemas.openxmlformats.org/drawingml/2006/main" xmlns:r="http://schemas.openxmlformats.org/officeDocument/2006/relationships" xmlns:mc="http://schemas.openxmlformats.org/markup-compatibility/2006" xmlns:mv="urn:schemas-microsoft-com:mac:vml" xmlns:p="http://schemas.openxmlformats.org/presentationml/2006/main" xmlns:c="http://schemas.openxmlformats.org/drawingml/2006/chart" xmlns:dgm="http://schemas.openxmlformats.org/drawingml/2006/diagram" xmlns:o="urn:schemas-microsoft-com:office:office" xmlns:v="urn:schemas-microsoft-com:vml" xmlns:pvml="urn:schemas-microsoft-com:office:powerpoint" xmlns:com="http://schemas.openxmlformats.org/drawingml/2006/compatibility" xmlns:p14="http://schemas.microsoft.com/office/powerpoint/2010/main" xmlns:p15="http://schemas.microsoft.com/office/powerpoint/2012/main" xmlns:ahyp="http://schemas.microsoft.com/office/drawing/2018/hyperlinkcolor" matchingName="Title and two columns" type="twoColTx">
+<p:sldLayout xmlns:a="http://schemas.openxmlformats.org/drawingml/2006/main" xmlns:r="http://schemas.openxmlformats.org/officeDocument/2006/relationships" xmlns:p="http://schemas.openxmlformats.org/presentationml/2006/main" matchingName="Title and two columns" type="twoColTx">
   <p:cSld name="TITLE_AND_TWO_COLUMNS">
     <p:spTree>
       <p:nvGrpSpPr>
-        <p:cNvPr id="20" name="Shape 20"/>
+        <p:cNvPr id="1" name="Shape 20"/>
         <p:cNvGrpSpPr/>
         <p:nvPr/>
       </p:nvGrpSpPr>
@@ -3044,7 +3145,9 @@
       <p:sp>
         <p:nvSpPr>
           <p:cNvPr id="21" name="Google Shape;21;p5"/>
-          <p:cNvSpPr txBox="1"/>
+          <p:cNvSpPr txBox="1">
+            <a:spLocks noGrp="1"/>
+          </p:cNvSpPr>
           <p:nvPr>
             <p:ph type="title"/>
           </p:nvPr>
@@ -3059,7 +3162,7 @@
           </a:prstGeom>
         </p:spPr>
         <p:txBody>
-          <a:bodyPr anchorCtr="0" anchor="t" bIns="91425" lIns="91425" spcFirstLastPara="1" rIns="91425" wrap="square" tIns="91425">
+          <a:bodyPr spcFirstLastPara="1" wrap="square" lIns="91425" tIns="91425" rIns="91425" bIns="91425" anchor="t" anchorCtr="0">
             <a:noAutofit/>
           </a:bodyPr>
           <a:lstStyle>
@@ -3163,15 +3266,19 @@
               <a:defRPr/>
             </a:lvl9pPr>
           </a:lstStyle>
-          <a:p/>
+          <a:p>
+            <a:endParaRPr/>
+          </a:p>
         </p:txBody>
       </p:sp>
       <p:sp>
         <p:nvSpPr>
           <p:cNvPr id="22" name="Google Shape;22;p5"/>
-          <p:cNvSpPr txBox="1"/>
+          <p:cNvSpPr txBox="1">
+            <a:spLocks noGrp="1"/>
+          </p:cNvSpPr>
           <p:nvPr>
-            <p:ph idx="1" type="body"/>
+            <p:ph type="body" idx="1"/>
           </p:nvPr>
         </p:nvSpPr>
         <p:spPr>
@@ -3184,11 +3291,11 @@
           </a:prstGeom>
         </p:spPr>
         <p:txBody>
-          <a:bodyPr anchorCtr="0" anchor="t" bIns="91425" lIns="91425" spcFirstLastPara="1" rIns="91425" wrap="square" tIns="91425">
+          <a:bodyPr spcFirstLastPara="1" wrap="square" lIns="91425" tIns="91425" rIns="91425" bIns="91425" anchor="t" anchorCtr="0">
             <a:noAutofit/>
           </a:bodyPr>
           <a:lstStyle>
-            <a:lvl1pPr indent="-317500" lvl="0" marL="457200">
+            <a:lvl1pPr marL="457200" lvl="0" indent="-317500">
               <a:spcBef>
                 <a:spcPts val="0"/>
               </a:spcBef>
@@ -3199,7 +3306,7 @@
               <a:buChar char="●"/>
               <a:defRPr sz="1400"/>
             </a:lvl1pPr>
-            <a:lvl2pPr indent="-304800" lvl="1" marL="914400">
+            <a:lvl2pPr marL="914400" lvl="1" indent="-304800">
               <a:spcBef>
                 <a:spcPts val="1600"/>
               </a:spcBef>
@@ -3210,7 +3317,7 @@
               <a:buChar char="○"/>
               <a:defRPr sz="1200"/>
             </a:lvl2pPr>
-            <a:lvl3pPr indent="-304800" lvl="2" marL="1371600">
+            <a:lvl3pPr marL="1371600" lvl="2" indent="-304800">
               <a:spcBef>
                 <a:spcPts val="1600"/>
               </a:spcBef>
@@ -3221,7 +3328,7 @@
               <a:buChar char="■"/>
               <a:defRPr sz="1200"/>
             </a:lvl3pPr>
-            <a:lvl4pPr indent="-304800" lvl="3" marL="1828800">
+            <a:lvl4pPr marL="1828800" lvl="3" indent="-304800">
               <a:spcBef>
                 <a:spcPts val="1600"/>
               </a:spcBef>
@@ -3232,7 +3339,7 @@
               <a:buChar char="●"/>
               <a:defRPr sz="1200"/>
             </a:lvl4pPr>
-            <a:lvl5pPr indent="-304800" lvl="4" marL="2286000">
+            <a:lvl5pPr marL="2286000" lvl="4" indent="-304800">
               <a:spcBef>
                 <a:spcPts val="1600"/>
               </a:spcBef>
@@ -3243,7 +3350,7 @@
               <a:buChar char="○"/>
               <a:defRPr sz="1200"/>
             </a:lvl5pPr>
-            <a:lvl6pPr indent="-304800" lvl="5" marL="2743200">
+            <a:lvl6pPr marL="2743200" lvl="5" indent="-304800">
               <a:spcBef>
                 <a:spcPts val="1600"/>
               </a:spcBef>
@@ -3254,7 +3361,7 @@
               <a:buChar char="■"/>
               <a:defRPr sz="1200"/>
             </a:lvl6pPr>
-            <a:lvl7pPr indent="-304800" lvl="6" marL="3200400">
+            <a:lvl7pPr marL="3200400" lvl="6" indent="-304800">
               <a:spcBef>
                 <a:spcPts val="1600"/>
               </a:spcBef>
@@ -3265,7 +3372,7 @@
               <a:buChar char="●"/>
               <a:defRPr sz="1200"/>
             </a:lvl7pPr>
-            <a:lvl8pPr indent="-304800" lvl="7" marL="3657600">
+            <a:lvl8pPr marL="3657600" lvl="7" indent="-304800">
               <a:spcBef>
                 <a:spcPts val="1600"/>
               </a:spcBef>
@@ -3276,7 +3383,7 @@
               <a:buChar char="○"/>
               <a:defRPr sz="1200"/>
             </a:lvl8pPr>
-            <a:lvl9pPr indent="-304800" lvl="8" marL="4114800">
+            <a:lvl9pPr marL="4114800" lvl="8" indent="-304800">
               <a:spcBef>
                 <a:spcPts val="1600"/>
               </a:spcBef>
@@ -3288,15 +3395,19 @@
               <a:defRPr sz="1200"/>
             </a:lvl9pPr>
           </a:lstStyle>
-          <a:p/>
+          <a:p>
+            <a:endParaRPr/>
+          </a:p>
         </p:txBody>
       </p:sp>
       <p:sp>
         <p:nvSpPr>
           <p:cNvPr id="23" name="Google Shape;23;p5"/>
-          <p:cNvSpPr txBox="1"/>
+          <p:cNvSpPr txBox="1">
+            <a:spLocks noGrp="1"/>
+          </p:cNvSpPr>
           <p:nvPr>
-            <p:ph idx="2" type="body"/>
+            <p:ph type="body" idx="2"/>
           </p:nvPr>
         </p:nvSpPr>
         <p:spPr>
@@ -3309,11 +3420,11 @@
           </a:prstGeom>
         </p:spPr>
         <p:txBody>
-          <a:bodyPr anchorCtr="0" anchor="t" bIns="91425" lIns="91425" spcFirstLastPara="1" rIns="91425" wrap="square" tIns="91425">
+          <a:bodyPr spcFirstLastPara="1" wrap="square" lIns="91425" tIns="91425" rIns="91425" bIns="91425" anchor="t" anchorCtr="0">
             <a:noAutofit/>
           </a:bodyPr>
           <a:lstStyle>
-            <a:lvl1pPr indent="-317500" lvl="0" marL="457200">
+            <a:lvl1pPr marL="457200" lvl="0" indent="-317500">
               <a:spcBef>
                 <a:spcPts val="0"/>
               </a:spcBef>
@@ -3324,7 +3435,7 @@
               <a:buChar char="●"/>
               <a:defRPr sz="1400"/>
             </a:lvl1pPr>
-            <a:lvl2pPr indent="-304800" lvl="1" marL="914400">
+            <a:lvl2pPr marL="914400" lvl="1" indent="-304800">
               <a:spcBef>
                 <a:spcPts val="1600"/>
               </a:spcBef>
@@ -3335,7 +3446,7 @@
               <a:buChar char="○"/>
               <a:defRPr sz="1200"/>
             </a:lvl2pPr>
-            <a:lvl3pPr indent="-304800" lvl="2" marL="1371600">
+            <a:lvl3pPr marL="1371600" lvl="2" indent="-304800">
               <a:spcBef>
                 <a:spcPts val="1600"/>
               </a:spcBef>
@@ -3346,7 +3457,7 @@
               <a:buChar char="■"/>
               <a:defRPr sz="1200"/>
             </a:lvl3pPr>
-            <a:lvl4pPr indent="-304800" lvl="3" marL="1828800">
+            <a:lvl4pPr marL="1828800" lvl="3" indent="-304800">
               <a:spcBef>
                 <a:spcPts val="1600"/>
               </a:spcBef>
@@ -3357,7 +3468,7 @@
               <a:buChar char="●"/>
               <a:defRPr sz="1200"/>
             </a:lvl4pPr>
-            <a:lvl5pPr indent="-304800" lvl="4" marL="2286000">
+            <a:lvl5pPr marL="2286000" lvl="4" indent="-304800">
               <a:spcBef>
                 <a:spcPts val="1600"/>
               </a:spcBef>
@@ -3368,7 +3479,7 @@
               <a:buChar char="○"/>
               <a:defRPr sz="1200"/>
             </a:lvl5pPr>
-            <a:lvl6pPr indent="-304800" lvl="5" marL="2743200">
+            <a:lvl6pPr marL="2743200" lvl="5" indent="-304800">
               <a:spcBef>
                 <a:spcPts val="1600"/>
               </a:spcBef>
@@ -3379,7 +3490,7 @@
               <a:buChar char="■"/>
               <a:defRPr sz="1200"/>
             </a:lvl6pPr>
-            <a:lvl7pPr indent="-304800" lvl="6" marL="3200400">
+            <a:lvl7pPr marL="3200400" lvl="6" indent="-304800">
               <a:spcBef>
                 <a:spcPts val="1600"/>
               </a:spcBef>
@@ -3390,7 +3501,7 @@
               <a:buChar char="●"/>
               <a:defRPr sz="1200"/>
             </a:lvl7pPr>
-            <a:lvl8pPr indent="-304800" lvl="7" marL="3657600">
+            <a:lvl8pPr marL="3657600" lvl="7" indent="-304800">
               <a:spcBef>
                 <a:spcPts val="1600"/>
               </a:spcBef>
@@ -3401,7 +3512,7 @@
               <a:buChar char="○"/>
               <a:defRPr sz="1200"/>
             </a:lvl8pPr>
-            <a:lvl9pPr indent="-304800" lvl="8" marL="4114800">
+            <a:lvl9pPr marL="4114800" lvl="8" indent="-304800">
               <a:spcBef>
                 <a:spcPts val="1600"/>
               </a:spcBef>
@@ -3413,15 +3524,19 @@
               <a:defRPr sz="1200"/>
             </a:lvl9pPr>
           </a:lstStyle>
-          <a:p/>
+          <a:p>
+            <a:endParaRPr/>
+          </a:p>
         </p:txBody>
       </p:sp>
       <p:sp>
         <p:nvSpPr>
           <p:cNvPr id="24" name="Google Shape;24;p5"/>
-          <p:cNvSpPr txBox="1"/>
+          <p:cNvSpPr txBox="1">
+            <a:spLocks noGrp="1"/>
+          </p:cNvSpPr>
           <p:nvPr>
-            <p:ph idx="12" type="sldNum"/>
+            <p:ph type="sldNum" idx="12"/>
           </p:nvPr>
         </p:nvSpPr>
         <p:spPr>
@@ -3434,7 +3549,7 @@
           </a:prstGeom>
         </p:spPr>
         <p:txBody>
-          <a:bodyPr anchorCtr="0" anchor="ctr" bIns="91425" lIns="91425" spcFirstLastPara="1" rIns="91425" wrap="square" tIns="91425">
+          <a:bodyPr spcFirstLastPara="1" wrap="square" lIns="91425" tIns="91425" rIns="91425" bIns="91425" anchor="ctr" anchorCtr="0">
             <a:noAutofit/>
           </a:bodyPr>
           <a:lstStyle>
@@ -3476,7 +3591,7 @@
             </a:lvl9pPr>
           </a:lstStyle>
           <a:p>
-            <a:pPr indent="0" lvl="0" marL="0" rtl="0" algn="r">
+            <a:pPr marL="0" lvl="0" indent="0" algn="r" rtl="0">
               <a:spcBef>
                 <a:spcPts val="0"/>
               </a:spcBef>
@@ -3502,11 +3617,11 @@
 </file>
 
 <file path=ppt/slideLayouts/slideLayout5.xml><?xml version="1.0" encoding="utf-8"?>
-<p:sldLayout xmlns:a="http://schemas.openxmlformats.org/drawingml/2006/main" xmlns:r="http://schemas.openxmlformats.org/officeDocument/2006/relationships" xmlns:mc="http://schemas.openxmlformats.org/markup-compatibility/2006" xmlns:mv="urn:schemas-microsoft-com:mac:vml" xmlns:p="http://schemas.openxmlformats.org/presentationml/2006/main" xmlns:c="http://schemas.openxmlformats.org/drawingml/2006/chart" xmlns:dgm="http://schemas.openxmlformats.org/drawingml/2006/diagram" xmlns:o="urn:schemas-microsoft-com:office:office" xmlns:v="urn:schemas-microsoft-com:vml" xmlns:pvml="urn:schemas-microsoft-com:office:powerpoint" xmlns:com="http://schemas.openxmlformats.org/drawingml/2006/compatibility" xmlns:p14="http://schemas.microsoft.com/office/powerpoint/2010/main" xmlns:p15="http://schemas.microsoft.com/office/powerpoint/2012/main" xmlns:ahyp="http://schemas.microsoft.com/office/drawing/2018/hyperlinkcolor" matchingName="Title only" type="titleOnly">
+<p:sldLayout xmlns:a="http://schemas.openxmlformats.org/drawingml/2006/main" xmlns:r="http://schemas.openxmlformats.org/officeDocument/2006/relationships" xmlns:p="http://schemas.openxmlformats.org/presentationml/2006/main" matchingName="Title only" type="titleOnly">
   <p:cSld name="TITLE_ONLY">
     <p:spTree>
       <p:nvGrpSpPr>
-        <p:cNvPr id="25" name="Shape 25"/>
+        <p:cNvPr id="1" name="Shape 25"/>
         <p:cNvGrpSpPr/>
         <p:nvPr/>
       </p:nvGrpSpPr>
@@ -3521,7 +3636,9 @@
       <p:sp>
         <p:nvSpPr>
           <p:cNvPr id="26" name="Google Shape;26;p6"/>
-          <p:cNvSpPr txBox="1"/>
+          <p:cNvSpPr txBox="1">
+            <a:spLocks noGrp="1"/>
+          </p:cNvSpPr>
           <p:nvPr>
             <p:ph type="title"/>
           </p:nvPr>
@@ -3536,7 +3653,7 @@
           </a:prstGeom>
         </p:spPr>
         <p:txBody>
-          <a:bodyPr anchorCtr="0" anchor="t" bIns="91425" lIns="91425" spcFirstLastPara="1" rIns="91425" wrap="square" tIns="91425">
+          <a:bodyPr spcFirstLastPara="1" wrap="square" lIns="91425" tIns="91425" rIns="91425" bIns="91425" anchor="t" anchorCtr="0">
             <a:noAutofit/>
           </a:bodyPr>
           <a:lstStyle>
@@ -3640,15 +3757,19 @@
               <a:defRPr/>
             </a:lvl9pPr>
           </a:lstStyle>
-          <a:p/>
+          <a:p>
+            <a:endParaRPr/>
+          </a:p>
         </p:txBody>
       </p:sp>
       <p:sp>
         <p:nvSpPr>
           <p:cNvPr id="27" name="Google Shape;27;p6"/>
-          <p:cNvSpPr txBox="1"/>
+          <p:cNvSpPr txBox="1">
+            <a:spLocks noGrp="1"/>
+          </p:cNvSpPr>
           <p:nvPr>
-            <p:ph idx="12" type="sldNum"/>
+            <p:ph type="sldNum" idx="12"/>
           </p:nvPr>
         </p:nvSpPr>
         <p:spPr>
@@ -3661,7 +3782,7 @@
           </a:prstGeom>
         </p:spPr>
         <p:txBody>
-          <a:bodyPr anchorCtr="0" anchor="ctr" bIns="91425" lIns="91425" spcFirstLastPara="1" rIns="91425" wrap="square" tIns="91425">
+          <a:bodyPr spcFirstLastPara="1" wrap="square" lIns="91425" tIns="91425" rIns="91425" bIns="91425" anchor="ctr" anchorCtr="0">
             <a:noAutofit/>
           </a:bodyPr>
           <a:lstStyle>
@@ -3703,7 +3824,7 @@
             </a:lvl9pPr>
           </a:lstStyle>
           <a:p>
-            <a:pPr indent="0" lvl="0" marL="0" rtl="0" algn="r">
+            <a:pPr marL="0" lvl="0" indent="0" algn="r" rtl="0">
               <a:spcBef>
                 <a:spcPts val="0"/>
               </a:spcBef>
@@ -3729,11 +3850,11 @@
 </file>
 
 <file path=ppt/slideLayouts/slideLayout6.xml><?xml version="1.0" encoding="utf-8"?>
-<p:sldLayout xmlns:a="http://schemas.openxmlformats.org/drawingml/2006/main" xmlns:r="http://schemas.openxmlformats.org/officeDocument/2006/relationships" xmlns:mc="http://schemas.openxmlformats.org/markup-compatibility/2006" xmlns:mv="urn:schemas-microsoft-com:mac:vml" xmlns:p="http://schemas.openxmlformats.org/presentationml/2006/main" xmlns:c="http://schemas.openxmlformats.org/drawingml/2006/chart" xmlns:dgm="http://schemas.openxmlformats.org/drawingml/2006/diagram" xmlns:o="urn:schemas-microsoft-com:office:office" xmlns:v="urn:schemas-microsoft-com:vml" xmlns:pvml="urn:schemas-microsoft-com:office:powerpoint" xmlns:com="http://schemas.openxmlformats.org/drawingml/2006/compatibility" xmlns:p14="http://schemas.microsoft.com/office/powerpoint/2010/main" xmlns:p15="http://schemas.microsoft.com/office/powerpoint/2012/main" xmlns:ahyp="http://schemas.microsoft.com/office/drawing/2018/hyperlinkcolor" matchingName="One column text">
+<p:sldLayout xmlns:a="http://schemas.openxmlformats.org/drawingml/2006/main" xmlns:r="http://schemas.openxmlformats.org/officeDocument/2006/relationships" xmlns:p="http://schemas.openxmlformats.org/presentationml/2006/main" matchingName="One column text">
   <p:cSld name="ONE_COLUMN_TEXT">
     <p:spTree>
       <p:nvGrpSpPr>
-        <p:cNvPr id="28" name="Shape 28"/>
+        <p:cNvPr id="1" name="Shape 28"/>
         <p:cNvGrpSpPr/>
         <p:nvPr/>
       </p:nvGrpSpPr>
@@ -3748,7 +3869,9 @@
       <p:sp>
         <p:nvSpPr>
           <p:cNvPr id="29" name="Google Shape;29;p7"/>
-          <p:cNvSpPr txBox="1"/>
+          <p:cNvSpPr txBox="1">
+            <a:spLocks noGrp="1"/>
+          </p:cNvSpPr>
           <p:nvPr>
             <p:ph type="title"/>
           </p:nvPr>
@@ -3763,7 +3886,7 @@
           </a:prstGeom>
         </p:spPr>
         <p:txBody>
-          <a:bodyPr anchorCtr="0" anchor="b" bIns="91425" lIns="91425" spcFirstLastPara="1" rIns="91425" wrap="square" tIns="91425">
+          <a:bodyPr spcFirstLastPara="1" wrap="square" lIns="91425" tIns="91425" rIns="91425" bIns="91425" anchor="b" anchorCtr="0">
             <a:noAutofit/>
           </a:bodyPr>
           <a:lstStyle>
@@ -3867,15 +3990,19 @@
               <a:defRPr sz="2400"/>
             </a:lvl9pPr>
           </a:lstStyle>
-          <a:p/>
+          <a:p>
+            <a:endParaRPr/>
+          </a:p>
         </p:txBody>
       </p:sp>
       <p:sp>
         <p:nvSpPr>
           <p:cNvPr id="30" name="Google Shape;30;p7"/>
-          <p:cNvSpPr txBox="1"/>
+          <p:cNvSpPr txBox="1">
+            <a:spLocks noGrp="1"/>
+          </p:cNvSpPr>
           <p:nvPr>
-            <p:ph idx="1" type="body"/>
+            <p:ph type="body" idx="1"/>
           </p:nvPr>
         </p:nvSpPr>
         <p:spPr>
@@ -3888,11 +4015,11 @@
           </a:prstGeom>
         </p:spPr>
         <p:txBody>
-          <a:bodyPr anchorCtr="0" anchor="t" bIns="91425" lIns="91425" spcFirstLastPara="1" rIns="91425" wrap="square" tIns="91425">
+          <a:bodyPr spcFirstLastPara="1" wrap="square" lIns="91425" tIns="91425" rIns="91425" bIns="91425" anchor="t" anchorCtr="0">
             <a:noAutofit/>
           </a:bodyPr>
           <a:lstStyle>
-            <a:lvl1pPr indent="-304800" lvl="0" marL="457200">
+            <a:lvl1pPr marL="457200" lvl="0" indent="-304800">
               <a:spcBef>
                 <a:spcPts val="0"/>
               </a:spcBef>
@@ -3903,7 +4030,7 @@
               <a:buChar char="●"/>
               <a:defRPr sz="1200"/>
             </a:lvl1pPr>
-            <a:lvl2pPr indent="-304800" lvl="1" marL="914400">
+            <a:lvl2pPr marL="914400" lvl="1" indent="-304800">
               <a:spcBef>
                 <a:spcPts val="1600"/>
               </a:spcBef>
@@ -3914,7 +4041,7 @@
               <a:buChar char="○"/>
               <a:defRPr sz="1200"/>
             </a:lvl2pPr>
-            <a:lvl3pPr indent="-304800" lvl="2" marL="1371600">
+            <a:lvl3pPr marL="1371600" lvl="2" indent="-304800">
               <a:spcBef>
                 <a:spcPts val="1600"/>
               </a:spcBef>
@@ -3925,7 +4052,7 @@
               <a:buChar char="■"/>
               <a:defRPr sz="1200"/>
             </a:lvl3pPr>
-            <a:lvl4pPr indent="-304800" lvl="3" marL="1828800">
+            <a:lvl4pPr marL="1828800" lvl="3" indent="-304800">
               <a:spcBef>
                 <a:spcPts val="1600"/>
               </a:spcBef>
@@ -3936,7 +4063,7 @@
               <a:buChar char="●"/>
               <a:defRPr sz="1200"/>
             </a:lvl4pPr>
-            <a:lvl5pPr indent="-304800" lvl="4" marL="2286000">
+            <a:lvl5pPr marL="2286000" lvl="4" indent="-304800">
               <a:spcBef>
                 <a:spcPts val="1600"/>
               </a:spcBef>
@@ -3947,7 +4074,7 @@
               <a:buChar char="○"/>
               <a:defRPr sz="1200"/>
             </a:lvl5pPr>
-            <a:lvl6pPr indent="-304800" lvl="5" marL="2743200">
+            <a:lvl6pPr marL="2743200" lvl="5" indent="-304800">
               <a:spcBef>
                 <a:spcPts val="1600"/>
               </a:spcBef>
@@ -3958,7 +4085,7 @@
               <a:buChar char="■"/>
               <a:defRPr sz="1200"/>
             </a:lvl6pPr>
-            <a:lvl7pPr indent="-304800" lvl="6" marL="3200400">
+            <a:lvl7pPr marL="3200400" lvl="6" indent="-304800">
               <a:spcBef>
                 <a:spcPts val="1600"/>
               </a:spcBef>
@@ -3969,7 +4096,7 @@
               <a:buChar char="●"/>
               <a:defRPr sz="1200"/>
             </a:lvl7pPr>
-            <a:lvl8pPr indent="-304800" lvl="7" marL="3657600">
+            <a:lvl8pPr marL="3657600" lvl="7" indent="-304800">
               <a:spcBef>
                 <a:spcPts val="1600"/>
               </a:spcBef>
@@ -3980,7 +4107,7 @@
               <a:buChar char="○"/>
               <a:defRPr sz="1200"/>
             </a:lvl8pPr>
-            <a:lvl9pPr indent="-304800" lvl="8" marL="4114800">
+            <a:lvl9pPr marL="4114800" lvl="8" indent="-304800">
               <a:spcBef>
                 <a:spcPts val="1600"/>
               </a:spcBef>
@@ -3992,15 +4119,19 @@
               <a:defRPr sz="1200"/>
             </a:lvl9pPr>
           </a:lstStyle>
-          <a:p/>
+          <a:p>
+            <a:endParaRPr/>
+          </a:p>
         </p:txBody>
       </p:sp>
       <p:sp>
         <p:nvSpPr>
           <p:cNvPr id="31" name="Google Shape;31;p7"/>
-          <p:cNvSpPr txBox="1"/>
+          <p:cNvSpPr txBox="1">
+            <a:spLocks noGrp="1"/>
+          </p:cNvSpPr>
           <p:nvPr>
-            <p:ph idx="12" type="sldNum"/>
+            <p:ph type="sldNum" idx="12"/>
           </p:nvPr>
         </p:nvSpPr>
         <p:spPr>
@@ -4013,7 +4144,7 @@
           </a:prstGeom>
         </p:spPr>
         <p:txBody>
-          <a:bodyPr anchorCtr="0" anchor="ctr" bIns="91425" lIns="91425" spcFirstLastPara="1" rIns="91425" wrap="square" tIns="91425">
+          <a:bodyPr spcFirstLastPara="1" wrap="square" lIns="91425" tIns="91425" rIns="91425" bIns="91425" anchor="ctr" anchorCtr="0">
             <a:noAutofit/>
           </a:bodyPr>
           <a:lstStyle>
@@ -4055,7 +4186,7 @@
             </a:lvl9pPr>
           </a:lstStyle>
           <a:p>
-            <a:pPr indent="0" lvl="0" marL="0" rtl="0" algn="r">
+            <a:pPr marL="0" lvl="0" indent="0" algn="r" rtl="0">
               <a:spcBef>
                 <a:spcPts val="0"/>
               </a:spcBef>
@@ -4081,11 +4212,11 @@
 </file>
 
 <file path=ppt/slideLayouts/slideLayout7.xml><?xml version="1.0" encoding="utf-8"?>
-<p:sldLayout xmlns:a="http://schemas.openxmlformats.org/drawingml/2006/main" xmlns:r="http://schemas.openxmlformats.org/officeDocument/2006/relationships" xmlns:mc="http://schemas.openxmlformats.org/markup-compatibility/2006" xmlns:mv="urn:schemas-microsoft-com:mac:vml" xmlns:p="http://schemas.openxmlformats.org/presentationml/2006/main" xmlns:c="http://schemas.openxmlformats.org/drawingml/2006/chart" xmlns:dgm="http://schemas.openxmlformats.org/drawingml/2006/diagram" xmlns:o="urn:schemas-microsoft-com:office:office" xmlns:v="urn:schemas-microsoft-com:vml" xmlns:pvml="urn:schemas-microsoft-com:office:powerpoint" xmlns:com="http://schemas.openxmlformats.org/drawingml/2006/compatibility" xmlns:p14="http://schemas.microsoft.com/office/powerpoint/2010/main" xmlns:p15="http://schemas.microsoft.com/office/powerpoint/2012/main" xmlns:ahyp="http://schemas.microsoft.com/office/drawing/2018/hyperlinkcolor" matchingName="Main point">
+<p:sldLayout xmlns:a="http://schemas.openxmlformats.org/drawingml/2006/main" xmlns:r="http://schemas.openxmlformats.org/officeDocument/2006/relationships" xmlns:p="http://schemas.openxmlformats.org/presentationml/2006/main" matchingName="Main point">
   <p:cSld name="MAIN_POINT">
     <p:spTree>
       <p:nvGrpSpPr>
-        <p:cNvPr id="32" name="Shape 32"/>
+        <p:cNvPr id="1" name="Shape 32"/>
         <p:cNvGrpSpPr/>
         <p:nvPr/>
       </p:nvGrpSpPr>
@@ -4100,7 +4231,9 @@
       <p:sp>
         <p:nvSpPr>
           <p:cNvPr id="33" name="Google Shape;33;p8"/>
-          <p:cNvSpPr txBox="1"/>
+          <p:cNvSpPr txBox="1">
+            <a:spLocks noGrp="1"/>
+          </p:cNvSpPr>
           <p:nvPr>
             <p:ph type="title"/>
           </p:nvPr>
@@ -4115,7 +4248,7 @@
           </a:prstGeom>
         </p:spPr>
         <p:txBody>
-          <a:bodyPr anchorCtr="0" anchor="ctr" bIns="91425" lIns="91425" spcFirstLastPara="1" rIns="91425" wrap="square" tIns="91425">
+          <a:bodyPr spcFirstLastPara="1" wrap="square" lIns="91425" tIns="91425" rIns="91425" bIns="91425" anchor="ctr" anchorCtr="0">
             <a:noAutofit/>
           </a:bodyPr>
           <a:lstStyle>
@@ -4219,15 +4352,19 @@
               <a:defRPr sz="4800"/>
             </a:lvl9pPr>
           </a:lstStyle>
-          <a:p/>
+          <a:p>
+            <a:endParaRPr/>
+          </a:p>
         </p:txBody>
       </p:sp>
       <p:sp>
         <p:nvSpPr>
           <p:cNvPr id="34" name="Google Shape;34;p8"/>
-          <p:cNvSpPr txBox="1"/>
+          <p:cNvSpPr txBox="1">
+            <a:spLocks noGrp="1"/>
+          </p:cNvSpPr>
           <p:nvPr>
-            <p:ph idx="12" type="sldNum"/>
+            <p:ph type="sldNum" idx="12"/>
           </p:nvPr>
         </p:nvSpPr>
         <p:spPr>
@@ -4240,7 +4377,7 @@
           </a:prstGeom>
         </p:spPr>
         <p:txBody>
-          <a:bodyPr anchorCtr="0" anchor="ctr" bIns="91425" lIns="91425" spcFirstLastPara="1" rIns="91425" wrap="square" tIns="91425">
+          <a:bodyPr spcFirstLastPara="1" wrap="square" lIns="91425" tIns="91425" rIns="91425" bIns="91425" anchor="ctr" anchorCtr="0">
             <a:noAutofit/>
           </a:bodyPr>
           <a:lstStyle>
@@ -4282,7 +4419,7 @@
             </a:lvl9pPr>
           </a:lstStyle>
           <a:p>
-            <a:pPr indent="0" lvl="0" marL="0" rtl="0" algn="r">
+            <a:pPr marL="0" lvl="0" indent="0" algn="r" rtl="0">
               <a:spcBef>
                 <a:spcPts val="0"/>
               </a:spcBef>
@@ -4308,11 +4445,11 @@
 </file>
 
 <file path=ppt/slideLayouts/slideLayout8.xml><?xml version="1.0" encoding="utf-8"?>
-<p:sldLayout xmlns:a="http://schemas.openxmlformats.org/drawingml/2006/main" xmlns:r="http://schemas.openxmlformats.org/officeDocument/2006/relationships" xmlns:mc="http://schemas.openxmlformats.org/markup-compatibility/2006" xmlns:mv="urn:schemas-microsoft-com:mac:vml" xmlns:p="http://schemas.openxmlformats.org/presentationml/2006/main" xmlns:c="http://schemas.openxmlformats.org/drawingml/2006/chart" xmlns:dgm="http://schemas.openxmlformats.org/drawingml/2006/diagram" xmlns:o="urn:schemas-microsoft-com:office:office" xmlns:v="urn:schemas-microsoft-com:vml" xmlns:pvml="urn:schemas-microsoft-com:office:powerpoint" xmlns:com="http://schemas.openxmlformats.org/drawingml/2006/compatibility" xmlns:p14="http://schemas.microsoft.com/office/powerpoint/2010/main" xmlns:p15="http://schemas.microsoft.com/office/powerpoint/2012/main" xmlns:ahyp="http://schemas.microsoft.com/office/drawing/2018/hyperlinkcolor" matchingName="Section title and description">
+<p:sldLayout xmlns:a="http://schemas.openxmlformats.org/drawingml/2006/main" xmlns:r="http://schemas.openxmlformats.org/officeDocument/2006/relationships" xmlns:p="http://schemas.openxmlformats.org/presentationml/2006/main" matchingName="Section title and description">
   <p:cSld name="SECTION_TITLE_AND_DESCRIPTION">
     <p:spTree>
       <p:nvGrpSpPr>
-        <p:cNvPr id="35" name="Shape 35"/>
+        <p:cNvPr id="1" name="Shape 35"/>
         <p:cNvGrpSpPr/>
         <p:nvPr/>
       </p:nvGrpSpPr>
@@ -4346,12 +4483,12 @@
           </a:ln>
         </p:spPr>
         <p:txBody>
-          <a:bodyPr anchorCtr="0" anchor="ctr" bIns="91425" lIns="91425" spcFirstLastPara="1" rIns="91425" wrap="square" tIns="91425">
+          <a:bodyPr spcFirstLastPara="1" wrap="square" lIns="91425" tIns="91425" rIns="91425" bIns="91425" anchor="ctr" anchorCtr="0">
             <a:noAutofit/>
           </a:bodyPr>
           <a:lstStyle/>
           <a:p>
-            <a:pPr indent="0" lvl="0" marL="0" rtl="0" algn="l">
+            <a:pPr marL="0" lvl="0" indent="0" algn="l" rtl="0">
               <a:spcBef>
                 <a:spcPts val="0"/>
               </a:spcBef>
@@ -4360,9 +4497,6 @@
               </a:spcAft>
               <a:buNone/>
             </a:pPr>
-            <a:r>
-              <a:t/>
-            </a:r>
             <a:endParaRPr/>
           </a:p>
         </p:txBody>
@@ -4370,7 +4504,9 @@
       <p:sp>
         <p:nvSpPr>
           <p:cNvPr id="37" name="Google Shape;37;p9"/>
-          <p:cNvSpPr txBox="1"/>
+          <p:cNvSpPr txBox="1">
+            <a:spLocks noGrp="1"/>
+          </p:cNvSpPr>
           <p:nvPr>
             <p:ph type="title"/>
           </p:nvPr>
@@ -4385,7 +4521,7 @@
           </a:prstGeom>
         </p:spPr>
         <p:txBody>
-          <a:bodyPr anchorCtr="0" anchor="b" bIns="91425" lIns="91425" spcFirstLastPara="1" rIns="91425" wrap="square" tIns="91425">
+          <a:bodyPr spcFirstLastPara="1" wrap="square" lIns="91425" tIns="91425" rIns="91425" bIns="91425" anchor="b" anchorCtr="0">
             <a:noAutofit/>
           </a:bodyPr>
           <a:lstStyle>
@@ -4489,15 +4625,19 @@
               <a:defRPr sz="4200"/>
             </a:lvl9pPr>
           </a:lstStyle>
-          <a:p/>
+          <a:p>
+            <a:endParaRPr/>
+          </a:p>
         </p:txBody>
       </p:sp>
       <p:sp>
         <p:nvSpPr>
           <p:cNvPr id="38" name="Google Shape;38;p9"/>
-          <p:cNvSpPr txBox="1"/>
+          <p:cNvSpPr txBox="1">
+            <a:spLocks noGrp="1"/>
+          </p:cNvSpPr>
           <p:nvPr>
-            <p:ph idx="1" type="subTitle"/>
+            <p:ph type="subTitle" idx="1"/>
           </p:nvPr>
         </p:nvSpPr>
         <p:spPr>
@@ -4510,7 +4650,7 @@
           </a:prstGeom>
         </p:spPr>
         <p:txBody>
-          <a:bodyPr anchorCtr="0" anchor="t" bIns="91425" lIns="91425" spcFirstLastPara="1" rIns="91425" wrap="square" tIns="91425">
+          <a:bodyPr spcFirstLastPara="1" wrap="square" lIns="91425" tIns="91425" rIns="91425" bIns="91425" anchor="t" anchorCtr="0">
             <a:noAutofit/>
           </a:bodyPr>
           <a:lstStyle>
@@ -4641,15 +4781,19 @@
               <a:defRPr sz="2100"/>
             </a:lvl9pPr>
           </a:lstStyle>
-          <a:p/>
+          <a:p>
+            <a:endParaRPr/>
+          </a:p>
         </p:txBody>
       </p:sp>
       <p:sp>
         <p:nvSpPr>
           <p:cNvPr id="39" name="Google Shape;39;p9"/>
-          <p:cNvSpPr txBox="1"/>
+          <p:cNvSpPr txBox="1">
+            <a:spLocks noGrp="1"/>
+          </p:cNvSpPr>
           <p:nvPr>
-            <p:ph idx="2" type="body"/>
+            <p:ph type="body" idx="2"/>
           </p:nvPr>
         </p:nvSpPr>
         <p:spPr>
@@ -4662,11 +4806,11 @@
           </a:prstGeom>
         </p:spPr>
         <p:txBody>
-          <a:bodyPr anchorCtr="0" anchor="ctr" bIns="91425" lIns="91425" spcFirstLastPara="1" rIns="91425" wrap="square" tIns="91425">
+          <a:bodyPr spcFirstLastPara="1" wrap="square" lIns="91425" tIns="91425" rIns="91425" bIns="91425" anchor="ctr" anchorCtr="0">
             <a:noAutofit/>
           </a:bodyPr>
           <a:lstStyle>
-            <a:lvl1pPr indent="-342900" lvl="0" marL="457200">
+            <a:lvl1pPr marL="457200" lvl="0" indent="-342900">
               <a:spcBef>
                 <a:spcPts val="0"/>
               </a:spcBef>
@@ -4684,7 +4828,7 @@
                 </a:solidFill>
               </a:defRPr>
             </a:lvl1pPr>
-            <a:lvl2pPr indent="-317500" lvl="1" marL="914400">
+            <a:lvl2pPr marL="914400" lvl="1" indent="-317500">
               <a:spcBef>
                 <a:spcPts val="1600"/>
               </a:spcBef>
@@ -4702,7 +4846,7 @@
                 </a:solidFill>
               </a:defRPr>
             </a:lvl2pPr>
-            <a:lvl3pPr indent="-317500" lvl="2" marL="1371600">
+            <a:lvl3pPr marL="1371600" lvl="2" indent="-317500">
               <a:spcBef>
                 <a:spcPts val="1600"/>
               </a:spcBef>
@@ -4720,7 +4864,7 @@
                 </a:solidFill>
               </a:defRPr>
             </a:lvl3pPr>
-            <a:lvl4pPr indent="-317500" lvl="3" marL="1828800">
+            <a:lvl4pPr marL="1828800" lvl="3" indent="-317500">
               <a:spcBef>
                 <a:spcPts val="1600"/>
               </a:spcBef>
@@ -4738,7 +4882,7 @@
                 </a:solidFill>
               </a:defRPr>
             </a:lvl4pPr>
-            <a:lvl5pPr indent="-317500" lvl="4" marL="2286000">
+            <a:lvl5pPr marL="2286000" lvl="4" indent="-317500">
               <a:spcBef>
                 <a:spcPts val="1600"/>
               </a:spcBef>
@@ -4756,7 +4900,7 @@
                 </a:solidFill>
               </a:defRPr>
             </a:lvl5pPr>
-            <a:lvl6pPr indent="-317500" lvl="5" marL="2743200">
+            <a:lvl6pPr marL="2743200" lvl="5" indent="-317500">
               <a:spcBef>
                 <a:spcPts val="1600"/>
               </a:spcBef>
@@ -4774,7 +4918,7 @@
                 </a:solidFill>
               </a:defRPr>
             </a:lvl6pPr>
-            <a:lvl7pPr indent="-317500" lvl="6" marL="3200400">
+            <a:lvl7pPr marL="3200400" lvl="6" indent="-317500">
               <a:spcBef>
                 <a:spcPts val="1600"/>
               </a:spcBef>
@@ -4792,7 +4936,7 @@
                 </a:solidFill>
               </a:defRPr>
             </a:lvl7pPr>
-            <a:lvl8pPr indent="-317500" lvl="7" marL="3657600">
+            <a:lvl8pPr marL="3657600" lvl="7" indent="-317500">
               <a:spcBef>
                 <a:spcPts val="1600"/>
               </a:spcBef>
@@ -4810,7 +4954,7 @@
                 </a:solidFill>
               </a:defRPr>
             </a:lvl8pPr>
-            <a:lvl9pPr indent="-317500" lvl="8" marL="4114800">
+            <a:lvl9pPr marL="4114800" lvl="8" indent="-317500">
               <a:spcBef>
                 <a:spcPts val="1600"/>
               </a:spcBef>
@@ -4829,15 +4973,19 @@
               </a:defRPr>
             </a:lvl9pPr>
           </a:lstStyle>
-          <a:p/>
+          <a:p>
+            <a:endParaRPr/>
+          </a:p>
         </p:txBody>
       </p:sp>
       <p:sp>
         <p:nvSpPr>
           <p:cNvPr id="40" name="Google Shape;40;p9"/>
-          <p:cNvSpPr txBox="1"/>
+          <p:cNvSpPr txBox="1">
+            <a:spLocks noGrp="1"/>
+          </p:cNvSpPr>
           <p:nvPr>
-            <p:ph idx="12" type="sldNum"/>
+            <p:ph type="sldNum" idx="12"/>
           </p:nvPr>
         </p:nvSpPr>
         <p:spPr>
@@ -4850,7 +4998,7 @@
           </a:prstGeom>
         </p:spPr>
         <p:txBody>
-          <a:bodyPr anchorCtr="0" anchor="ctr" bIns="91425" lIns="91425" spcFirstLastPara="1" rIns="91425" wrap="square" tIns="91425">
+          <a:bodyPr spcFirstLastPara="1" wrap="square" lIns="91425" tIns="91425" rIns="91425" bIns="91425" anchor="ctr" anchorCtr="0">
             <a:noAutofit/>
           </a:bodyPr>
           <a:lstStyle>
@@ -4892,7 +5040,7 @@
             </a:lvl9pPr>
           </a:lstStyle>
           <a:p>
-            <a:pPr indent="0" lvl="0" marL="0" rtl="0" algn="r">
+            <a:pPr marL="0" lvl="0" indent="0" algn="r" rtl="0">
               <a:spcBef>
                 <a:spcPts val="0"/>
               </a:spcBef>
@@ -4918,11 +5066,11 @@
 </file>
 
 <file path=ppt/slideLayouts/slideLayout9.xml><?xml version="1.0" encoding="utf-8"?>
-<p:sldLayout xmlns:a="http://schemas.openxmlformats.org/drawingml/2006/main" xmlns:r="http://schemas.openxmlformats.org/officeDocument/2006/relationships" xmlns:mc="http://schemas.openxmlformats.org/markup-compatibility/2006" xmlns:mv="urn:schemas-microsoft-com:mac:vml" xmlns:p="http://schemas.openxmlformats.org/presentationml/2006/main" xmlns:c="http://schemas.openxmlformats.org/drawingml/2006/chart" xmlns:dgm="http://schemas.openxmlformats.org/drawingml/2006/diagram" xmlns:o="urn:schemas-microsoft-com:office:office" xmlns:v="urn:schemas-microsoft-com:vml" xmlns:pvml="urn:schemas-microsoft-com:office:powerpoint" xmlns:com="http://schemas.openxmlformats.org/drawingml/2006/compatibility" xmlns:p14="http://schemas.microsoft.com/office/powerpoint/2010/main" xmlns:p15="http://schemas.microsoft.com/office/powerpoint/2012/main" xmlns:ahyp="http://schemas.microsoft.com/office/drawing/2018/hyperlinkcolor" matchingName="Caption">
+<p:sldLayout xmlns:a="http://schemas.openxmlformats.org/drawingml/2006/main" xmlns:r="http://schemas.openxmlformats.org/officeDocument/2006/relationships" xmlns:p="http://schemas.openxmlformats.org/presentationml/2006/main" matchingName="Caption">
   <p:cSld name="CAPTION_ONLY">
     <p:spTree>
       <p:nvGrpSpPr>
-        <p:cNvPr id="41" name="Shape 41"/>
+        <p:cNvPr id="1" name="Shape 41"/>
         <p:cNvGrpSpPr/>
         <p:nvPr/>
       </p:nvGrpSpPr>
@@ -4937,9 +5085,11 @@
       <p:sp>
         <p:nvSpPr>
           <p:cNvPr id="42" name="Google Shape;42;p10"/>
-          <p:cNvSpPr txBox="1"/>
+          <p:cNvSpPr txBox="1">
+            <a:spLocks noGrp="1"/>
+          </p:cNvSpPr>
           <p:nvPr>
-            <p:ph idx="1" type="body"/>
+            <p:ph type="body" idx="1"/>
           </p:nvPr>
         </p:nvSpPr>
         <p:spPr>
@@ -4952,11 +5102,11 @@
           </a:prstGeom>
         </p:spPr>
         <p:txBody>
-          <a:bodyPr anchorCtr="0" anchor="ctr" bIns="91425" lIns="91425" spcFirstLastPara="1" rIns="91425" wrap="square" tIns="91425">
+          <a:bodyPr spcFirstLastPara="1" wrap="square" lIns="91425" tIns="91425" rIns="91425" bIns="91425" anchor="ctr" anchorCtr="0">
             <a:noAutofit/>
           </a:bodyPr>
           <a:lstStyle>
-            <a:lvl1pPr indent="-228600" lvl="0" marL="457200">
+            <a:lvl1pPr marL="457200" lvl="0" indent="-228600">
               <a:lnSpc>
                 <a:spcPct val="100000"/>
               </a:lnSpc>
@@ -4971,15 +5121,19 @@
               <a:defRPr/>
             </a:lvl1pPr>
           </a:lstStyle>
-          <a:p/>
+          <a:p>
+            <a:endParaRPr/>
+          </a:p>
         </p:txBody>
       </p:sp>
       <p:sp>
         <p:nvSpPr>
           <p:cNvPr id="43" name="Google Shape;43;p10"/>
-          <p:cNvSpPr txBox="1"/>
+          <p:cNvSpPr txBox="1">
+            <a:spLocks noGrp="1"/>
+          </p:cNvSpPr>
           <p:nvPr>
-            <p:ph idx="12" type="sldNum"/>
+            <p:ph type="sldNum" idx="12"/>
           </p:nvPr>
         </p:nvSpPr>
         <p:spPr>
@@ -4992,7 +5146,7 @@
           </a:prstGeom>
         </p:spPr>
         <p:txBody>
-          <a:bodyPr anchorCtr="0" anchor="ctr" bIns="91425" lIns="91425" spcFirstLastPara="1" rIns="91425" wrap="square" tIns="91425">
+          <a:bodyPr spcFirstLastPara="1" wrap="square" lIns="91425" tIns="91425" rIns="91425" bIns="91425" anchor="ctr" anchorCtr="0">
             <a:noAutofit/>
           </a:bodyPr>
           <a:lstStyle>
@@ -5034,7 +5188,7 @@
             </a:lvl9pPr>
           </a:lstStyle>
           <a:p>
-            <a:pPr indent="0" lvl="0" marL="0" rtl="0" algn="r">
+            <a:pPr marL="0" lvl="0" indent="0" algn="r" rtl="0">
               <a:spcBef>
                 <a:spcPts val="0"/>
               </a:spcBef>
@@ -5060,18 +5214,19 @@
 </file>
 
 <file path=ppt/slideMasters/slideMaster1.xml><?xml version="1.0" encoding="utf-8"?>
-<p:sldMaster xmlns:a="http://schemas.openxmlformats.org/drawingml/2006/main" xmlns:r="http://schemas.openxmlformats.org/officeDocument/2006/relationships" xmlns:mc="http://schemas.openxmlformats.org/markup-compatibility/2006" xmlns:mv="urn:schemas-microsoft-com:mac:vml" xmlns:p="http://schemas.openxmlformats.org/presentationml/2006/main" xmlns:c="http://schemas.openxmlformats.org/drawingml/2006/chart" xmlns:dgm="http://schemas.openxmlformats.org/drawingml/2006/diagram" xmlns:o="urn:schemas-microsoft-com:office:office" xmlns:v="urn:schemas-microsoft-com:vml" xmlns:pvml="urn:schemas-microsoft-com:office:powerpoint" xmlns:com="http://schemas.openxmlformats.org/drawingml/2006/compatibility" xmlns:p14="http://schemas.microsoft.com/office/powerpoint/2010/main" xmlns:p15="http://schemas.microsoft.com/office/powerpoint/2012/main" xmlns:ahyp="http://schemas.microsoft.com/office/drawing/2018/hyperlinkcolor">
+<p:sldMaster xmlns:a="http://schemas.openxmlformats.org/drawingml/2006/main" xmlns:r="http://schemas.openxmlformats.org/officeDocument/2006/relationships" xmlns:p="http://schemas.openxmlformats.org/presentationml/2006/main">
   <p:cSld name="simple-dark-2">
     <p:bg>
       <p:bgPr>
         <a:solidFill>
           <a:schemeClr val="lt1"/>
         </a:solidFill>
+        <a:effectLst/>
       </p:bgPr>
     </p:bg>
     <p:spTree>
       <p:nvGrpSpPr>
-        <p:cNvPr id="5" name="Shape 5"/>
+        <p:cNvPr id="1" name="Shape 5"/>
         <p:cNvGrpSpPr/>
         <p:nvPr/>
       </p:nvGrpSpPr>
@@ -5086,7 +5241,9 @@
       <p:sp>
         <p:nvSpPr>
           <p:cNvPr id="6" name="Google Shape;6;p1"/>
-          <p:cNvSpPr txBox="1"/>
+          <p:cNvSpPr txBox="1">
+            <a:spLocks noGrp="1"/>
+          </p:cNvSpPr>
           <p:nvPr>
             <p:ph type="title"/>
           </p:nvPr>
@@ -5105,7 +5262,7 @@
           </a:ln>
         </p:spPr>
         <p:txBody>
-          <a:bodyPr anchorCtr="0" anchor="t" bIns="91425" lIns="91425" spcFirstLastPara="1" rIns="91425" wrap="square" tIns="91425">
+          <a:bodyPr spcFirstLastPara="1" wrap="square" lIns="91425" tIns="91425" rIns="91425" bIns="91425" anchor="t" anchorCtr="0">
             <a:noAutofit/>
           </a:bodyPr>
           <a:lstStyle>
@@ -5272,15 +5429,19 @@
               </a:defRPr>
             </a:lvl9pPr>
           </a:lstStyle>
-          <a:p/>
+          <a:p>
+            <a:endParaRPr/>
+          </a:p>
         </p:txBody>
       </p:sp>
       <p:sp>
         <p:nvSpPr>
           <p:cNvPr id="7" name="Google Shape;7;p1"/>
-          <p:cNvSpPr txBox="1"/>
+          <p:cNvSpPr txBox="1">
+            <a:spLocks noGrp="1"/>
+          </p:cNvSpPr>
           <p:nvPr>
-            <p:ph idx="1" type="body"/>
+            <p:ph type="body" idx="1"/>
           </p:nvPr>
         </p:nvSpPr>
         <p:spPr>
@@ -5297,11 +5458,11 @@
           </a:ln>
         </p:spPr>
         <p:txBody>
-          <a:bodyPr anchorCtr="0" anchor="t" bIns="91425" lIns="91425" spcFirstLastPara="1" rIns="91425" wrap="square" tIns="91425">
+          <a:bodyPr spcFirstLastPara="1" wrap="square" lIns="91425" tIns="91425" rIns="91425" bIns="91425" anchor="t" anchorCtr="0">
             <a:noAutofit/>
           </a:bodyPr>
           <a:lstStyle>
-            <a:lvl1pPr indent="-342900" lvl="0" marL="457200">
+            <a:lvl1pPr marL="457200" lvl="0" indent="-342900">
               <a:lnSpc>
                 <a:spcPct val="115000"/>
               </a:lnSpc>
@@ -5322,7 +5483,7 @@
                 </a:solidFill>
               </a:defRPr>
             </a:lvl1pPr>
-            <a:lvl2pPr indent="-317500" lvl="1" marL="914400">
+            <a:lvl2pPr marL="914400" lvl="1" indent="-317500">
               <a:lnSpc>
                 <a:spcPct val="115000"/>
               </a:lnSpc>
@@ -5343,7 +5504,7 @@
                 </a:solidFill>
               </a:defRPr>
             </a:lvl2pPr>
-            <a:lvl3pPr indent="-317500" lvl="2" marL="1371600">
+            <a:lvl3pPr marL="1371600" lvl="2" indent="-317500">
               <a:lnSpc>
                 <a:spcPct val="115000"/>
               </a:lnSpc>
@@ -5364,7 +5525,7 @@
                 </a:solidFill>
               </a:defRPr>
             </a:lvl3pPr>
-            <a:lvl4pPr indent="-317500" lvl="3" marL="1828800">
+            <a:lvl4pPr marL="1828800" lvl="3" indent="-317500">
               <a:lnSpc>
                 <a:spcPct val="115000"/>
               </a:lnSpc>
@@ -5385,7 +5546,7 @@
                 </a:solidFill>
               </a:defRPr>
             </a:lvl4pPr>
-            <a:lvl5pPr indent="-317500" lvl="4" marL="2286000">
+            <a:lvl5pPr marL="2286000" lvl="4" indent="-317500">
               <a:lnSpc>
                 <a:spcPct val="115000"/>
               </a:lnSpc>
@@ -5406,7 +5567,7 @@
                 </a:solidFill>
               </a:defRPr>
             </a:lvl5pPr>
-            <a:lvl6pPr indent="-317500" lvl="5" marL="2743200">
+            <a:lvl6pPr marL="2743200" lvl="5" indent="-317500">
               <a:lnSpc>
                 <a:spcPct val="115000"/>
               </a:lnSpc>
@@ -5427,7 +5588,7 @@
                 </a:solidFill>
               </a:defRPr>
             </a:lvl6pPr>
-            <a:lvl7pPr indent="-317500" lvl="6" marL="3200400">
+            <a:lvl7pPr marL="3200400" lvl="6" indent="-317500">
               <a:lnSpc>
                 <a:spcPct val="115000"/>
               </a:lnSpc>
@@ -5448,7 +5609,7 @@
                 </a:solidFill>
               </a:defRPr>
             </a:lvl7pPr>
-            <a:lvl8pPr indent="-317500" lvl="7" marL="3657600">
+            <a:lvl8pPr marL="3657600" lvl="7" indent="-317500">
               <a:lnSpc>
                 <a:spcPct val="115000"/>
               </a:lnSpc>
@@ -5469,7 +5630,7 @@
                 </a:solidFill>
               </a:defRPr>
             </a:lvl8pPr>
-            <a:lvl9pPr indent="-317500" lvl="8" marL="4114800">
+            <a:lvl9pPr marL="4114800" lvl="8" indent="-317500">
               <a:lnSpc>
                 <a:spcPct val="115000"/>
               </a:lnSpc>
@@ -5491,15 +5652,19 @@
               </a:defRPr>
             </a:lvl9pPr>
           </a:lstStyle>
-          <a:p/>
+          <a:p>
+            <a:endParaRPr/>
+          </a:p>
         </p:txBody>
       </p:sp>
       <p:sp>
         <p:nvSpPr>
           <p:cNvPr id="8" name="Google Shape;8;p1"/>
-          <p:cNvSpPr txBox="1"/>
+          <p:cNvSpPr txBox="1">
+            <a:spLocks noGrp="1"/>
+          </p:cNvSpPr>
           <p:nvPr>
-            <p:ph idx="12" type="sldNum"/>
+            <p:ph type="sldNum" idx="12"/>
           </p:nvPr>
         </p:nvSpPr>
         <p:spPr>
@@ -5516,7 +5681,7 @@
           </a:ln>
         </p:spPr>
         <p:txBody>
-          <a:bodyPr anchorCtr="0" anchor="ctr" bIns="91425" lIns="91425" spcFirstLastPara="1" rIns="91425" wrap="square" tIns="91425">
+          <a:bodyPr spcFirstLastPara="1" wrap="square" lIns="91425" tIns="91425" rIns="91425" bIns="91425" anchor="ctr" anchorCtr="0">
             <a:noAutofit/>
           </a:bodyPr>
           <a:lstStyle>
@@ -5594,7 +5759,7 @@
             </a:lvl9pPr>
           </a:lstStyle>
           <a:p>
-            <a:pPr indent="0" lvl="0" marL="0" rtl="0" algn="r">
+            <a:pPr marL="0" lvl="0" indent="0" algn="r" rtl="0">
               <a:spcBef>
                 <a:spcPts val="0"/>
               </a:spcBef>
@@ -5613,7 +5778,7 @@
       </p:sp>
     </p:spTree>
   </p:cSld>
-  <p:clrMap accent1="accent1" accent2="accent2" accent3="accent3" accent4="accent4" accent5="accent5" accent6="accent6" bg1="lt1" bg2="dk2" tx1="dk1" tx2="lt2" folHlink="folHlink" hlink="hlink"/>
+  <p:clrMap bg1="lt1" tx1="dk1" bg2="dk2" tx2="lt2" accent1="accent1" accent2="accent2" accent3="accent3" accent4="accent4" accent5="accent5" accent6="accent6" hlink="hlink" folHlink="folHlink"/>
   <p:sldLayoutIdLst>
     <p:sldLayoutId id="2147483648" r:id="rId1"/>
     <p:sldLayoutId id="2147483649" r:id="rId2"/>
@@ -5627,10 +5792,10 @@
     <p:sldLayoutId id="2147483657" r:id="rId10"/>
     <p:sldLayoutId id="2147483658" r:id="rId11"/>
   </p:sldLayoutIdLst>
-  <p:hf dt="0" ftr="0" hdr="0" sldNum="0"/>
+  <p:hf sldNum="0" hdr="0" ftr="0" dt="0"/>
   <p:txStyles>
     <p:titleStyle>
-      <a:defPPr lvl="0" marR="0" rtl="0" algn="l">
+      <a:defPPr marR="0" lvl="0" algn="l" rtl="0">
         <a:lnSpc>
           <a:spcPct val="100000"/>
         </a:lnSpc>
@@ -5641,7 +5806,7 @@
           <a:spcPts val="0"/>
         </a:spcAft>
       </a:defPPr>
-      <a:lvl1pPr lvl="0" marR="0" rtl="0" algn="l">
+      <a:lvl1pPr marR="0" lvl="0" algn="l" rtl="0">
         <a:lnSpc>
           <a:spcPct val="100000"/>
         </a:lnSpc>
@@ -5655,7 +5820,7 @@
           <a:srgbClr val="000000"/>
         </a:buClr>
         <a:buFont typeface="Arial"/>
-        <a:defRPr b="0" i="0" sz="1400" u="none" cap="none" strike="noStrike">
+        <a:defRPr sz="1400" b="0" i="0" u="none" strike="noStrike" cap="none">
           <a:solidFill>
             <a:srgbClr val="000000"/>
           </a:solidFill>
@@ -5665,7 +5830,7 @@
           <a:sym typeface="Arial"/>
         </a:defRPr>
       </a:lvl1pPr>
-      <a:lvl2pPr lvl="1" marR="0" rtl="0" algn="l">
+      <a:lvl2pPr marR="0" lvl="1" algn="l" rtl="0">
         <a:lnSpc>
           <a:spcPct val="100000"/>
         </a:lnSpc>
@@ -5679,7 +5844,7 @@
           <a:srgbClr val="000000"/>
         </a:buClr>
         <a:buFont typeface="Arial"/>
-        <a:defRPr b="0" i="0" sz="1400" u="none" cap="none" strike="noStrike">
+        <a:defRPr sz="1400" b="0" i="0" u="none" strike="noStrike" cap="none">
           <a:solidFill>
             <a:srgbClr val="000000"/>
           </a:solidFill>
@@ -5689,7 +5854,7 @@
           <a:sym typeface="Arial"/>
         </a:defRPr>
       </a:lvl2pPr>
-      <a:lvl3pPr lvl="2" marR="0" rtl="0" algn="l">
+      <a:lvl3pPr marR="0" lvl="2" algn="l" rtl="0">
         <a:lnSpc>
           <a:spcPct val="100000"/>
         </a:lnSpc>
@@ -5703,7 +5868,7 @@
           <a:srgbClr val="000000"/>
         </a:buClr>
         <a:buFont typeface="Arial"/>
-        <a:defRPr b="0" i="0" sz="1400" u="none" cap="none" strike="noStrike">
+        <a:defRPr sz="1400" b="0" i="0" u="none" strike="noStrike" cap="none">
           <a:solidFill>
             <a:srgbClr val="000000"/>
           </a:solidFill>
@@ -5713,7 +5878,7 @@
           <a:sym typeface="Arial"/>
         </a:defRPr>
       </a:lvl3pPr>
-      <a:lvl4pPr lvl="3" marR="0" rtl="0" algn="l">
+      <a:lvl4pPr marR="0" lvl="3" algn="l" rtl="0">
         <a:lnSpc>
           <a:spcPct val="100000"/>
         </a:lnSpc>
@@ -5727,7 +5892,7 @@
           <a:srgbClr val="000000"/>
         </a:buClr>
         <a:buFont typeface="Arial"/>
-        <a:defRPr b="0" i="0" sz="1400" u="none" cap="none" strike="noStrike">
+        <a:defRPr sz="1400" b="0" i="0" u="none" strike="noStrike" cap="none">
           <a:solidFill>
             <a:srgbClr val="000000"/>
           </a:solidFill>
@@ -5737,7 +5902,7 @@
           <a:sym typeface="Arial"/>
         </a:defRPr>
       </a:lvl4pPr>
-      <a:lvl5pPr lvl="4" marR="0" rtl="0" algn="l">
+      <a:lvl5pPr marR="0" lvl="4" algn="l" rtl="0">
         <a:lnSpc>
           <a:spcPct val="100000"/>
         </a:lnSpc>
@@ -5751,7 +5916,7 @@
           <a:srgbClr val="000000"/>
         </a:buClr>
         <a:buFont typeface="Arial"/>
-        <a:defRPr b="0" i="0" sz="1400" u="none" cap="none" strike="noStrike">
+        <a:defRPr sz="1400" b="0" i="0" u="none" strike="noStrike" cap="none">
           <a:solidFill>
             <a:srgbClr val="000000"/>
           </a:solidFill>
@@ -5761,7 +5926,7 @@
           <a:sym typeface="Arial"/>
         </a:defRPr>
       </a:lvl5pPr>
-      <a:lvl6pPr lvl="5" marR="0" rtl="0" algn="l">
+      <a:lvl6pPr marR="0" lvl="5" algn="l" rtl="0">
         <a:lnSpc>
           <a:spcPct val="100000"/>
         </a:lnSpc>
@@ -5775,7 +5940,7 @@
           <a:srgbClr val="000000"/>
         </a:buClr>
         <a:buFont typeface="Arial"/>
-        <a:defRPr b="0" i="0" sz="1400" u="none" cap="none" strike="noStrike">
+        <a:defRPr sz="1400" b="0" i="0" u="none" strike="noStrike" cap="none">
           <a:solidFill>
             <a:srgbClr val="000000"/>
           </a:solidFill>
@@ -5785,7 +5950,7 @@
           <a:sym typeface="Arial"/>
         </a:defRPr>
       </a:lvl6pPr>
-      <a:lvl7pPr lvl="6" marR="0" rtl="0" algn="l">
+      <a:lvl7pPr marR="0" lvl="6" algn="l" rtl="0">
         <a:lnSpc>
           <a:spcPct val="100000"/>
         </a:lnSpc>
@@ -5799,7 +5964,7 @@
           <a:srgbClr val="000000"/>
         </a:buClr>
         <a:buFont typeface="Arial"/>
-        <a:defRPr b="0" i="0" sz="1400" u="none" cap="none" strike="noStrike">
+        <a:defRPr sz="1400" b="0" i="0" u="none" strike="noStrike" cap="none">
           <a:solidFill>
             <a:srgbClr val="000000"/>
           </a:solidFill>
@@ -5809,7 +5974,7 @@
           <a:sym typeface="Arial"/>
         </a:defRPr>
       </a:lvl7pPr>
-      <a:lvl8pPr lvl="7" marR="0" rtl="0" algn="l">
+      <a:lvl8pPr marR="0" lvl="7" algn="l" rtl="0">
         <a:lnSpc>
           <a:spcPct val="100000"/>
         </a:lnSpc>
@@ -5823,7 +5988,7 @@
           <a:srgbClr val="000000"/>
         </a:buClr>
         <a:buFont typeface="Arial"/>
-        <a:defRPr b="0" i="0" sz="1400" u="none" cap="none" strike="noStrike">
+        <a:defRPr sz="1400" b="0" i="0" u="none" strike="noStrike" cap="none">
           <a:solidFill>
             <a:srgbClr val="000000"/>
           </a:solidFill>
@@ -5833,7 +5998,7 @@
           <a:sym typeface="Arial"/>
         </a:defRPr>
       </a:lvl8pPr>
-      <a:lvl9pPr lvl="8" marR="0" rtl="0" algn="l">
+      <a:lvl9pPr marR="0" lvl="8" algn="l" rtl="0">
         <a:lnSpc>
           <a:spcPct val="100000"/>
         </a:lnSpc>
@@ -5847,7 +6012,7 @@
           <a:srgbClr val="000000"/>
         </a:buClr>
         <a:buFont typeface="Arial"/>
-        <a:defRPr b="0" i="0" sz="1400" u="none" cap="none" strike="noStrike">
+        <a:defRPr sz="1400" b="0" i="0" u="none" strike="noStrike" cap="none">
           <a:solidFill>
             <a:srgbClr val="000000"/>
           </a:solidFill>
@@ -5859,7 +6024,7 @@
       </a:lvl9pPr>
     </p:titleStyle>
     <p:bodyStyle>
-      <a:defPPr lvl="0" marR="0" rtl="0" algn="l">
+      <a:defPPr marR="0" lvl="0" algn="l" rtl="0">
         <a:lnSpc>
           <a:spcPct val="100000"/>
         </a:lnSpc>
@@ -5870,7 +6035,7 @@
           <a:spcPts val="0"/>
         </a:spcAft>
       </a:defPPr>
-      <a:lvl1pPr lvl="0" marR="0" rtl="0" algn="l">
+      <a:lvl1pPr marR="0" lvl="0" algn="l" rtl="0">
         <a:lnSpc>
           <a:spcPct val="100000"/>
         </a:lnSpc>
@@ -5884,7 +6049,7 @@
           <a:srgbClr val="000000"/>
         </a:buClr>
         <a:buFont typeface="Arial"/>
-        <a:defRPr b="0" i="0" sz="1400" u="none" cap="none" strike="noStrike">
+        <a:defRPr sz="1400" b="0" i="0" u="none" strike="noStrike" cap="none">
           <a:solidFill>
             <a:srgbClr val="000000"/>
           </a:solidFill>
@@ -5894,7 +6059,7 @@
           <a:sym typeface="Arial"/>
         </a:defRPr>
       </a:lvl1pPr>
-      <a:lvl2pPr lvl="1" marR="0" rtl="0" algn="l">
+      <a:lvl2pPr marR="0" lvl="1" algn="l" rtl="0">
         <a:lnSpc>
           <a:spcPct val="100000"/>
         </a:lnSpc>
@@ -5908,7 +6073,7 @@
           <a:srgbClr val="000000"/>
         </a:buClr>
         <a:buFont typeface="Arial"/>
-        <a:defRPr b="0" i="0" sz="1400" u="none" cap="none" strike="noStrike">
+        <a:defRPr sz="1400" b="0" i="0" u="none" strike="noStrike" cap="none">
           <a:solidFill>
             <a:srgbClr val="000000"/>
           </a:solidFill>
@@ -5918,7 +6083,7 @@
           <a:sym typeface="Arial"/>
         </a:defRPr>
       </a:lvl2pPr>
-      <a:lvl3pPr lvl="2" marR="0" rtl="0" algn="l">
+      <a:lvl3pPr marR="0" lvl="2" algn="l" rtl="0">
         <a:lnSpc>
           <a:spcPct val="100000"/>
         </a:lnSpc>
@@ -5932,7 +6097,7 @@
           <a:srgbClr val="000000"/>
         </a:buClr>
         <a:buFont typeface="Arial"/>
-        <a:defRPr b="0" i="0" sz="1400" u="none" cap="none" strike="noStrike">
+        <a:defRPr sz="1400" b="0" i="0" u="none" strike="noStrike" cap="none">
           <a:solidFill>
             <a:srgbClr val="000000"/>
           </a:solidFill>
@@ -5942,7 +6107,7 @@
           <a:sym typeface="Arial"/>
         </a:defRPr>
       </a:lvl3pPr>
-      <a:lvl4pPr lvl="3" marR="0" rtl="0" algn="l">
+      <a:lvl4pPr marR="0" lvl="3" algn="l" rtl="0">
         <a:lnSpc>
           <a:spcPct val="100000"/>
         </a:lnSpc>
@@ -5956,7 +6121,7 @@
           <a:srgbClr val="000000"/>
         </a:buClr>
         <a:buFont typeface="Arial"/>
-        <a:defRPr b="0" i="0" sz="1400" u="none" cap="none" strike="noStrike">
+        <a:defRPr sz="1400" b="0" i="0" u="none" strike="noStrike" cap="none">
           <a:solidFill>
             <a:srgbClr val="000000"/>
           </a:solidFill>
@@ -5966,7 +6131,7 @@
           <a:sym typeface="Arial"/>
         </a:defRPr>
       </a:lvl4pPr>
-      <a:lvl5pPr lvl="4" marR="0" rtl="0" algn="l">
+      <a:lvl5pPr marR="0" lvl="4" algn="l" rtl="0">
         <a:lnSpc>
           <a:spcPct val="100000"/>
         </a:lnSpc>
@@ -5980,7 +6145,7 @@
           <a:srgbClr val="000000"/>
         </a:buClr>
         <a:buFont typeface="Arial"/>
-        <a:defRPr b="0" i="0" sz="1400" u="none" cap="none" strike="noStrike">
+        <a:defRPr sz="1400" b="0" i="0" u="none" strike="noStrike" cap="none">
           <a:solidFill>
             <a:srgbClr val="000000"/>
           </a:solidFill>
@@ -5990,7 +6155,7 @@
           <a:sym typeface="Arial"/>
         </a:defRPr>
       </a:lvl5pPr>
-      <a:lvl6pPr lvl="5" marR="0" rtl="0" algn="l">
+      <a:lvl6pPr marR="0" lvl="5" algn="l" rtl="0">
         <a:lnSpc>
           <a:spcPct val="100000"/>
         </a:lnSpc>
@@ -6004,7 +6169,7 @@
           <a:srgbClr val="000000"/>
         </a:buClr>
         <a:buFont typeface="Arial"/>
-        <a:defRPr b="0" i="0" sz="1400" u="none" cap="none" strike="noStrike">
+        <a:defRPr sz="1400" b="0" i="0" u="none" strike="noStrike" cap="none">
           <a:solidFill>
             <a:srgbClr val="000000"/>
           </a:solidFill>
@@ -6014,7 +6179,7 @@
           <a:sym typeface="Arial"/>
         </a:defRPr>
       </a:lvl6pPr>
-      <a:lvl7pPr lvl="6" marR="0" rtl="0" algn="l">
+      <a:lvl7pPr marR="0" lvl="6" algn="l" rtl="0">
         <a:lnSpc>
           <a:spcPct val="100000"/>
         </a:lnSpc>
@@ -6028,7 +6193,7 @@
           <a:srgbClr val="000000"/>
         </a:buClr>
         <a:buFont typeface="Arial"/>
-        <a:defRPr b="0" i="0" sz="1400" u="none" cap="none" strike="noStrike">
+        <a:defRPr sz="1400" b="0" i="0" u="none" strike="noStrike" cap="none">
           <a:solidFill>
             <a:srgbClr val="000000"/>
           </a:solidFill>
@@ -6038,7 +6203,7 @@
           <a:sym typeface="Arial"/>
         </a:defRPr>
       </a:lvl7pPr>
-      <a:lvl8pPr lvl="7" marR="0" rtl="0" algn="l">
+      <a:lvl8pPr marR="0" lvl="7" algn="l" rtl="0">
         <a:lnSpc>
           <a:spcPct val="100000"/>
         </a:lnSpc>
@@ -6052,7 +6217,7 @@
           <a:srgbClr val="000000"/>
         </a:buClr>
         <a:buFont typeface="Arial"/>
-        <a:defRPr b="0" i="0" sz="1400" u="none" cap="none" strike="noStrike">
+        <a:defRPr sz="1400" b="0" i="0" u="none" strike="noStrike" cap="none">
           <a:solidFill>
             <a:srgbClr val="000000"/>
           </a:solidFill>
@@ -6062,7 +6227,7 @@
           <a:sym typeface="Arial"/>
         </a:defRPr>
       </a:lvl8pPr>
-      <a:lvl9pPr lvl="8" marR="0" rtl="0" algn="l">
+      <a:lvl9pPr marR="0" lvl="8" algn="l" rtl="0">
         <a:lnSpc>
           <a:spcPct val="100000"/>
         </a:lnSpc>
@@ -6076,7 +6241,7 @@
           <a:srgbClr val="000000"/>
         </a:buClr>
         <a:buFont typeface="Arial"/>
-        <a:defRPr b="0" i="0" sz="1400" u="none" cap="none" strike="noStrike">
+        <a:defRPr sz="1400" b="0" i="0" u="none" strike="noStrike" cap="none">
           <a:solidFill>
             <a:srgbClr val="000000"/>
           </a:solidFill>
@@ -6088,7 +6253,7 @@
       </a:lvl9pPr>
     </p:bodyStyle>
     <p:otherStyle>
-      <a:defPPr lvl="0" marR="0" rtl="0" algn="l">
+      <a:defPPr marR="0" lvl="0" algn="l" rtl="0">
         <a:lnSpc>
           <a:spcPct val="100000"/>
         </a:lnSpc>
@@ -6099,7 +6264,7 @@
           <a:spcPts val="0"/>
         </a:spcAft>
       </a:defPPr>
-      <a:lvl1pPr lvl="0" marR="0" rtl="0" algn="l">
+      <a:lvl1pPr marR="0" lvl="0" algn="l" rtl="0">
         <a:lnSpc>
           <a:spcPct val="100000"/>
         </a:lnSpc>
@@ -6113,7 +6278,7 @@
           <a:srgbClr val="000000"/>
         </a:buClr>
         <a:buFont typeface="Arial"/>
-        <a:defRPr b="0" i="0" sz="1400" u="none" cap="none" strike="noStrike">
+        <a:defRPr sz="1400" b="0" i="0" u="none" strike="noStrike" cap="none">
           <a:solidFill>
             <a:srgbClr val="000000"/>
           </a:solidFill>
@@ -6123,7 +6288,7 @@
           <a:sym typeface="Arial"/>
         </a:defRPr>
       </a:lvl1pPr>
-      <a:lvl2pPr lvl="1" marR="0" rtl="0" algn="l">
+      <a:lvl2pPr marR="0" lvl="1" algn="l" rtl="0">
         <a:lnSpc>
           <a:spcPct val="100000"/>
         </a:lnSpc>
@@ -6137,7 +6302,7 @@
           <a:srgbClr val="000000"/>
         </a:buClr>
         <a:buFont typeface="Arial"/>
-        <a:defRPr b="0" i="0" sz="1400" u="none" cap="none" strike="noStrike">
+        <a:defRPr sz="1400" b="0" i="0" u="none" strike="noStrike" cap="none">
           <a:solidFill>
             <a:srgbClr val="000000"/>
           </a:solidFill>
@@ -6147,7 +6312,7 @@
           <a:sym typeface="Arial"/>
         </a:defRPr>
       </a:lvl2pPr>
-      <a:lvl3pPr lvl="2" marR="0" rtl="0" algn="l">
+      <a:lvl3pPr marR="0" lvl="2" algn="l" rtl="0">
         <a:lnSpc>
           <a:spcPct val="100000"/>
         </a:lnSpc>
@@ -6161,7 +6326,7 @@
           <a:srgbClr val="000000"/>
         </a:buClr>
         <a:buFont typeface="Arial"/>
-        <a:defRPr b="0" i="0" sz="1400" u="none" cap="none" strike="noStrike">
+        <a:defRPr sz="1400" b="0" i="0" u="none" strike="noStrike" cap="none">
           <a:solidFill>
             <a:srgbClr val="000000"/>
           </a:solidFill>
@@ -6171,7 +6336,7 @@
           <a:sym typeface="Arial"/>
         </a:defRPr>
       </a:lvl3pPr>
-      <a:lvl4pPr lvl="3" marR="0" rtl="0" algn="l">
+      <a:lvl4pPr marR="0" lvl="3" algn="l" rtl="0">
         <a:lnSpc>
           <a:spcPct val="100000"/>
         </a:lnSpc>
@@ -6185,7 +6350,7 @@
           <a:srgbClr val="000000"/>
         </a:buClr>
         <a:buFont typeface="Arial"/>
-        <a:defRPr b="0" i="0" sz="1400" u="none" cap="none" strike="noStrike">
+        <a:defRPr sz="1400" b="0" i="0" u="none" strike="noStrike" cap="none">
           <a:solidFill>
             <a:srgbClr val="000000"/>
           </a:solidFill>
@@ -6195,7 +6360,7 @@
           <a:sym typeface="Arial"/>
         </a:defRPr>
       </a:lvl4pPr>
-      <a:lvl5pPr lvl="4" marR="0" rtl="0" algn="l">
+      <a:lvl5pPr marR="0" lvl="4" algn="l" rtl="0">
         <a:lnSpc>
           <a:spcPct val="100000"/>
         </a:lnSpc>
@@ -6209,7 +6374,7 @@
           <a:srgbClr val="000000"/>
         </a:buClr>
         <a:buFont typeface="Arial"/>
-        <a:defRPr b="0" i="0" sz="1400" u="none" cap="none" strike="noStrike">
+        <a:defRPr sz="1400" b="0" i="0" u="none" strike="noStrike" cap="none">
           <a:solidFill>
             <a:srgbClr val="000000"/>
           </a:solidFill>
@@ -6219,7 +6384,7 @@
           <a:sym typeface="Arial"/>
         </a:defRPr>
       </a:lvl5pPr>
-      <a:lvl6pPr lvl="5" marR="0" rtl="0" algn="l">
+      <a:lvl6pPr marR="0" lvl="5" algn="l" rtl="0">
         <a:lnSpc>
           <a:spcPct val="100000"/>
         </a:lnSpc>
@@ -6233,7 +6398,7 @@
           <a:srgbClr val="000000"/>
         </a:buClr>
         <a:buFont typeface="Arial"/>
-        <a:defRPr b="0" i="0" sz="1400" u="none" cap="none" strike="noStrike">
+        <a:defRPr sz="1400" b="0" i="0" u="none" strike="noStrike" cap="none">
           <a:solidFill>
             <a:srgbClr val="000000"/>
           </a:solidFill>
@@ -6243,7 +6408,7 @@
           <a:sym typeface="Arial"/>
         </a:defRPr>
       </a:lvl6pPr>
-      <a:lvl7pPr lvl="6" marR="0" rtl="0" algn="l">
+      <a:lvl7pPr marR="0" lvl="6" algn="l" rtl="0">
         <a:lnSpc>
           <a:spcPct val="100000"/>
         </a:lnSpc>
@@ -6257,7 +6422,7 @@
           <a:srgbClr val="000000"/>
         </a:buClr>
         <a:buFont typeface="Arial"/>
-        <a:defRPr b="0" i="0" sz="1400" u="none" cap="none" strike="noStrike">
+        <a:defRPr sz="1400" b="0" i="0" u="none" strike="noStrike" cap="none">
           <a:solidFill>
             <a:srgbClr val="000000"/>
           </a:solidFill>
@@ -6267,7 +6432,7 @@
           <a:sym typeface="Arial"/>
         </a:defRPr>
       </a:lvl7pPr>
-      <a:lvl8pPr lvl="7" marR="0" rtl="0" algn="l">
+      <a:lvl8pPr marR="0" lvl="7" algn="l" rtl="0">
         <a:lnSpc>
           <a:spcPct val="100000"/>
         </a:lnSpc>
@@ -6281,7 +6446,7 @@
           <a:srgbClr val="000000"/>
         </a:buClr>
         <a:buFont typeface="Arial"/>
-        <a:defRPr b="0" i="0" sz="1400" u="none" cap="none" strike="noStrike">
+        <a:defRPr sz="1400" b="0" i="0" u="none" strike="noStrike" cap="none">
           <a:solidFill>
             <a:srgbClr val="000000"/>
           </a:solidFill>
@@ -6291,7 +6456,7 @@
           <a:sym typeface="Arial"/>
         </a:defRPr>
       </a:lvl8pPr>
-      <a:lvl9pPr lvl="8" marR="0" rtl="0" algn="l">
+      <a:lvl9pPr marR="0" lvl="8" algn="l" rtl="0">
         <a:lnSpc>
           <a:spcPct val="100000"/>
         </a:lnSpc>
@@ -6305,7 +6470,7 @@
           <a:srgbClr val="000000"/>
         </a:buClr>
         <a:buFont typeface="Arial"/>
-        <a:defRPr b="0" i="0" sz="1400" u="none" cap="none" strike="noStrike">
+        <a:defRPr sz="1400" b="0" i="0" u="none" strike="noStrike" cap="none">
           <a:solidFill>
             <a:srgbClr val="000000"/>
           </a:solidFill>
@@ -6321,7 +6486,7 @@
 </file>
 
 <file path=ppt/slides/slide1.xml><?xml version="1.0" encoding="utf-8"?>
-<p:sld xmlns:a="http://schemas.openxmlformats.org/drawingml/2006/main" xmlns:r="http://schemas.openxmlformats.org/officeDocument/2006/relationships" xmlns:mc="http://schemas.openxmlformats.org/markup-compatibility/2006" xmlns:mv="urn:schemas-microsoft-com:mac:vml" xmlns:p="http://schemas.openxmlformats.org/presentationml/2006/main" xmlns:c="http://schemas.openxmlformats.org/drawingml/2006/chart" xmlns:dgm="http://schemas.openxmlformats.org/drawingml/2006/diagram" xmlns:o="urn:schemas-microsoft-com:office:office" xmlns:v="urn:schemas-microsoft-com:vml" xmlns:pvml="urn:schemas-microsoft-com:office:powerpoint" xmlns:com="http://schemas.openxmlformats.org/drawingml/2006/compatibility" xmlns:p14="http://schemas.microsoft.com/office/powerpoint/2010/main" xmlns:p15="http://schemas.microsoft.com/office/powerpoint/2012/main" xmlns:ahyp="http://schemas.microsoft.com/office/drawing/2018/hyperlinkcolor">
+<p:sld xmlns:a="http://schemas.openxmlformats.org/drawingml/2006/main" xmlns:r="http://schemas.openxmlformats.org/officeDocument/2006/relationships" xmlns:p="http://schemas.openxmlformats.org/presentationml/2006/main">
   <p:cSld>
     <p:bg>
       <p:bgPr>
@@ -6336,11 +6501,12 @@
           </a:gsLst>
           <a:lin ang="10800025" scaled="0"/>
         </a:gradFill>
+        <a:effectLst/>
       </p:bgPr>
     </p:bg>
     <p:spTree>
       <p:nvGrpSpPr>
-        <p:cNvPr id="53" name="Shape 53"/>
+        <p:cNvPr id="1" name="Shape 53"/>
         <p:cNvGrpSpPr/>
         <p:nvPr/>
       </p:nvGrpSpPr>
@@ -6355,7 +6521,9 @@
       <p:sp>
         <p:nvSpPr>
           <p:cNvPr id="54" name="Google Shape;54;p13"/>
-          <p:cNvSpPr txBox="1"/>
+          <p:cNvSpPr txBox="1">
+            <a:spLocks noGrp="1"/>
+          </p:cNvSpPr>
           <p:nvPr>
             <p:ph type="ctrTitle"/>
           </p:nvPr>
@@ -6370,12 +6538,12 @@
           </a:prstGeom>
         </p:spPr>
         <p:txBody>
-          <a:bodyPr anchorCtr="0" anchor="b" bIns="91425" lIns="91425" spcFirstLastPara="1" rIns="91425" wrap="square" tIns="91425">
+          <a:bodyPr spcFirstLastPara="1" wrap="square" lIns="91425" tIns="91425" rIns="91425" bIns="91425" anchor="b" anchorCtr="0">
             <a:noAutofit/>
           </a:bodyPr>
           <a:lstStyle/>
           <a:p>
-            <a:pPr indent="0" lvl="0" marL="0" rtl="0" algn="ctr">
+            <a:pPr marL="0" lvl="0" indent="0" algn="ctr" rtl="0">
               <a:spcBef>
                 <a:spcPts val="0"/>
               </a:spcBef>
@@ -6405,9 +6573,11 @@
       <p:sp>
         <p:nvSpPr>
           <p:cNvPr id="55" name="Google Shape;55;p13"/>
-          <p:cNvSpPr txBox="1"/>
+          <p:cNvSpPr txBox="1">
+            <a:spLocks noGrp="1"/>
+          </p:cNvSpPr>
           <p:nvPr>
-            <p:ph idx="1" type="subTitle"/>
+            <p:ph type="subTitle" idx="1"/>
           </p:nvPr>
         </p:nvSpPr>
         <p:spPr>
@@ -6420,12 +6590,12 @@
           </a:prstGeom>
         </p:spPr>
         <p:txBody>
-          <a:bodyPr anchorCtr="0" anchor="t" bIns="91425" lIns="91425" spcFirstLastPara="1" rIns="91425" wrap="square" tIns="91425">
+          <a:bodyPr spcFirstLastPara="1" wrap="square" lIns="91425" tIns="91425" rIns="91425" bIns="91425" anchor="t" anchorCtr="0">
             <a:noAutofit/>
           </a:bodyPr>
           <a:lstStyle/>
           <a:p>
-            <a:pPr indent="0" lvl="0" marL="0" rtl="0" algn="ctr">
+            <a:pPr marL="0" lvl="0" indent="0" algn="ctr" rtl="0">
               <a:spcBef>
                 <a:spcPts val="0"/>
               </a:spcBef>
@@ -6480,12 +6650,12 @@
           </a:ln>
         </p:spPr>
         <p:txBody>
-          <a:bodyPr anchorCtr="0" anchor="ctr" bIns="91425" lIns="91425" spcFirstLastPara="1" rIns="91425" wrap="square" tIns="91425">
+          <a:bodyPr spcFirstLastPara="1" wrap="square" lIns="91425" tIns="91425" rIns="91425" bIns="91425" anchor="ctr" anchorCtr="0">
             <a:noAutofit/>
           </a:bodyPr>
           <a:lstStyle/>
           <a:p>
-            <a:pPr indent="0" lvl="0" marL="0" rtl="0" algn="l">
+            <a:pPr marL="0" lvl="0" indent="0" algn="l" rtl="0">
               <a:spcBef>
                 <a:spcPts val="0"/>
               </a:spcBef>
@@ -6494,9 +6664,6 @@
               </a:spcAft>
               <a:buNone/>
             </a:pPr>
-            <a:r>
-              <a:t/>
-            </a:r>
             <a:endParaRPr>
               <a:solidFill>
                 <a:schemeClr val="lt1"/>
@@ -6514,7 +6681,7 @@
 </file>
 
 <file path=ppt/slides/slide2.xml><?xml version="1.0" encoding="utf-8"?>
-<p:sld xmlns:a="http://schemas.openxmlformats.org/drawingml/2006/main" xmlns:r="http://schemas.openxmlformats.org/officeDocument/2006/relationships" xmlns:mc="http://schemas.openxmlformats.org/markup-compatibility/2006" xmlns:mv="urn:schemas-microsoft-com:mac:vml" xmlns:p="http://schemas.openxmlformats.org/presentationml/2006/main" xmlns:c="http://schemas.openxmlformats.org/drawingml/2006/chart" xmlns:dgm="http://schemas.openxmlformats.org/drawingml/2006/diagram" xmlns:o="urn:schemas-microsoft-com:office:office" xmlns:v="urn:schemas-microsoft-com:vml" xmlns:pvml="urn:schemas-microsoft-com:office:powerpoint" xmlns:com="http://schemas.openxmlformats.org/drawingml/2006/compatibility" xmlns:p14="http://schemas.microsoft.com/office/powerpoint/2010/main" xmlns:p15="http://schemas.microsoft.com/office/powerpoint/2012/main" xmlns:ahyp="http://schemas.microsoft.com/office/drawing/2018/hyperlinkcolor">
+<p:sld xmlns:a="http://schemas.openxmlformats.org/drawingml/2006/main" xmlns:r="http://schemas.openxmlformats.org/officeDocument/2006/relationships" xmlns:p="http://schemas.openxmlformats.org/presentationml/2006/main">
   <p:cSld>
     <p:bg>
       <p:bgPr>
@@ -6528,15 +6695,16 @@
             </a:gs>
           </a:gsLst>
           <a:path path="circle">
-            <a:fillToRect b="50%" l="50%" r="50%" t="50%"/>
+            <a:fillToRect l="50000" t="50000" r="50000" b="50000"/>
           </a:path>
           <a:tileRect/>
         </a:gradFill>
+        <a:effectLst/>
       </p:bgPr>
     </p:bg>
     <p:spTree>
       <p:nvGrpSpPr>
-        <p:cNvPr id="60" name="Shape 60"/>
+        <p:cNvPr id="1" name="Shape 60"/>
         <p:cNvGrpSpPr/>
         <p:nvPr/>
       </p:nvGrpSpPr>
@@ -6551,7 +6719,9 @@
       <p:sp>
         <p:nvSpPr>
           <p:cNvPr id="61" name="Google Shape;61;p14"/>
-          <p:cNvSpPr txBox="1"/>
+          <p:cNvSpPr txBox="1">
+            <a:spLocks noGrp="1"/>
+          </p:cNvSpPr>
           <p:nvPr>
             <p:ph type="title"/>
           </p:nvPr>
@@ -6569,12 +6739,12 @@
           </a:ln>
         </p:spPr>
         <p:txBody>
-          <a:bodyPr anchorCtr="0" anchor="t" bIns="91425" lIns="91425" spcFirstLastPara="1" rIns="91425" wrap="square" tIns="91425">
+          <a:bodyPr spcFirstLastPara="1" wrap="square" lIns="91425" tIns="91425" rIns="91425" bIns="91425" anchor="t" anchorCtr="0">
             <a:noAutofit/>
           </a:bodyPr>
           <a:lstStyle/>
           <a:p>
-            <a:pPr indent="0" lvl="0" marL="0" rtl="0" algn="l">
+            <a:pPr marL="0" lvl="0" indent="0" algn="l" rtl="0">
               <a:spcBef>
                 <a:spcPts val="0"/>
               </a:spcBef>
@@ -6610,9 +6780,11 @@
       <p:sp>
         <p:nvSpPr>
           <p:cNvPr id="62" name="Google Shape;62;p14"/>
-          <p:cNvSpPr txBox="1"/>
+          <p:cNvSpPr txBox="1">
+            <a:spLocks noGrp="1"/>
+          </p:cNvSpPr>
           <p:nvPr>
-            <p:ph idx="1" type="body"/>
+            <p:ph type="body" idx="1"/>
           </p:nvPr>
         </p:nvSpPr>
         <p:spPr>
@@ -6625,12 +6797,12 @@
           </a:prstGeom>
         </p:spPr>
         <p:txBody>
-          <a:bodyPr anchorCtr="0" anchor="t" bIns="91425" lIns="91425" spcFirstLastPara="1" rIns="91425" wrap="square" tIns="91425">
+          <a:bodyPr spcFirstLastPara="1" wrap="square" lIns="91425" tIns="91425" rIns="91425" bIns="91425" anchor="t" anchorCtr="0">
             <a:noAutofit/>
           </a:bodyPr>
           <a:lstStyle/>
           <a:p>
-            <a:pPr indent="0" lvl="0" marL="0" rtl="0" algn="l">
+            <a:pPr marL="0" lvl="0" indent="0" algn="l" rtl="0">
               <a:lnSpc>
                 <a:spcPct val="100000"/>
               </a:lnSpc>
@@ -6643,7 +6815,7 @@
               <a:buNone/>
             </a:pPr>
             <a:r>
-              <a:rPr i="1" lang="en" sz="2000">
+              <a:rPr lang="en" sz="2000" i="1">
                 <a:solidFill>
                   <a:srgbClr val="FFFFFF"/>
                 </a:solidFill>
@@ -6654,7 +6826,7 @@
               </a:rPr>
               <a:t>“For Big Mountain Ski Resort to select a better valuation for their ticket prices what changes do they need to make in order to, cut costs that won’t undermine ticket prices or that will support higher ticket prices?”</a:t>
             </a:r>
-            <a:endParaRPr i="1" sz="2000">
+            <a:endParaRPr sz="2000" i="1">
               <a:solidFill>
                 <a:srgbClr val="FFFFFF"/>
               </a:solidFill>
@@ -6665,7 +6837,7 @@
             </a:endParaRPr>
           </a:p>
           <a:p>
-            <a:pPr indent="0" lvl="0" marL="0" rtl="0" algn="l">
+            <a:pPr marL="0" lvl="0" indent="0" algn="l" rtl="0">
               <a:spcBef>
                 <a:spcPts val="0"/>
               </a:spcBef>
@@ -6674,13 +6846,10 @@
               </a:spcAft>
               <a:buNone/>
             </a:pPr>
-            <a:r>
-              <a:t/>
-            </a:r>
-            <a:endParaRPr i="1" sz="2400"/>
-          </a:p>
-          <a:p>
-            <a:pPr indent="0" lvl="0" marL="0" rtl="0" algn="l">
+            <a:endParaRPr sz="2400" i="1"/>
+          </a:p>
+          <a:p>
+            <a:pPr marL="0" lvl="0" indent="0" algn="l" rtl="0">
               <a:spcBef>
                 <a:spcPts val="1600"/>
               </a:spcBef>
@@ -6689,10 +6858,7 @@
               </a:spcAft>
               <a:buNone/>
             </a:pPr>
-            <a:r>
-              <a:t/>
-            </a:r>
-            <a:endParaRPr i="1" sz="2400"/>
+            <a:endParaRPr sz="2400" i="1"/>
           </a:p>
         </p:txBody>
       </p:sp>
@@ -6718,12 +6884,12 @@
           </a:ln>
         </p:spPr>
         <p:txBody>
-          <a:bodyPr anchorCtr="0" anchor="ctr" bIns="91425" lIns="91425" spcFirstLastPara="1" rIns="91425" wrap="square" tIns="91425">
+          <a:bodyPr spcFirstLastPara="1" wrap="square" lIns="91425" tIns="91425" rIns="91425" bIns="91425" anchor="ctr" anchorCtr="0">
             <a:noAutofit/>
           </a:bodyPr>
           <a:lstStyle/>
           <a:p>
-            <a:pPr indent="0" lvl="0" marL="0" rtl="0" algn="l">
+            <a:pPr marL="0" lvl="0" indent="0" algn="l" rtl="0">
               <a:spcBef>
                 <a:spcPts val="0"/>
               </a:spcBef>
@@ -6732,9 +6898,6 @@
               </a:spcAft>
               <a:buNone/>
             </a:pPr>
-            <a:r>
-              <a:t/>
-            </a:r>
             <a:endParaRPr>
               <a:solidFill>
                 <a:schemeClr val="lt1"/>
@@ -6763,12 +6926,12 @@
           </a:ln>
         </p:spPr>
         <p:txBody>
-          <a:bodyPr anchorCtr="0" anchor="t" bIns="91425" lIns="91425" spcFirstLastPara="1" rIns="91425" wrap="square" tIns="91425">
+          <a:bodyPr spcFirstLastPara="1" wrap="square" lIns="91425" tIns="91425" rIns="91425" bIns="91425" anchor="t" anchorCtr="0">
             <a:noAutofit/>
           </a:bodyPr>
           <a:lstStyle/>
           <a:p>
-            <a:pPr indent="-323850" lvl="0" marL="457200" rtl="0" algn="l">
+            <a:pPr marL="457200" lvl="0" indent="-323850" algn="l" rtl="0">
               <a:lnSpc>
                 <a:spcPct val="200000"/>
               </a:lnSpc>
@@ -6808,7 +6971,7 @@
             </a:endParaRPr>
           </a:p>
           <a:p>
-            <a:pPr indent="-323850" lvl="0" marL="457200" rtl="0" algn="l">
+            <a:pPr marL="457200" lvl="0" indent="-323850" algn="l" rtl="0">
               <a:lnSpc>
                 <a:spcPct val="200000"/>
               </a:lnSpc>
@@ -6848,7 +7011,7 @@
             </a:endParaRPr>
           </a:p>
           <a:p>
-            <a:pPr indent="-323850" lvl="0" marL="457200" rtl="0" algn="l">
+            <a:pPr marL="457200" lvl="0" indent="-323850" algn="l" rtl="0">
               <a:lnSpc>
                 <a:spcPct val="200000"/>
               </a:lnSpc>
@@ -6898,7 +7061,7 @@
 </file>
 
 <file path=ppt/slides/slide3.xml><?xml version="1.0" encoding="utf-8"?>
-<p:sld xmlns:a="http://schemas.openxmlformats.org/drawingml/2006/main" xmlns:r="http://schemas.openxmlformats.org/officeDocument/2006/relationships" xmlns:mc="http://schemas.openxmlformats.org/markup-compatibility/2006" xmlns:mv="urn:schemas-microsoft-com:mac:vml" xmlns:p="http://schemas.openxmlformats.org/presentationml/2006/main" xmlns:c="http://schemas.openxmlformats.org/drawingml/2006/chart" xmlns:dgm="http://schemas.openxmlformats.org/drawingml/2006/diagram" xmlns:o="urn:schemas-microsoft-com:office:office" xmlns:v="urn:schemas-microsoft-com:vml" xmlns:pvml="urn:schemas-microsoft-com:office:powerpoint" xmlns:com="http://schemas.openxmlformats.org/drawingml/2006/compatibility" xmlns:p14="http://schemas.microsoft.com/office/powerpoint/2010/main" xmlns:p15="http://schemas.microsoft.com/office/powerpoint/2012/main" xmlns:ahyp="http://schemas.microsoft.com/office/drawing/2018/hyperlinkcolor">
+<p:sld xmlns:a="http://schemas.openxmlformats.org/drawingml/2006/main" xmlns:r="http://schemas.openxmlformats.org/officeDocument/2006/relationships" xmlns:p="http://schemas.openxmlformats.org/presentationml/2006/main">
   <p:cSld>
     <p:bg>
       <p:bgPr>
@@ -6912,15 +7075,16 @@
             </a:gs>
           </a:gsLst>
           <a:path path="circle">
-            <a:fillToRect b="50%" l="50%" r="50%" t="50%"/>
+            <a:fillToRect l="50000" t="50000" r="50000" b="50000"/>
           </a:path>
           <a:tileRect/>
         </a:gradFill>
+        <a:effectLst/>
       </p:bgPr>
     </p:bg>
     <p:spTree>
       <p:nvGrpSpPr>
-        <p:cNvPr id="68" name="Shape 68"/>
+        <p:cNvPr id="1" name="Shape 68"/>
         <p:cNvGrpSpPr/>
         <p:nvPr/>
       </p:nvGrpSpPr>
@@ -6935,7 +7099,9 @@
       <p:sp>
         <p:nvSpPr>
           <p:cNvPr id="69" name="Google Shape;69;p15"/>
-          <p:cNvSpPr txBox="1"/>
+          <p:cNvSpPr txBox="1">
+            <a:spLocks noGrp="1"/>
+          </p:cNvSpPr>
           <p:nvPr>
             <p:ph type="title"/>
           </p:nvPr>
@@ -6953,12 +7119,12 @@
           </a:ln>
         </p:spPr>
         <p:txBody>
-          <a:bodyPr anchorCtr="0" anchor="t" bIns="91425" lIns="91425" spcFirstLastPara="1" rIns="91425" wrap="square" tIns="91425">
+          <a:bodyPr spcFirstLastPara="1" wrap="square" lIns="91425" tIns="91425" rIns="91425" bIns="91425" anchor="t" anchorCtr="0">
             <a:noAutofit/>
           </a:bodyPr>
           <a:lstStyle/>
           <a:p>
-            <a:pPr indent="0" lvl="0" marL="0" rtl="0" algn="l">
+            <a:pPr marL="0" lvl="0" indent="0" algn="l" rtl="0">
               <a:spcBef>
                 <a:spcPts val="0"/>
               </a:spcBef>
@@ -7013,12 +7179,12 @@
           </a:ln>
         </p:spPr>
         <p:txBody>
-          <a:bodyPr anchorCtr="0" anchor="ctr" bIns="91425" lIns="91425" spcFirstLastPara="1" rIns="91425" wrap="square" tIns="91425">
+          <a:bodyPr spcFirstLastPara="1" wrap="square" lIns="91425" tIns="91425" rIns="91425" bIns="91425" anchor="ctr" anchorCtr="0">
             <a:noAutofit/>
           </a:bodyPr>
           <a:lstStyle/>
           <a:p>
-            <a:pPr indent="0" lvl="0" marL="0" rtl="0" algn="l">
+            <a:pPr marL="0" lvl="0" indent="0" algn="l" rtl="0">
               <a:spcBef>
                 <a:spcPts val="0"/>
               </a:spcBef>
@@ -7027,9 +7193,6 @@
               </a:spcAft>
               <a:buNone/>
             </a:pPr>
-            <a:r>
-              <a:t/>
-            </a:r>
             <a:endParaRPr>
               <a:solidFill>
                 <a:schemeClr val="lt1"/>
@@ -7058,12 +7221,12 @@
           </a:ln>
         </p:spPr>
         <p:txBody>
-          <a:bodyPr anchorCtr="0" anchor="t" bIns="91425" lIns="91425" spcFirstLastPara="1" rIns="91425" wrap="square" tIns="91425">
+          <a:bodyPr spcFirstLastPara="1" wrap="square" lIns="91425" tIns="91425" rIns="91425" bIns="91425" anchor="t" anchorCtr="0">
             <a:noAutofit/>
           </a:bodyPr>
           <a:lstStyle/>
           <a:p>
-            <a:pPr indent="-323850" lvl="0" marL="457200" rtl="0" algn="l">
+            <a:pPr marL="457200" lvl="0" indent="-323850" algn="l" rtl="0">
               <a:lnSpc>
                 <a:spcPct val="200000"/>
               </a:lnSpc>
@@ -7103,7 +7266,7 @@
             </a:endParaRPr>
           </a:p>
           <a:p>
-            <a:pPr indent="-323850" lvl="0" marL="457200" rtl="0" algn="l">
+            <a:pPr marL="457200" lvl="0" indent="-323850" algn="l" rtl="0">
               <a:lnSpc>
                 <a:spcPct val="200000"/>
               </a:lnSpc>
@@ -7164,12 +7327,12 @@
           </a:ln>
         </p:spPr>
         <p:txBody>
-          <a:bodyPr anchorCtr="0" anchor="t" bIns="91425" lIns="91425" spcFirstLastPara="1" rIns="91425" wrap="square" tIns="91425">
+          <a:bodyPr spcFirstLastPara="1" wrap="square" lIns="91425" tIns="91425" rIns="91425" bIns="91425" anchor="t" anchorCtr="0">
             <a:noAutofit/>
           </a:bodyPr>
           <a:lstStyle/>
           <a:p>
-            <a:pPr indent="-323850" lvl="0" marL="457200" rtl="0" algn="l">
+            <a:pPr marL="457200" lvl="0" indent="-323850" algn="l" rtl="0">
               <a:lnSpc>
                 <a:spcPct val="90000"/>
               </a:lnSpc>
@@ -7209,7 +7372,7 @@
             </a:endParaRPr>
           </a:p>
           <a:p>
-            <a:pPr indent="0" lvl="0" marL="0" rtl="0" algn="l">
+            <a:pPr marL="0" lvl="0" indent="0" algn="l" rtl="0">
               <a:lnSpc>
                 <a:spcPct val="200000"/>
               </a:lnSpc>
@@ -7221,9 +7384,6 @@
               </a:spcAft>
               <a:buNone/>
             </a:pPr>
-            <a:r>
-              <a:t/>
-            </a:r>
             <a:endParaRPr sz="1500">
               <a:solidFill>
                 <a:srgbClr val="FFFFFF"/>
@@ -7235,7 +7395,7 @@
             </a:endParaRPr>
           </a:p>
           <a:p>
-            <a:pPr indent="0" lvl="0" marL="0" rtl="0" algn="l">
+            <a:pPr marL="0" lvl="0" indent="0" algn="l" rtl="0">
               <a:lnSpc>
                 <a:spcPct val="200000"/>
               </a:lnSpc>
@@ -7247,9 +7407,6 @@
               </a:spcAft>
               <a:buNone/>
             </a:pPr>
-            <a:r>
-              <a:t/>
-            </a:r>
             <a:endParaRPr sz="1500">
               <a:solidFill>
                 <a:srgbClr val="FFFFFF"/>
@@ -7271,7 +7428,7 @@
 </file>
 
 <file path=ppt/slides/slide4.xml><?xml version="1.0" encoding="utf-8"?>
-<p:sld xmlns:a="http://schemas.openxmlformats.org/drawingml/2006/main" xmlns:r="http://schemas.openxmlformats.org/officeDocument/2006/relationships" xmlns:mc="http://schemas.openxmlformats.org/markup-compatibility/2006" xmlns:mv="urn:schemas-microsoft-com:mac:vml" xmlns:p="http://schemas.openxmlformats.org/presentationml/2006/main" xmlns:c="http://schemas.openxmlformats.org/drawingml/2006/chart" xmlns:dgm="http://schemas.openxmlformats.org/drawingml/2006/diagram" xmlns:o="urn:schemas-microsoft-com:office:office" xmlns:v="urn:schemas-microsoft-com:vml" xmlns:pvml="urn:schemas-microsoft-com:office:powerpoint" xmlns:com="http://schemas.openxmlformats.org/drawingml/2006/compatibility" xmlns:p14="http://schemas.microsoft.com/office/powerpoint/2010/main" xmlns:p15="http://schemas.microsoft.com/office/powerpoint/2012/main" xmlns:ahyp="http://schemas.microsoft.com/office/drawing/2018/hyperlinkcolor">
+<p:sld xmlns:a="http://schemas.openxmlformats.org/drawingml/2006/main" xmlns:r="http://schemas.openxmlformats.org/officeDocument/2006/relationships" xmlns:p="http://schemas.openxmlformats.org/presentationml/2006/main">
   <p:cSld>
     <p:bg>
       <p:bgPr>
@@ -7285,15 +7442,16 @@
             </a:gs>
           </a:gsLst>
           <a:path path="circle">
-            <a:fillToRect b="50%" l="50%" r="50%" t="50%"/>
+            <a:fillToRect l="50000" t="50000" r="50000" b="50000"/>
           </a:path>
           <a:tileRect/>
         </a:gradFill>
+        <a:effectLst/>
       </p:bgPr>
     </p:bg>
     <p:spTree>
       <p:nvGrpSpPr>
-        <p:cNvPr id="76" name="Shape 76"/>
+        <p:cNvPr id="1" name="Shape 68"/>
         <p:cNvGrpSpPr/>
         <p:nvPr/>
       </p:nvGrpSpPr>
@@ -7307,14 +7465,14 @@
       </p:grpSpPr>
       <p:sp>
         <p:nvSpPr>
-          <p:cNvPr id="77" name="Google Shape;77;p16"/>
+          <p:cNvPr id="70" name="Google Shape;70;p15"/>
           <p:cNvSpPr/>
           <p:nvPr/>
         </p:nvSpPr>
         <p:spPr>
-          <a:xfrm>
-            <a:off x="0" y="1761075"/>
-            <a:ext cx="4726500" cy="1135800"/>
+          <a:xfrm rot="-5400000">
+            <a:off x="4595725" y="2168863"/>
+            <a:ext cx="23100" cy="3503100"/>
           </a:xfrm>
           <a:prstGeom prst="rect">
             <a:avLst/>
@@ -7325,21 +7483,14 @@
           <a:ln>
             <a:noFill/>
           </a:ln>
-          <a:effectLst>
-            <a:outerShdw blurRad="100013" rotWithShape="0" algn="bl" dir="5400000" dist="76200">
-              <a:srgbClr val="000000">
-                <a:alpha val="50000"/>
-              </a:srgbClr>
-            </a:outerShdw>
-          </a:effectLst>
         </p:spPr>
         <p:txBody>
-          <a:bodyPr anchorCtr="0" anchor="ctr" bIns="91425" lIns="91425" spcFirstLastPara="1" rIns="91425" wrap="square" tIns="91425">
+          <a:bodyPr spcFirstLastPara="1" wrap="square" lIns="91425" tIns="91425" rIns="91425" bIns="91425" anchor="ctr" anchorCtr="0">
             <a:noAutofit/>
           </a:bodyPr>
           <a:lstStyle/>
           <a:p>
-            <a:pPr indent="0" lvl="0" marL="0" rtl="0" algn="l">
+            <a:pPr marL="0" lvl="0" indent="0" algn="l" rtl="0">
               <a:spcBef>
                 <a:spcPts val="0"/>
               </a:spcBef>
@@ -7348,17 +7499,26 @@
               </a:spcAft>
               <a:buNone/>
             </a:pPr>
-            <a:r>
-              <a:t/>
-            </a:r>
-            <a:endParaRPr/>
+            <a:endParaRPr>
+              <a:solidFill>
+                <a:schemeClr val="lt1"/>
+              </a:solidFill>
+            </a:endParaRPr>
           </a:p>
         </p:txBody>
       </p:sp>
       <p:sp>
         <p:nvSpPr>
-          <p:cNvPr id="78" name="Google Shape;78;p16"/>
-          <p:cNvSpPr txBox="1"/>
+          <p:cNvPr id="8" name="Google Shape;78;p16">
+            <a:extLst>
+              <a:ext uri="{FF2B5EF4-FFF2-40B4-BE49-F238E27FC236}">
+                <a16:creationId xmlns:a16="http://schemas.microsoft.com/office/drawing/2014/main" id="{349631E8-9A0D-4D8F-B676-9F3F061BDC55}"/>
+              </a:ext>
+            </a:extLst>
+          </p:cNvPr>
+          <p:cNvSpPr txBox="1">
+            <a:spLocks noGrp="1"/>
+          </p:cNvSpPr>
           <p:nvPr>
             <p:ph type="title"/>
           </p:nvPr>
@@ -7376,12 +7536,12 @@
           </a:ln>
         </p:spPr>
         <p:txBody>
-          <a:bodyPr anchorCtr="0" anchor="t" bIns="91425" lIns="91425" spcFirstLastPara="1" rIns="91425" wrap="square" tIns="91425">
+          <a:bodyPr spcFirstLastPara="1" wrap="square" lIns="91425" tIns="91425" rIns="91425" bIns="91425" anchor="t" anchorCtr="0">
             <a:noAutofit/>
           </a:bodyPr>
           <a:lstStyle/>
           <a:p>
-            <a:pPr indent="0" lvl="0" marL="0" rtl="0" algn="l">
+            <a:pPr marL="0" lvl="0" indent="0" algn="l" rtl="0">
               <a:spcBef>
                 <a:spcPts val="0"/>
               </a:spcBef>
@@ -7416,7 +7576,13 @@
       </p:sp>
       <p:sp>
         <p:nvSpPr>
-          <p:cNvPr id="79" name="Google Shape;79;p16"/>
+          <p:cNvPr id="9" name="Google Shape;79;p16">
+            <a:extLst>
+              <a:ext uri="{FF2B5EF4-FFF2-40B4-BE49-F238E27FC236}">
+                <a16:creationId xmlns:a16="http://schemas.microsoft.com/office/drawing/2014/main" id="{49BFB7A6-55EC-456B-9717-D42953C716FF}"/>
+              </a:ext>
+            </a:extLst>
+          </p:cNvPr>
           <p:cNvSpPr/>
           <p:nvPr/>
         </p:nvSpPr>
@@ -7436,12 +7602,12 @@
           </a:ln>
         </p:spPr>
         <p:txBody>
-          <a:bodyPr anchorCtr="0" anchor="ctr" bIns="91425" lIns="91425" spcFirstLastPara="1" rIns="91425" wrap="square" tIns="91425">
+          <a:bodyPr spcFirstLastPara="1" wrap="square" lIns="91425" tIns="91425" rIns="91425" bIns="91425" anchor="ctr" anchorCtr="0">
             <a:noAutofit/>
           </a:bodyPr>
           <a:lstStyle/>
           <a:p>
-            <a:pPr indent="0" lvl="0" marL="0" rtl="0" algn="l">
+            <a:pPr marL="0" lvl="0" indent="0" algn="l" rtl="0">
               <a:spcBef>
                 <a:spcPts val="0"/>
               </a:spcBef>
@@ -7450,9 +7616,6 @@
               </a:spcAft>
               <a:buNone/>
             </a:pPr>
-            <a:r>
-              <a:t/>
-            </a:r>
             <a:endParaRPr>
               <a:solidFill>
                 <a:schemeClr val="lt1"/>
@@ -7463,7 +7626,13 @@
       </p:sp>
       <p:sp>
         <p:nvSpPr>
-          <p:cNvPr id="80" name="Google Shape;80;p16"/>
+          <p:cNvPr id="10" name="Google Shape;80;p16">
+            <a:extLst>
+              <a:ext uri="{FF2B5EF4-FFF2-40B4-BE49-F238E27FC236}">
+                <a16:creationId xmlns:a16="http://schemas.microsoft.com/office/drawing/2014/main" id="{064532FC-1188-43DE-B247-8ED639EB7FC2}"/>
+              </a:ext>
+            </a:extLst>
+          </p:cNvPr>
           <p:cNvSpPr txBox="1"/>
           <p:nvPr/>
         </p:nvSpPr>
@@ -7481,12 +7650,12 @@
           </a:ln>
         </p:spPr>
         <p:txBody>
-          <a:bodyPr anchorCtr="0" anchor="t" bIns="91425" lIns="91425" spcFirstLastPara="1" rIns="91425" wrap="square" tIns="91425">
+          <a:bodyPr spcFirstLastPara="1" wrap="square" lIns="91425" tIns="91425" rIns="91425" bIns="91425" anchor="t" anchorCtr="0">
             <a:noAutofit/>
           </a:bodyPr>
           <a:lstStyle/>
           <a:p>
-            <a:pPr indent="-336550" lvl="0" marL="457200" rtl="0" algn="l">
+            <a:pPr marL="457200" lvl="0" indent="-336550" algn="l" rtl="0">
               <a:lnSpc>
                 <a:spcPct val="200000"/>
               </a:lnSpc>
@@ -7526,7 +7695,7 @@
             </a:endParaRPr>
           </a:p>
           <a:p>
-            <a:pPr indent="-323850" lvl="1" marL="914400" rtl="0" algn="l">
+            <a:pPr marL="914400" lvl="1" indent="-323850" algn="l" rtl="0">
               <a:lnSpc>
                 <a:spcPct val="200000"/>
               </a:lnSpc>
@@ -7566,7 +7735,7 @@
             </a:endParaRPr>
           </a:p>
           <a:p>
-            <a:pPr indent="-323850" lvl="1" marL="914400" rtl="0" algn="l">
+            <a:pPr marL="914400" lvl="1" indent="-323850" algn="l" rtl="0">
               <a:lnSpc>
                 <a:spcPct val="200000"/>
               </a:lnSpc>
@@ -7606,7 +7775,7 @@
             </a:endParaRPr>
           </a:p>
           <a:p>
-            <a:pPr indent="-323850" lvl="1" marL="914400" rtl="0" algn="l">
+            <a:pPr marL="914400" lvl="1" indent="-323850" algn="l" rtl="0">
               <a:lnSpc>
                 <a:spcPct val="200000"/>
               </a:lnSpc>
@@ -7646,7 +7815,7 @@
             </a:endParaRPr>
           </a:p>
           <a:p>
-            <a:pPr indent="-323850" lvl="1" marL="914400" rtl="0" algn="l">
+            <a:pPr marL="914400" lvl="1" indent="-323850" algn="l" rtl="0">
               <a:lnSpc>
                 <a:spcPct val="200000"/>
               </a:lnSpc>
@@ -7686,7 +7855,7 @@
             </a:endParaRPr>
           </a:p>
           <a:p>
-            <a:pPr indent="0" lvl="0" marL="0" rtl="0" algn="l">
+            <a:pPr marL="0" lvl="0" indent="0" algn="l" rtl="0">
               <a:lnSpc>
                 <a:spcPct val="200000"/>
               </a:lnSpc>
@@ -7698,9 +7867,6 @@
               </a:spcAft>
               <a:buNone/>
             </a:pPr>
-            <a:r>
-              <a:t/>
-            </a:r>
             <a:endParaRPr sz="1500">
               <a:solidFill>
                 <a:srgbClr val="FFFFFF"/>
@@ -7715,14 +7881,20 @@
       </p:sp>
       <p:sp>
         <p:nvSpPr>
-          <p:cNvPr id="81" name="Google Shape;81;p16"/>
+          <p:cNvPr id="11" name="Google Shape;81;p16">
+            <a:extLst>
+              <a:ext uri="{FF2B5EF4-FFF2-40B4-BE49-F238E27FC236}">
+                <a16:creationId xmlns:a16="http://schemas.microsoft.com/office/drawing/2014/main" id="{83FB5090-8F79-47AC-93B7-5AE5A6C83FE1}"/>
+              </a:ext>
+            </a:extLst>
+          </p:cNvPr>
           <p:cNvSpPr txBox="1"/>
           <p:nvPr/>
         </p:nvSpPr>
         <p:spPr>
           <a:xfrm>
-            <a:off x="311700" y="1674450"/>
-            <a:ext cx="4260300" cy="1272000"/>
+            <a:off x="311699" y="1674449"/>
+            <a:ext cx="4508393" cy="1903344"/>
           </a:xfrm>
           <a:prstGeom prst="rect">
             <a:avLst/>
@@ -7733,12 +7905,12 @@
           </a:ln>
         </p:spPr>
         <p:txBody>
-          <a:bodyPr anchorCtr="0" anchor="t" bIns="91425" lIns="91425" spcFirstLastPara="1" rIns="91425" wrap="square" tIns="91425">
+          <a:bodyPr spcFirstLastPara="1" wrap="square" lIns="91425" tIns="91425" rIns="91425" bIns="91425" anchor="t" anchorCtr="0">
             <a:noAutofit/>
           </a:bodyPr>
           <a:lstStyle/>
           <a:p>
-            <a:pPr indent="-342900" lvl="0" marL="457200" rtl="0" algn="l">
+            <a:pPr marL="457200" lvl="0" indent="-342900" algn="l" rtl="0">
               <a:lnSpc>
                 <a:spcPct val="200000"/>
               </a:lnSpc>
@@ -7756,7 +7928,7 @@
               <a:buChar char="❏"/>
             </a:pPr>
             <a:r>
-              <a:rPr lang="en" sz="1800">
+              <a:rPr lang="en" sz="1800" dirty="0">
                 <a:solidFill>
                   <a:schemeClr val="dk1"/>
                 </a:solidFill>
@@ -7767,7 +7939,7 @@
               </a:rPr>
               <a:t>Random forest regressor model</a:t>
             </a:r>
-            <a:endParaRPr sz="1800">
+            <a:endParaRPr sz="1800" dirty="0">
               <a:solidFill>
                 <a:schemeClr val="dk1"/>
               </a:solidFill>
@@ -7778,7 +7950,7 @@
             </a:endParaRPr>
           </a:p>
           <a:p>
-            <a:pPr indent="-342900" lvl="0" marL="457200" rtl="0" algn="l">
+            <a:pPr marL="457200" lvl="0" indent="-342900" algn="l" rtl="0">
               <a:lnSpc>
                 <a:spcPct val="200000"/>
               </a:lnSpc>
@@ -7796,7 +7968,7 @@
               <a:buChar char="❏"/>
             </a:pPr>
             <a:r>
-              <a:rPr lang="en" sz="1800">
+              <a:rPr lang="en" sz="1800" dirty="0">
                 <a:solidFill>
                   <a:schemeClr val="dk1"/>
                 </a:solidFill>
@@ -7807,7 +7979,7 @@
               </a:rPr>
               <a:t>4 possible scenarios to achieve goal</a:t>
             </a:r>
-            <a:endParaRPr sz="1800">
+            <a:endParaRPr sz="1800" dirty="0">
               <a:solidFill>
                 <a:srgbClr val="FFFFFF"/>
               </a:solidFill>
@@ -7820,6 +7992,11 @@
         </p:txBody>
       </p:sp>
     </p:spTree>
+    <p:extLst>
+      <p:ext uri="{BB962C8B-B14F-4D97-AF65-F5344CB8AC3E}">
+        <p14:creationId xmlns:p14="http://schemas.microsoft.com/office/powerpoint/2010/main" val="1689475678"/>
+      </p:ext>
+    </p:extLst>
   </p:cSld>
   <p:clrMapOvr>
     <a:masterClrMapping/>
@@ -7828,7 +8005,7 @@
 </file>
 
 <file path=ppt/slides/slide5.xml><?xml version="1.0" encoding="utf-8"?>
-<p:sld xmlns:a="http://schemas.openxmlformats.org/drawingml/2006/main" xmlns:r="http://schemas.openxmlformats.org/officeDocument/2006/relationships" xmlns:mc="http://schemas.openxmlformats.org/markup-compatibility/2006" xmlns:mv="urn:schemas-microsoft-com:mac:vml" xmlns:p="http://schemas.openxmlformats.org/presentationml/2006/main" xmlns:c="http://schemas.openxmlformats.org/drawingml/2006/chart" xmlns:dgm="http://schemas.openxmlformats.org/drawingml/2006/diagram" xmlns:o="urn:schemas-microsoft-com:office:office" xmlns:v="urn:schemas-microsoft-com:vml" xmlns:pvml="urn:schemas-microsoft-com:office:powerpoint" xmlns:com="http://schemas.openxmlformats.org/drawingml/2006/compatibility" xmlns:p14="http://schemas.microsoft.com/office/powerpoint/2010/main" xmlns:p15="http://schemas.microsoft.com/office/powerpoint/2012/main" xmlns:ahyp="http://schemas.microsoft.com/office/drawing/2018/hyperlinkcolor">
+<p:sld xmlns:a="http://schemas.openxmlformats.org/drawingml/2006/main" xmlns:r="http://schemas.openxmlformats.org/officeDocument/2006/relationships" xmlns:p="http://schemas.openxmlformats.org/presentationml/2006/main">
   <p:cSld>
     <p:bg>
       <p:bgPr>
@@ -7842,15 +8019,16 @@
             </a:gs>
           </a:gsLst>
           <a:path path="circle">
-            <a:fillToRect b="50%" l="50%" r="50%" t="50%"/>
+            <a:fillToRect l="50000" t="50000" r="50000" b="50000"/>
           </a:path>
           <a:tileRect/>
         </a:gradFill>
+        <a:effectLst/>
       </p:bgPr>
     </p:bg>
     <p:spTree>
       <p:nvGrpSpPr>
-        <p:cNvPr id="85" name="Shape 85"/>
+        <p:cNvPr id="1" name="Shape 85"/>
         <p:cNvGrpSpPr/>
         <p:nvPr/>
       </p:nvGrpSpPr>
@@ -7865,7 +8043,9 @@
       <p:sp>
         <p:nvSpPr>
           <p:cNvPr id="86" name="Google Shape;86;p17"/>
-          <p:cNvSpPr txBox="1"/>
+          <p:cNvSpPr txBox="1">
+            <a:spLocks noGrp="1"/>
+          </p:cNvSpPr>
           <p:nvPr>
             <p:ph type="title"/>
           </p:nvPr>
@@ -7883,12 +8063,12 @@
           </a:ln>
         </p:spPr>
         <p:txBody>
-          <a:bodyPr anchorCtr="0" anchor="t" bIns="91425" lIns="91425" spcFirstLastPara="1" rIns="91425" wrap="square" tIns="91425">
+          <a:bodyPr spcFirstLastPara="1" wrap="square" lIns="91425" tIns="91425" rIns="91425" bIns="91425" anchor="t" anchorCtr="0">
             <a:noAutofit/>
           </a:bodyPr>
           <a:lstStyle/>
           <a:p>
-            <a:pPr indent="0" lvl="0" marL="0" rtl="0" algn="l">
+            <a:pPr marL="0" lvl="0" indent="0" algn="l" rtl="0">
               <a:spcBef>
                 <a:spcPts val="0"/>
               </a:spcBef>
@@ -7937,7 +8117,7 @@
         </p:blipFill>
         <p:spPr>
           <a:xfrm>
-            <a:off x="2261325" y="1130600"/>
+            <a:off x="311700" y="1017725"/>
             <a:ext cx="4621350" cy="3704325"/>
           </a:xfrm>
           <a:prstGeom prst="rect">
@@ -7949,6 +8129,154 @@
           </a:ln>
         </p:spPr>
       </p:pic>
+      <p:sp>
+        <p:nvSpPr>
+          <p:cNvPr id="2" name="TextBox 1">
+            <a:extLst>
+              <a:ext uri="{FF2B5EF4-FFF2-40B4-BE49-F238E27FC236}">
+                <a16:creationId xmlns:a16="http://schemas.microsoft.com/office/drawing/2014/main" id="{8894D16B-B842-430F-988D-7E0091EFD52F}"/>
+              </a:ext>
+            </a:extLst>
+          </p:cNvPr>
+          <p:cNvSpPr txBox="1"/>
+          <p:nvPr/>
+        </p:nvSpPr>
+        <p:spPr>
+          <a:xfrm>
+            <a:off x="5131981" y="1261730"/>
+            <a:ext cx="3211033" cy="2246769"/>
+          </a:xfrm>
+          <a:prstGeom prst="rect">
+            <a:avLst/>
+          </a:prstGeom>
+          <a:noFill/>
+        </p:spPr>
+        <p:txBody>
+          <a:bodyPr wrap="square" rtlCol="0">
+            <a:spAutoFit/>
+          </a:bodyPr>
+          <a:lstStyle/>
+          <a:p>
+            <a:pPr marL="285750" indent="-285750">
+              <a:buFont typeface="Arial" panose="020B0604020202020204" pitchFamily="34" charset="0"/>
+              <a:buChar char="•"/>
+            </a:pPr>
+            <a:endParaRPr lang="en-US" dirty="0">
+              <a:solidFill>
+                <a:schemeClr val="tx1"/>
+              </a:solidFill>
+            </a:endParaRPr>
+          </a:p>
+          <a:p>
+            <a:pPr marL="285750" indent="-285750">
+              <a:buFont typeface="Arial" panose="020B0604020202020204" pitchFamily="34" charset="0"/>
+              <a:buChar char="•"/>
+            </a:pPr>
+            <a:r>
+              <a:rPr lang="en-US" dirty="0">
+                <a:solidFill>
+                  <a:schemeClr val="tx1"/>
+                </a:solidFill>
+              </a:rPr>
+              <a:t>This is a plot of features and their respective importance</a:t>
+            </a:r>
+          </a:p>
+          <a:p>
+            <a:pPr marL="285750" indent="-285750">
+              <a:buFont typeface="Arial" panose="020B0604020202020204" pitchFamily="34" charset="0"/>
+              <a:buChar char="•"/>
+            </a:pPr>
+            <a:endParaRPr lang="en-US" dirty="0">
+              <a:solidFill>
+                <a:schemeClr val="tx1"/>
+              </a:solidFill>
+            </a:endParaRPr>
+          </a:p>
+          <a:p>
+            <a:pPr marL="285750" indent="-285750">
+              <a:buFont typeface="Arial" panose="020B0604020202020204" pitchFamily="34" charset="0"/>
+              <a:buChar char="•"/>
+            </a:pPr>
+            <a:r>
+              <a:rPr lang="en-US" dirty="0">
+                <a:solidFill>
+                  <a:schemeClr val="tx1"/>
+                </a:solidFill>
+              </a:rPr>
+              <a:t>This plot suggest that ‘</a:t>
+            </a:r>
+            <a:r>
+              <a:rPr lang="en-US" dirty="0" err="1">
+                <a:solidFill>
+                  <a:schemeClr val="tx1"/>
+                </a:solidFill>
+              </a:rPr>
+              <a:t>FastQuads</a:t>
+            </a:r>
+            <a:r>
+              <a:rPr lang="en-US" dirty="0">
+                <a:solidFill>
+                  <a:schemeClr val="tx1"/>
+                </a:solidFill>
+              </a:rPr>
+              <a:t>’ is the most important feature.</a:t>
+            </a:r>
+          </a:p>
+          <a:p>
+            <a:endParaRPr lang="en-US" dirty="0">
+              <a:solidFill>
+                <a:schemeClr val="tx1"/>
+              </a:solidFill>
+            </a:endParaRPr>
+          </a:p>
+          <a:p>
+            <a:pPr marL="285750" indent="-285750">
+              <a:buFont typeface="Arial" panose="020B0604020202020204" pitchFamily="34" charset="0"/>
+              <a:buChar char="•"/>
+            </a:pPr>
+            <a:r>
+              <a:rPr lang="en-US" dirty="0">
+                <a:solidFill>
+                  <a:schemeClr val="tx1"/>
+                </a:solidFill>
+              </a:rPr>
+              <a:t>After ‘</a:t>
+            </a:r>
+            <a:r>
+              <a:rPr lang="en-US" dirty="0" err="1">
+                <a:solidFill>
+                  <a:schemeClr val="tx1"/>
+                </a:solidFill>
+              </a:rPr>
+              <a:t>FastQuads</a:t>
+            </a:r>
+            <a:r>
+              <a:rPr lang="en-US" dirty="0">
+                <a:solidFill>
+                  <a:schemeClr val="tx1"/>
+                </a:solidFill>
+              </a:rPr>
+              <a:t>’, ‘Runs’ and ‘Snow </a:t>
+            </a:r>
+            <a:r>
+              <a:rPr lang="en-US" dirty="0" err="1">
+                <a:solidFill>
+                  <a:schemeClr val="tx1"/>
+                </a:solidFill>
+              </a:rPr>
+              <a:t>Making_ac</a:t>
+            </a:r>
+            <a:r>
+              <a:rPr lang="en-US" dirty="0">
+                <a:solidFill>
+                  <a:schemeClr val="tx1"/>
+                </a:solidFill>
+              </a:rPr>
+              <a:t>’ are most import feature respectively</a:t>
+            </a:r>
+          </a:p>
+        </p:txBody>
+      </p:sp>
     </p:spTree>
   </p:cSld>
   <p:clrMapOvr>
@@ -7958,7 +8286,7 @@
 </file>
 
 <file path=ppt/slides/slide6.xml><?xml version="1.0" encoding="utf-8"?>
-<p:sld xmlns:a="http://schemas.openxmlformats.org/drawingml/2006/main" xmlns:r="http://schemas.openxmlformats.org/officeDocument/2006/relationships" xmlns:mc="http://schemas.openxmlformats.org/markup-compatibility/2006" xmlns:mv="urn:schemas-microsoft-com:mac:vml" xmlns:p="http://schemas.openxmlformats.org/presentationml/2006/main" xmlns:c="http://schemas.openxmlformats.org/drawingml/2006/chart" xmlns:dgm="http://schemas.openxmlformats.org/drawingml/2006/diagram" xmlns:o="urn:schemas-microsoft-com:office:office" xmlns:v="urn:schemas-microsoft-com:vml" xmlns:pvml="urn:schemas-microsoft-com:office:powerpoint" xmlns:com="http://schemas.openxmlformats.org/drawingml/2006/compatibility" xmlns:p14="http://schemas.microsoft.com/office/powerpoint/2010/main" xmlns:p15="http://schemas.microsoft.com/office/powerpoint/2012/main" xmlns:ahyp="http://schemas.microsoft.com/office/drawing/2018/hyperlinkcolor">
+<p:sld xmlns:a="http://schemas.openxmlformats.org/drawingml/2006/main" xmlns:r="http://schemas.openxmlformats.org/officeDocument/2006/relationships" xmlns:p="http://schemas.openxmlformats.org/presentationml/2006/main">
   <p:cSld>
     <p:bg>
       <p:bgPr>
@@ -7972,15 +8300,16 @@
             </a:gs>
           </a:gsLst>
           <a:path path="circle">
-            <a:fillToRect b="50%" l="50%" r="50%" t="50%"/>
+            <a:fillToRect l="50000" t="50000" r="50000" b="50000"/>
           </a:path>
           <a:tileRect/>
         </a:gradFill>
+        <a:effectLst/>
       </p:bgPr>
     </p:bg>
     <p:spTree>
       <p:nvGrpSpPr>
-        <p:cNvPr id="91" name="Shape 91"/>
+        <p:cNvPr id="1" name="Shape 91"/>
         <p:cNvGrpSpPr/>
         <p:nvPr/>
       </p:nvGrpSpPr>
@@ -7995,7 +8324,9 @@
       <p:sp>
         <p:nvSpPr>
           <p:cNvPr id="92" name="Google Shape;92;p18"/>
-          <p:cNvSpPr txBox="1"/>
+          <p:cNvSpPr txBox="1">
+            <a:spLocks noGrp="1"/>
+          </p:cNvSpPr>
           <p:nvPr>
             <p:ph type="title"/>
           </p:nvPr>
@@ -8013,12 +8344,12 @@
           </a:ln>
         </p:spPr>
         <p:txBody>
-          <a:bodyPr anchorCtr="0" anchor="t" bIns="91425" lIns="91425" spcFirstLastPara="1" rIns="91425" wrap="square" tIns="91425">
+          <a:bodyPr spcFirstLastPara="1" wrap="square" lIns="91425" tIns="91425" rIns="91425" bIns="91425" anchor="t" anchorCtr="0">
             <a:noAutofit/>
           </a:bodyPr>
           <a:lstStyle/>
           <a:p>
-            <a:pPr indent="0" lvl="0" marL="0" rtl="0" algn="l">
+            <a:pPr marL="0" lvl="0" indent="0" algn="l" rtl="0">
               <a:spcBef>
                 <a:spcPts val="0"/>
               </a:spcBef>
@@ -8028,7 +8359,7 @@
               <a:buNone/>
             </a:pPr>
             <a:r>
-              <a:rPr lang="en">
+              <a:rPr lang="en" dirty="0">
                 <a:solidFill>
                   <a:srgbClr val="FFFFFF"/>
                 </a:solidFill>
@@ -8039,7 +8370,7 @@
               </a:rPr>
               <a:t>Big Mountain Resort VS Market Segment (Vertical Drop)</a:t>
             </a:r>
-            <a:endParaRPr>
+            <a:endParaRPr dirty="0">
               <a:solidFill>
                 <a:srgbClr val="FFFFFF"/>
               </a:solidFill>
@@ -8067,7 +8398,7 @@
         </p:blipFill>
         <p:spPr>
           <a:xfrm>
-            <a:off x="1790250" y="1508800"/>
+            <a:off x="453468" y="1656450"/>
             <a:ext cx="5563500" cy="3042025"/>
           </a:xfrm>
           <a:prstGeom prst="rect">
@@ -8079,6 +8410,99 @@
           </a:ln>
         </p:spPr>
       </p:pic>
+      <p:sp>
+        <p:nvSpPr>
+          <p:cNvPr id="2" name="TextBox 1">
+            <a:extLst>
+              <a:ext uri="{FF2B5EF4-FFF2-40B4-BE49-F238E27FC236}">
+                <a16:creationId xmlns:a16="http://schemas.microsoft.com/office/drawing/2014/main" id="{600CFB77-7BBF-4067-BD62-C05A738C0D06}"/>
+              </a:ext>
+            </a:extLst>
+          </p:cNvPr>
+          <p:cNvSpPr txBox="1"/>
+          <p:nvPr/>
+        </p:nvSpPr>
+        <p:spPr>
+          <a:xfrm>
+            <a:off x="6244856" y="1601972"/>
+            <a:ext cx="2445676" cy="2677656"/>
+          </a:xfrm>
+          <a:prstGeom prst="rect">
+            <a:avLst/>
+          </a:prstGeom>
+          <a:noFill/>
+        </p:spPr>
+        <p:txBody>
+          <a:bodyPr wrap="square" rtlCol="0">
+            <a:spAutoFit/>
+          </a:bodyPr>
+          <a:lstStyle/>
+          <a:p>
+            <a:pPr marL="285750" indent="-285750">
+              <a:buFont typeface="Arial" panose="020B0604020202020204" pitchFamily="34" charset="0"/>
+              <a:buChar char="•"/>
+            </a:pPr>
+            <a:r>
+              <a:rPr lang="en-US" dirty="0">
+                <a:solidFill>
+                  <a:schemeClr val="tx1"/>
+                </a:solidFill>
+              </a:rPr>
+              <a:t>This plot shows Vertical resort distribution.</a:t>
+            </a:r>
+          </a:p>
+          <a:p>
+            <a:pPr marL="285750" indent="-285750">
+              <a:buFont typeface="Arial" panose="020B0604020202020204" pitchFamily="34" charset="0"/>
+              <a:buChar char="•"/>
+            </a:pPr>
+            <a:endParaRPr lang="en-US" dirty="0">
+              <a:solidFill>
+                <a:schemeClr val="tx1"/>
+              </a:solidFill>
+            </a:endParaRPr>
+          </a:p>
+          <a:p>
+            <a:pPr marL="285750" indent="-285750">
+              <a:buFont typeface="Arial" panose="020B0604020202020204" pitchFamily="34" charset="0"/>
+              <a:buChar char="•"/>
+            </a:pPr>
+            <a:r>
+              <a:rPr lang="en-US" dirty="0">
+                <a:solidFill>
+                  <a:schemeClr val="tx1"/>
+                </a:solidFill>
+              </a:rPr>
+              <a:t>According to this plot vertical drop between 200 to 400 feet are most common.</a:t>
+            </a:r>
+          </a:p>
+          <a:p>
+            <a:pPr marL="285750" indent="-285750">
+              <a:buFont typeface="Arial" panose="020B0604020202020204" pitchFamily="34" charset="0"/>
+              <a:buChar char="•"/>
+            </a:pPr>
+            <a:endParaRPr lang="en-US" dirty="0">
+              <a:solidFill>
+                <a:schemeClr val="tx1"/>
+              </a:solidFill>
+            </a:endParaRPr>
+          </a:p>
+          <a:p>
+            <a:pPr marL="285750" indent="-285750">
+              <a:buFont typeface="Arial" panose="020B0604020202020204" pitchFamily="34" charset="0"/>
+              <a:buChar char="•"/>
+            </a:pPr>
+            <a:r>
+              <a:rPr lang="en-US" dirty="0">
+                <a:solidFill>
+                  <a:schemeClr val="tx1"/>
+                </a:solidFill>
+              </a:rPr>
+              <a:t>Red dotted line shows the standing of Big Mountain Resort in current market.</a:t>
+            </a:r>
+          </a:p>
+        </p:txBody>
+      </p:sp>
     </p:spTree>
   </p:cSld>
   <p:clrMapOvr>
@@ -8088,7 +8512,7 @@
 </file>
 
 <file path=ppt/slides/slide7.xml><?xml version="1.0" encoding="utf-8"?>
-<p:sld xmlns:a="http://schemas.openxmlformats.org/drawingml/2006/main" xmlns:r="http://schemas.openxmlformats.org/officeDocument/2006/relationships" xmlns:mc="http://schemas.openxmlformats.org/markup-compatibility/2006" xmlns:mv="urn:schemas-microsoft-com:mac:vml" xmlns:p="http://schemas.openxmlformats.org/presentationml/2006/main" xmlns:c="http://schemas.openxmlformats.org/drawingml/2006/chart" xmlns:dgm="http://schemas.openxmlformats.org/drawingml/2006/diagram" xmlns:o="urn:schemas-microsoft-com:office:office" xmlns:v="urn:schemas-microsoft-com:vml" xmlns:pvml="urn:schemas-microsoft-com:office:powerpoint" xmlns:com="http://schemas.openxmlformats.org/drawingml/2006/compatibility" xmlns:p14="http://schemas.microsoft.com/office/powerpoint/2010/main" xmlns:p15="http://schemas.microsoft.com/office/powerpoint/2012/main" xmlns:ahyp="http://schemas.microsoft.com/office/drawing/2018/hyperlinkcolor">
+<p:sld xmlns:a="http://schemas.openxmlformats.org/drawingml/2006/main" xmlns:r="http://schemas.openxmlformats.org/officeDocument/2006/relationships" xmlns:p="http://schemas.openxmlformats.org/presentationml/2006/main">
   <p:cSld>
     <p:bg>
       <p:bgPr>
@@ -8102,15 +8526,16 @@
             </a:gs>
           </a:gsLst>
           <a:path path="circle">
-            <a:fillToRect b="50%" l="50%" r="50%" t="50%"/>
+            <a:fillToRect l="50000" t="50000" r="50000" b="50000"/>
           </a:path>
           <a:tileRect/>
         </a:gradFill>
+        <a:effectLst/>
       </p:bgPr>
     </p:bg>
     <p:spTree>
       <p:nvGrpSpPr>
-        <p:cNvPr id="97" name="Shape 97"/>
+        <p:cNvPr id="1" name="Shape 97"/>
         <p:cNvGrpSpPr/>
         <p:nvPr/>
       </p:nvGrpSpPr>
@@ -8125,7 +8550,9 @@
       <p:sp>
         <p:nvSpPr>
           <p:cNvPr id="98" name="Google Shape;98;p19"/>
-          <p:cNvSpPr txBox="1"/>
+          <p:cNvSpPr txBox="1">
+            <a:spLocks noGrp="1"/>
+          </p:cNvSpPr>
           <p:nvPr>
             <p:ph type="title"/>
           </p:nvPr>
@@ -8143,12 +8570,12 @@
           </a:ln>
         </p:spPr>
         <p:txBody>
-          <a:bodyPr anchorCtr="0" anchor="t" bIns="91425" lIns="91425" spcFirstLastPara="1" rIns="91425" wrap="square" tIns="91425">
+          <a:bodyPr spcFirstLastPara="1" wrap="square" lIns="91425" tIns="91425" rIns="91425" bIns="91425" anchor="t" anchorCtr="0">
             <a:noAutofit/>
           </a:bodyPr>
           <a:lstStyle/>
           <a:p>
-            <a:pPr indent="0" lvl="0" marL="0" rtl="0" algn="l">
+            <a:pPr marL="0" lvl="0" indent="0" algn="l" rtl="0">
               <a:spcBef>
                 <a:spcPts val="0"/>
               </a:spcBef>
@@ -8197,7 +8624,7 @@
         </p:blipFill>
         <p:spPr>
           <a:xfrm>
-            <a:off x="1568450" y="1377350"/>
+            <a:off x="311700" y="1512029"/>
             <a:ext cx="6007100" cy="3294800"/>
           </a:xfrm>
           <a:prstGeom prst="rect">
@@ -8209,6 +8636,74 @@
           </a:ln>
         </p:spPr>
       </p:pic>
+      <p:sp>
+        <p:nvSpPr>
+          <p:cNvPr id="2" name="TextBox 1">
+            <a:extLst>
+              <a:ext uri="{FF2B5EF4-FFF2-40B4-BE49-F238E27FC236}">
+                <a16:creationId xmlns:a16="http://schemas.microsoft.com/office/drawing/2014/main" id="{F93D1206-6B58-4D09-9DE5-E195E79535B4}"/>
+              </a:ext>
+            </a:extLst>
+          </p:cNvPr>
+          <p:cNvSpPr txBox="1"/>
+          <p:nvPr/>
+        </p:nvSpPr>
+        <p:spPr>
+          <a:xfrm>
+            <a:off x="6500037" y="1712879"/>
+            <a:ext cx="2247014" cy="2893100"/>
+          </a:xfrm>
+          <a:prstGeom prst="rect">
+            <a:avLst/>
+          </a:prstGeom>
+          <a:noFill/>
+        </p:spPr>
+        <p:txBody>
+          <a:bodyPr wrap="square" rtlCol="0">
+            <a:spAutoFit/>
+          </a:bodyPr>
+          <a:lstStyle/>
+          <a:p>
+            <a:pPr marL="285750" indent="-285750">
+              <a:buFont typeface="Arial" panose="020B0604020202020204" pitchFamily="34" charset="0"/>
+              <a:buChar char="•"/>
+            </a:pPr>
+            <a:r>
+              <a:rPr lang="en-US" dirty="0">
+                <a:solidFill>
+                  <a:schemeClr val="tx1"/>
+                </a:solidFill>
+              </a:rPr>
+              <a:t>This plot depicts the distribution of area covered by snow makers and their marker share.</a:t>
+            </a:r>
+          </a:p>
+          <a:p>
+            <a:pPr marL="285750" indent="-285750">
+              <a:buFont typeface="Arial" panose="020B0604020202020204" pitchFamily="34" charset="0"/>
+              <a:buChar char="•"/>
+            </a:pPr>
+            <a:endParaRPr lang="en-US" dirty="0">
+              <a:solidFill>
+                <a:schemeClr val="tx1"/>
+              </a:solidFill>
+            </a:endParaRPr>
+          </a:p>
+          <a:p>
+            <a:pPr marL="285750" indent="-285750">
+              <a:buFont typeface="Arial" panose="020B0604020202020204" pitchFamily="34" charset="0"/>
+              <a:buChar char="•"/>
+            </a:pPr>
+            <a:r>
+              <a:rPr lang="en-US" dirty="0">
+                <a:solidFill>
+                  <a:schemeClr val="tx1"/>
+                </a:solidFill>
+              </a:rPr>
+              <a:t>Snow makers with covered area of less than 300 acres are much more numerous than those who with area covered higher than 300 acres. </a:t>
+            </a:r>
+          </a:p>
+        </p:txBody>
+      </p:sp>
     </p:spTree>
   </p:cSld>
   <p:clrMapOvr>
@@ -8218,7 +8713,7 @@
 </file>
 
 <file path=ppt/slides/slide8.xml><?xml version="1.0" encoding="utf-8"?>
-<p:sld xmlns:a="http://schemas.openxmlformats.org/drawingml/2006/main" xmlns:r="http://schemas.openxmlformats.org/officeDocument/2006/relationships" xmlns:mc="http://schemas.openxmlformats.org/markup-compatibility/2006" xmlns:mv="urn:schemas-microsoft-com:mac:vml" xmlns:p="http://schemas.openxmlformats.org/presentationml/2006/main" xmlns:c="http://schemas.openxmlformats.org/drawingml/2006/chart" xmlns:dgm="http://schemas.openxmlformats.org/drawingml/2006/diagram" xmlns:o="urn:schemas-microsoft-com:office:office" xmlns:v="urn:schemas-microsoft-com:vml" xmlns:pvml="urn:schemas-microsoft-com:office:powerpoint" xmlns:com="http://schemas.openxmlformats.org/drawingml/2006/compatibility" xmlns:p14="http://schemas.microsoft.com/office/powerpoint/2010/main" xmlns:p15="http://schemas.microsoft.com/office/powerpoint/2012/main" xmlns:ahyp="http://schemas.microsoft.com/office/drawing/2018/hyperlinkcolor">
+<p:sld xmlns:a="http://schemas.openxmlformats.org/drawingml/2006/main" xmlns:r="http://schemas.openxmlformats.org/officeDocument/2006/relationships" xmlns:p="http://schemas.openxmlformats.org/presentationml/2006/main">
   <p:cSld>
     <p:bg>
       <p:bgPr>
@@ -8232,15 +8727,16 @@
             </a:gs>
           </a:gsLst>
           <a:path path="circle">
-            <a:fillToRect b="50%" l="50%" r="50%" t="50%"/>
+            <a:fillToRect l="50000" t="50000" r="50000" b="50000"/>
           </a:path>
           <a:tileRect/>
         </a:gradFill>
+        <a:effectLst/>
       </p:bgPr>
     </p:bg>
     <p:spTree>
       <p:nvGrpSpPr>
-        <p:cNvPr id="103" name="Shape 103"/>
+        <p:cNvPr id="1" name="Shape 103"/>
         <p:cNvGrpSpPr/>
         <p:nvPr/>
       </p:nvGrpSpPr>
@@ -8255,7 +8751,9 @@
       <p:sp>
         <p:nvSpPr>
           <p:cNvPr id="104" name="Google Shape;104;p20"/>
-          <p:cNvSpPr txBox="1"/>
+          <p:cNvSpPr txBox="1">
+            <a:spLocks noGrp="1"/>
+          </p:cNvSpPr>
           <p:nvPr>
             <p:ph type="title"/>
           </p:nvPr>
@@ -8273,12 +8771,12 @@
           </a:ln>
         </p:spPr>
         <p:txBody>
-          <a:bodyPr anchorCtr="0" anchor="t" bIns="91425" lIns="91425" spcFirstLastPara="1" rIns="91425" wrap="square" tIns="91425">
+          <a:bodyPr spcFirstLastPara="1" wrap="square" lIns="91425" tIns="91425" rIns="91425" bIns="91425" anchor="t" anchorCtr="0">
             <a:noAutofit/>
           </a:bodyPr>
           <a:lstStyle/>
           <a:p>
-            <a:pPr indent="0" lvl="0" marL="0" rtl="0" algn="l">
+            <a:pPr marL="0" lvl="0" indent="0" algn="l" rtl="0">
               <a:spcBef>
                 <a:spcPts val="0"/>
               </a:spcBef>
@@ -8327,7 +8825,7 @@
         </p:blipFill>
         <p:spPr>
           <a:xfrm>
-            <a:off x="1488725" y="1273050"/>
+            <a:off x="49786" y="1329757"/>
             <a:ext cx="6316125" cy="3452300"/>
           </a:xfrm>
           <a:prstGeom prst="rect">
@@ -8339,6 +8837,74 @@
           </a:ln>
         </p:spPr>
       </p:pic>
+      <p:sp>
+        <p:nvSpPr>
+          <p:cNvPr id="2" name="TextBox 1">
+            <a:extLst>
+              <a:ext uri="{FF2B5EF4-FFF2-40B4-BE49-F238E27FC236}">
+                <a16:creationId xmlns:a16="http://schemas.microsoft.com/office/drawing/2014/main" id="{F3BD65D8-46BC-434B-8724-4A49FAC5CFDC}"/>
+              </a:ext>
+            </a:extLst>
+          </p:cNvPr>
+          <p:cNvSpPr txBox="1"/>
+          <p:nvPr/>
+        </p:nvSpPr>
+        <p:spPr>
+          <a:xfrm>
+            <a:off x="6436242" y="1446028"/>
+            <a:ext cx="2396058" cy="1815882"/>
+          </a:xfrm>
+          <a:prstGeom prst="rect">
+            <a:avLst/>
+          </a:prstGeom>
+          <a:noFill/>
+        </p:spPr>
+        <p:txBody>
+          <a:bodyPr wrap="square" rtlCol="0">
+            <a:spAutoFit/>
+          </a:bodyPr>
+          <a:lstStyle/>
+          <a:p>
+            <a:pPr marL="285750" indent="-285750">
+              <a:buFont typeface="Arial" panose="020B0604020202020204" pitchFamily="34" charset="0"/>
+              <a:buChar char="•"/>
+            </a:pPr>
+            <a:r>
+              <a:rPr lang="en-US" dirty="0">
+                <a:solidFill>
+                  <a:schemeClr val="tx1"/>
+                </a:solidFill>
+              </a:rPr>
+              <a:t>This plot depicts the total number of run distribution for resorts. </a:t>
+            </a:r>
+          </a:p>
+          <a:p>
+            <a:pPr marL="285750" indent="-285750">
+              <a:buFont typeface="Arial" panose="020B0604020202020204" pitchFamily="34" charset="0"/>
+              <a:buChar char="•"/>
+            </a:pPr>
+            <a:endParaRPr lang="en-US" dirty="0">
+              <a:solidFill>
+                <a:schemeClr val="tx1"/>
+              </a:solidFill>
+            </a:endParaRPr>
+          </a:p>
+          <a:p>
+            <a:pPr marL="285750" indent="-285750">
+              <a:buFont typeface="Arial" panose="020B0604020202020204" pitchFamily="34" charset="0"/>
+              <a:buChar char="•"/>
+            </a:pPr>
+            <a:r>
+              <a:rPr lang="en-US" dirty="0">
+                <a:solidFill>
+                  <a:schemeClr val="tx1"/>
+                </a:solidFill>
+              </a:rPr>
+              <a:t>The red dotted line shows standing of Big Market Resort in current market. </a:t>
+            </a:r>
+          </a:p>
+        </p:txBody>
+      </p:sp>
     </p:spTree>
   </p:cSld>
   <p:clrMapOvr>
@@ -8348,7 +8914,7 @@
 </file>
 
 <file path=ppt/slides/slide9.xml><?xml version="1.0" encoding="utf-8"?>
-<p:sld xmlns:a="http://schemas.openxmlformats.org/drawingml/2006/main" xmlns:r="http://schemas.openxmlformats.org/officeDocument/2006/relationships" xmlns:mc="http://schemas.openxmlformats.org/markup-compatibility/2006" xmlns:mv="urn:schemas-microsoft-com:mac:vml" xmlns:p="http://schemas.openxmlformats.org/presentationml/2006/main" xmlns:c="http://schemas.openxmlformats.org/drawingml/2006/chart" xmlns:dgm="http://schemas.openxmlformats.org/drawingml/2006/diagram" xmlns:o="urn:schemas-microsoft-com:office:office" xmlns:v="urn:schemas-microsoft-com:vml" xmlns:pvml="urn:schemas-microsoft-com:office:powerpoint" xmlns:com="http://schemas.openxmlformats.org/drawingml/2006/compatibility" xmlns:p14="http://schemas.microsoft.com/office/powerpoint/2010/main" xmlns:p15="http://schemas.microsoft.com/office/powerpoint/2012/main" xmlns:ahyp="http://schemas.microsoft.com/office/drawing/2018/hyperlinkcolor">
+<p:sld xmlns:a="http://schemas.openxmlformats.org/drawingml/2006/main" xmlns:r="http://schemas.openxmlformats.org/officeDocument/2006/relationships" xmlns:p="http://schemas.openxmlformats.org/presentationml/2006/main">
   <p:cSld>
     <p:bg>
       <p:bgPr>
@@ -8362,15 +8928,16 @@
             </a:gs>
           </a:gsLst>
           <a:path path="circle">
-            <a:fillToRect b="50%" l="50%" r="50%" t="50%"/>
+            <a:fillToRect l="50000" t="50000" r="50000" b="50000"/>
           </a:path>
           <a:tileRect/>
         </a:gradFill>
+        <a:effectLst/>
       </p:bgPr>
     </p:bg>
     <p:spTree>
       <p:nvGrpSpPr>
-        <p:cNvPr id="109" name="Shape 109"/>
+        <p:cNvPr id="1" name="Shape 109"/>
         <p:cNvGrpSpPr/>
         <p:nvPr/>
       </p:nvGrpSpPr>
@@ -8403,7 +8970,7 @@
             <a:noFill/>
           </a:ln>
           <a:effectLst>
-            <a:outerShdw blurRad="200025" rotWithShape="0" algn="bl" dir="5400000" dist="85725">
+            <a:outerShdw blurRad="200025" dist="85725" dir="5400000" algn="bl" rotWithShape="0">
               <a:srgbClr val="000000">
                 <a:alpha val="50000"/>
               </a:srgbClr>
@@ -8411,12 +8978,12 @@
           </a:effectLst>
         </p:spPr>
         <p:txBody>
-          <a:bodyPr anchorCtr="0" anchor="ctr" bIns="91425" lIns="91425" spcFirstLastPara="1" rIns="91425" wrap="square" tIns="91425">
+          <a:bodyPr spcFirstLastPara="1" wrap="square" lIns="91425" tIns="91425" rIns="91425" bIns="91425" anchor="ctr" anchorCtr="0">
             <a:noAutofit/>
           </a:bodyPr>
           <a:lstStyle/>
           <a:p>
-            <a:pPr indent="0" lvl="0" marL="0" rtl="0" algn="l">
+            <a:pPr marL="0" lvl="0" indent="0" algn="l" rtl="0">
               <a:spcBef>
                 <a:spcPts val="0"/>
               </a:spcBef>
@@ -8425,9 +8992,6 @@
               </a:spcAft>
               <a:buNone/>
             </a:pPr>
-            <a:r>
-              <a:t/>
-            </a:r>
             <a:endParaRPr/>
           </a:p>
         </p:txBody>
@@ -8435,7 +8999,9 @@
       <p:sp>
         <p:nvSpPr>
           <p:cNvPr id="111" name="Google Shape;111;p21"/>
-          <p:cNvSpPr txBox="1"/>
+          <p:cNvSpPr txBox="1">
+            <a:spLocks noGrp="1"/>
+          </p:cNvSpPr>
           <p:nvPr>
             <p:ph type="title"/>
           </p:nvPr>
@@ -8453,12 +9019,12 @@
           </a:ln>
         </p:spPr>
         <p:txBody>
-          <a:bodyPr anchorCtr="0" anchor="t" bIns="91425" lIns="91425" spcFirstLastPara="1" rIns="91425" wrap="square" tIns="91425">
+          <a:bodyPr spcFirstLastPara="1" wrap="square" lIns="91425" tIns="91425" rIns="91425" bIns="91425" anchor="t" anchorCtr="0">
             <a:noAutofit/>
           </a:bodyPr>
           <a:lstStyle/>
           <a:p>
-            <a:pPr indent="0" lvl="0" marL="0" rtl="0" algn="l">
+            <a:pPr marL="0" lvl="0" indent="0" algn="l" rtl="0">
               <a:spcBef>
                 <a:spcPts val="0"/>
               </a:spcBef>
@@ -8511,12 +9077,12 @@
           </a:ln>
         </p:spPr>
         <p:txBody>
-          <a:bodyPr anchorCtr="0" anchor="t" bIns="91425" lIns="91425" spcFirstLastPara="1" rIns="91425" wrap="square" tIns="91425">
+          <a:bodyPr spcFirstLastPara="1" wrap="square" lIns="91425" tIns="91425" rIns="91425" bIns="91425" anchor="t" anchorCtr="0">
             <a:noAutofit/>
           </a:bodyPr>
           <a:lstStyle/>
           <a:p>
-            <a:pPr indent="0" lvl="0" marL="0" rtl="0" algn="l">
+            <a:pPr marL="0" lvl="0" indent="0" algn="l" rtl="0">
               <a:lnSpc>
                 <a:spcPct val="200000"/>
               </a:lnSpc>
@@ -8551,7 +9117,7 @@
             </a:endParaRPr>
           </a:p>
           <a:p>
-            <a:pPr indent="-323850" lvl="1" marL="914400" rtl="0" algn="l">
+            <a:pPr marL="914400" lvl="1" indent="-323850" algn="l" rtl="0">
               <a:lnSpc>
                 <a:spcPct val="200000"/>
               </a:lnSpc>
@@ -8578,19 +9144,7 @@
                 <a:cs typeface="Roboto Light"/>
                 <a:sym typeface="Roboto Light"/>
               </a:rPr>
-              <a:t>Increase vertical drop by </a:t>
-            </a:r>
-            <a:r>
-              <a:rPr lang="en" sz="1500">
-                <a:solidFill>
-                  <a:schemeClr val="dk1"/>
-                </a:solidFill>
-                <a:latin typeface="Roboto Light"/>
-                <a:ea typeface="Roboto Light"/>
-                <a:cs typeface="Roboto Light"/>
-                <a:sym typeface="Roboto Light"/>
-              </a:rPr>
-              <a:t>150 ft</a:t>
+              <a:t>Increase vertical drop by 150 ft</a:t>
             </a:r>
             <a:endParaRPr sz="1500">
               <a:solidFill>
@@ -8603,7 +9157,7 @@
             </a:endParaRPr>
           </a:p>
           <a:p>
-            <a:pPr indent="-323850" lvl="1" marL="914400" rtl="0" algn="l">
+            <a:pPr marL="914400" lvl="1" indent="-323850" algn="l" rtl="0">
               <a:lnSpc>
                 <a:spcPct val="200000"/>
               </a:lnSpc>
@@ -8643,7 +9197,7 @@
             </a:endParaRPr>
           </a:p>
           <a:p>
-            <a:pPr indent="-323850" lvl="1" marL="914400" rtl="0" algn="l">
+            <a:pPr marL="914400" lvl="1" indent="-323850" algn="l" rtl="0">
               <a:lnSpc>
                 <a:spcPct val="200000"/>
               </a:lnSpc>
@@ -8683,7 +9237,7 @@
             </a:endParaRPr>
           </a:p>
           <a:p>
-            <a:pPr indent="-323850" lvl="2" marL="1371600" rtl="0" algn="l">
+            <a:pPr marL="1371600" lvl="2" indent="-323850" algn="l" rtl="0">
               <a:lnSpc>
                 <a:spcPct val="200000"/>
               </a:lnSpc>
@@ -8723,7 +9277,7 @@
             </a:endParaRPr>
           </a:p>
           <a:p>
-            <a:pPr indent="0" lvl="0" marL="0" rtl="0" algn="l">
+            <a:pPr marL="0" lvl="0" indent="0" algn="l" rtl="0">
               <a:lnSpc>
                 <a:spcPct val="200000"/>
               </a:lnSpc>
@@ -8735,9 +9289,6 @@
               </a:spcAft>
               <a:buNone/>
             </a:pPr>
-            <a:r>
-              <a:t/>
-            </a:r>
             <a:endParaRPr sz="1500">
               <a:solidFill>
                 <a:srgbClr val="FFFFFF"/>
@@ -8798,12 +9349,12 @@
           </a:ln>
         </p:spPr>
         <p:txBody>
-          <a:bodyPr anchorCtr="0" anchor="t" bIns="91425" lIns="91425" spcFirstLastPara="1" rIns="91425" wrap="square" tIns="91425">
+          <a:bodyPr spcFirstLastPara="1" wrap="square" lIns="91425" tIns="91425" rIns="91425" bIns="91425" anchor="t" anchorCtr="0">
             <a:noAutofit/>
           </a:bodyPr>
           <a:lstStyle/>
           <a:p>
-            <a:pPr indent="-336550" lvl="0" marL="457200" rtl="0" algn="l">
+            <a:pPr marL="457200" lvl="0" indent="-336550" algn="l" rtl="0">
               <a:lnSpc>
                 <a:spcPct val="200000"/>
               </a:lnSpc>
@@ -8843,7 +9394,7 @@
             </a:endParaRPr>
           </a:p>
           <a:p>
-            <a:pPr indent="-323850" lvl="1" marL="914400" rtl="0" algn="l">
+            <a:pPr marL="914400" lvl="1" indent="-323850" algn="l" rtl="0">
               <a:lnSpc>
                 <a:spcPct val="200000"/>
               </a:lnSpc>
@@ -8883,7 +9434,7 @@
             </a:endParaRPr>
           </a:p>
           <a:p>
-            <a:pPr indent="0" lvl="0" marL="0" rtl="0" algn="l">
+            <a:pPr marL="0" lvl="0" indent="0" algn="l" rtl="0">
               <a:lnSpc>
                 <a:spcPct val="200000"/>
               </a:lnSpc>
@@ -8895,9 +9446,6 @@
               </a:spcAft>
               <a:buNone/>
             </a:pPr>
-            <a:r>
-              <a:t/>
-            </a:r>
             <a:endParaRPr sz="1500">
               <a:solidFill>
                 <a:srgbClr val="FFFFFF"/>
@@ -8930,12 +9478,12 @@
           </a:ln>
         </p:spPr>
         <p:txBody>
-          <a:bodyPr anchorCtr="0" anchor="t" bIns="91425" lIns="91425" spcFirstLastPara="1" rIns="91425" wrap="square" tIns="91425">
+          <a:bodyPr spcFirstLastPara="1" wrap="square" lIns="91425" tIns="91425" rIns="91425" bIns="91425" anchor="t" anchorCtr="0">
             <a:noAutofit/>
           </a:bodyPr>
           <a:lstStyle/>
           <a:p>
-            <a:pPr indent="0" lvl="0" marL="457200" rtl="0" algn="ctr">
+            <a:pPr marL="457200" lvl="0" indent="0" algn="ctr" rtl="0">
               <a:spcBef>
                 <a:spcPts val="0"/>
               </a:spcBef>
@@ -8945,7 +9493,7 @@
               <a:buNone/>
             </a:pPr>
             <a:r>
-              <a:rPr b="1" lang="en" sz="1300">
+              <a:rPr lang="en" sz="1300" b="1">
                 <a:solidFill>
                   <a:schemeClr val="dk1"/>
                 </a:solidFill>
@@ -8956,7 +9504,7 @@
               </a:rPr>
               <a:t>Supported Ticket Price Increase: $8.61	</a:t>
             </a:r>
-            <a:endParaRPr b="1" sz="1300">
+            <a:endParaRPr sz="1300" b="1">
               <a:solidFill>
                 <a:schemeClr val="dk1"/>
               </a:solidFill>
@@ -8967,7 +9515,7 @@
             </a:endParaRPr>
           </a:p>
           <a:p>
-            <a:pPr indent="0" lvl="0" marL="0" rtl="0" algn="ctr">
+            <a:pPr marL="0" lvl="0" indent="0" algn="ctr" rtl="0">
               <a:spcBef>
                 <a:spcPts val="1000"/>
               </a:spcBef>
@@ -8977,7 +9525,7 @@
               <a:buNone/>
             </a:pPr>
             <a:r>
-              <a:rPr b="1" lang="en" sz="1300">
+              <a:rPr lang="en" sz="1300" b="1">
                 <a:solidFill>
                   <a:schemeClr val="dk1"/>
                 </a:solidFill>
@@ -8988,7 +9536,7 @@
               </a:rPr>
               <a:t>Additional Chair Lift Cost: $1.5 million</a:t>
             </a:r>
-            <a:endParaRPr b="1" sz="1300">
+            <a:endParaRPr sz="1300" b="1">
               <a:solidFill>
                 <a:schemeClr val="dk1"/>
               </a:solidFill>
@@ -8999,7 +9547,7 @@
             </a:endParaRPr>
           </a:p>
           <a:p>
-            <a:pPr indent="0" lvl="0" marL="0" rtl="0" algn="ctr">
+            <a:pPr marL="0" lvl="0" indent="0" algn="ctr" rtl="0">
               <a:spcBef>
                 <a:spcPts val="1000"/>
               </a:spcBef>
@@ -9009,7 +9557,7 @@
               <a:buNone/>
             </a:pPr>
             <a:r>
-              <a:rPr b="1" lang="en" sz="1300">
+              <a:rPr lang="en" sz="1300" b="1">
                 <a:solidFill>
                   <a:schemeClr val="dk1"/>
                 </a:solidFill>
@@ -9020,7 +9568,7 @@
               </a:rPr>
               <a:t>Expected Total From Ticket Increase: $15,065,471</a:t>
             </a:r>
-            <a:endParaRPr b="1" sz="1300">
+            <a:endParaRPr sz="1300" b="1">
               <a:solidFill>
                 <a:schemeClr val="dk1"/>
               </a:solidFill>
@@ -9041,7 +9589,288 @@
 </file>
 
 <file path=ppt/theme/theme1.xml><?xml version="1.0" encoding="utf-8"?>
-<a:theme xmlns:a="http://schemas.openxmlformats.org/drawingml/2006/main" xmlns:r="http://schemas.openxmlformats.org/officeDocument/2006/relationships">
+<a:theme xmlns:a="http://schemas.openxmlformats.org/drawingml/2006/main" name="Simple Dark">
+  <a:themeElements>
+    <a:clrScheme name="Simple Dark">
+      <a:dk1>
+        <a:srgbClr val="FFFFFF"/>
+      </a:dk1>
+      <a:lt1>
+        <a:srgbClr val="212121"/>
+      </a:lt1>
+      <a:dk2>
+        <a:srgbClr val="303030"/>
+      </a:dk2>
+      <a:lt2>
+        <a:srgbClr val="ADADAD"/>
+      </a:lt2>
+      <a:accent1>
+        <a:srgbClr val="009688"/>
+      </a:accent1>
+      <a:accent2>
+        <a:srgbClr val="EEEEEE"/>
+      </a:accent2>
+      <a:accent3>
+        <a:srgbClr val="78909C"/>
+      </a:accent3>
+      <a:accent4>
+        <a:srgbClr val="FFAB40"/>
+      </a:accent4>
+      <a:accent5>
+        <a:srgbClr val="4DD0E1"/>
+      </a:accent5>
+      <a:accent6>
+        <a:srgbClr val="EEFF41"/>
+      </a:accent6>
+      <a:hlink>
+        <a:srgbClr val="4DD0E1"/>
+      </a:hlink>
+      <a:folHlink>
+        <a:srgbClr val="4DD0E1"/>
+      </a:folHlink>
+    </a:clrScheme>
+    <a:fontScheme name="Office">
+      <a:majorFont>
+        <a:latin typeface="Arial"/>
+        <a:ea typeface=""/>
+        <a:cs typeface=""/>
+        <a:font script="Jpan" typeface="ＭＳ Ｐゴシック"/>
+        <a:font script="Hang" typeface="맑은 고딕"/>
+        <a:font script="Hans" typeface="宋体"/>
+        <a:font script="Hant" typeface="新細明體"/>
+        <a:font script="Arab" typeface="Times New Roman"/>
+        <a:font script="Hebr" typeface="Times New Roman"/>
+        <a:font script="Thai" typeface="Angsana New"/>
+        <a:font script="Ethi" typeface="Nyala"/>
+        <a:font script="Beng" typeface="Vrinda"/>
+        <a:font script="Gujr" typeface="Shruti"/>
+        <a:font script="Khmr" typeface="MoolBoran"/>
+        <a:font script="Knda" typeface="Tunga"/>
+        <a:font script="Guru" typeface="Raavi"/>
+        <a:font script="Cans" typeface="Euphemia"/>
+        <a:font script="Cher" typeface="Plantagenet Cherokee"/>
+        <a:font script="Yiii" typeface="Microsoft Yi Baiti"/>
+        <a:font script="Tibt" typeface="Microsoft Himalaya"/>
+        <a:font script="Thaa" typeface="MV Boli"/>
+        <a:font script="Deva" typeface="Mangal"/>
+        <a:font script="Telu" typeface="Gautami"/>
+        <a:font script="Taml" typeface="Latha"/>
+        <a:font script="Syrc" typeface="Estrangelo Edessa"/>
+        <a:font script="Orya" typeface="Kalinga"/>
+        <a:font script="Mlym" typeface="Kartika"/>
+        <a:font script="Laoo" typeface="DokChampa"/>
+        <a:font script="Sinh" typeface="Iskoola Pota"/>
+        <a:font script="Mong" typeface="Mongolian Baiti"/>
+        <a:font script="Viet" typeface="Times New Roman"/>
+        <a:font script="Uigh" typeface="Microsoft Uighur"/>
+        <a:font script="Geor" typeface="Sylfaen"/>
+      </a:majorFont>
+      <a:minorFont>
+        <a:latin typeface="Arial"/>
+        <a:ea typeface=""/>
+        <a:cs typeface=""/>
+        <a:font script="Jpan" typeface="ＭＳ Ｐゴシック"/>
+        <a:font script="Hang" typeface="맑은 고딕"/>
+        <a:font script="Hans" typeface="宋体"/>
+        <a:font script="Hant" typeface="新細明體"/>
+        <a:font script="Arab" typeface="Arial"/>
+        <a:font script="Hebr" typeface="Arial"/>
+        <a:font script="Thai" typeface="Cordia New"/>
+        <a:font script="Ethi" typeface="Nyala"/>
+        <a:font script="Beng" typeface="Vrinda"/>
+        <a:font script="Gujr" typeface="Shruti"/>
+        <a:font script="Khmr" typeface="DaunPenh"/>
+        <a:font script="Knda" typeface="Tunga"/>
+        <a:font script="Guru" typeface="Raavi"/>
+        <a:font script="Cans" typeface="Euphemia"/>
+        <a:font script="Cher" typeface="Plantagenet Cherokee"/>
+        <a:font script="Yiii" typeface="Microsoft Yi Baiti"/>
+        <a:font script="Tibt" typeface="Microsoft Himalaya"/>
+        <a:font script="Thaa" typeface="MV Boli"/>
+        <a:font script="Deva" typeface="Mangal"/>
+        <a:font script="Telu" typeface="Gautami"/>
+        <a:font script="Taml" typeface="Latha"/>
+        <a:font script="Syrc" typeface="Estrangelo Edessa"/>
+        <a:font script="Orya" typeface="Kalinga"/>
+        <a:font script="Mlym" typeface="Kartika"/>
+        <a:font script="Laoo" typeface="DokChampa"/>
+        <a:font script="Sinh" typeface="Iskoola Pota"/>
+        <a:font script="Mong" typeface="Mongolian Baiti"/>
+        <a:font script="Viet" typeface="Arial"/>
+        <a:font script="Uigh" typeface="Microsoft Uighur"/>
+        <a:font script="Geor" typeface="Sylfaen"/>
+      </a:minorFont>
+    </a:fontScheme>
+    <a:fmtScheme name="Office">
+      <a:fillStyleLst>
+        <a:solidFill>
+          <a:schemeClr val="phClr"/>
+        </a:solidFill>
+        <a:gradFill rotWithShape="1">
+          <a:gsLst>
+            <a:gs pos="0">
+              <a:schemeClr val="phClr">
+                <a:tint val="50000"/>
+                <a:satMod val="300000"/>
+              </a:schemeClr>
+            </a:gs>
+            <a:gs pos="35000">
+              <a:schemeClr val="phClr">
+                <a:tint val="37000"/>
+                <a:satMod val="300000"/>
+              </a:schemeClr>
+            </a:gs>
+            <a:gs pos="100000">
+              <a:schemeClr val="phClr">
+                <a:tint val="15000"/>
+                <a:satMod val="350000"/>
+              </a:schemeClr>
+            </a:gs>
+          </a:gsLst>
+          <a:lin ang="16200000" scaled="1"/>
+        </a:gradFill>
+        <a:gradFill rotWithShape="1">
+          <a:gsLst>
+            <a:gs pos="0">
+              <a:schemeClr val="phClr">
+                <a:tint val="100000"/>
+                <a:shade val="100000"/>
+                <a:satMod val="130000"/>
+              </a:schemeClr>
+            </a:gs>
+            <a:gs pos="100000">
+              <a:schemeClr val="phClr">
+                <a:tint val="50000"/>
+                <a:shade val="100000"/>
+                <a:satMod val="350000"/>
+              </a:schemeClr>
+            </a:gs>
+          </a:gsLst>
+          <a:lin ang="16200000" scaled="0"/>
+        </a:gradFill>
+      </a:fillStyleLst>
+      <a:lnStyleLst>
+        <a:ln w="9525" cap="flat" cmpd="sng" algn="ctr">
+          <a:solidFill>
+            <a:schemeClr val="phClr">
+              <a:shade val="95000"/>
+              <a:satMod val="105000"/>
+            </a:schemeClr>
+          </a:solidFill>
+          <a:prstDash val="solid"/>
+        </a:ln>
+        <a:ln w="25400" cap="flat" cmpd="sng" algn="ctr">
+          <a:solidFill>
+            <a:schemeClr val="phClr"/>
+          </a:solidFill>
+          <a:prstDash val="solid"/>
+        </a:ln>
+        <a:ln w="38100" cap="flat" cmpd="sng" algn="ctr">
+          <a:solidFill>
+            <a:schemeClr val="phClr"/>
+          </a:solidFill>
+          <a:prstDash val="solid"/>
+        </a:ln>
+      </a:lnStyleLst>
+      <a:effectStyleLst>
+        <a:effectStyle>
+          <a:effectLst>
+            <a:outerShdw blurRad="40000" dist="20000" dir="5400000" rotWithShape="0">
+              <a:srgbClr val="000000">
+                <a:alpha val="38000"/>
+              </a:srgbClr>
+            </a:outerShdw>
+          </a:effectLst>
+        </a:effectStyle>
+        <a:effectStyle>
+          <a:effectLst>
+            <a:outerShdw blurRad="40000" dist="23000" dir="5400000" rotWithShape="0">
+              <a:srgbClr val="000000">
+                <a:alpha val="35000"/>
+              </a:srgbClr>
+            </a:outerShdw>
+          </a:effectLst>
+        </a:effectStyle>
+        <a:effectStyle>
+          <a:effectLst>
+            <a:outerShdw blurRad="40000" dist="23000" dir="5400000" rotWithShape="0">
+              <a:srgbClr val="000000">
+                <a:alpha val="35000"/>
+              </a:srgbClr>
+            </a:outerShdw>
+          </a:effectLst>
+          <a:scene3d>
+            <a:camera prst="orthographicFront">
+              <a:rot lat="0" lon="0" rev="0"/>
+            </a:camera>
+            <a:lightRig rig="threePt" dir="t">
+              <a:rot lat="0" lon="0" rev="1200000"/>
+            </a:lightRig>
+          </a:scene3d>
+          <a:sp3d>
+            <a:bevelT w="63500" h="25400"/>
+          </a:sp3d>
+        </a:effectStyle>
+      </a:effectStyleLst>
+      <a:bgFillStyleLst>
+        <a:solidFill>
+          <a:schemeClr val="phClr"/>
+        </a:solidFill>
+        <a:gradFill rotWithShape="1">
+          <a:gsLst>
+            <a:gs pos="0">
+              <a:schemeClr val="phClr">
+                <a:tint val="40000"/>
+                <a:satMod val="350000"/>
+              </a:schemeClr>
+            </a:gs>
+            <a:gs pos="40000">
+              <a:schemeClr val="phClr">
+                <a:tint val="45000"/>
+                <a:shade val="99000"/>
+                <a:satMod val="350000"/>
+              </a:schemeClr>
+            </a:gs>
+            <a:gs pos="100000">
+              <a:schemeClr val="phClr">
+                <a:shade val="20000"/>
+                <a:satMod val="255000"/>
+              </a:schemeClr>
+            </a:gs>
+          </a:gsLst>
+          <a:path path="circle">
+            <a:fillToRect l="50000" t="-80000" r="50000" b="180000"/>
+          </a:path>
+        </a:gradFill>
+        <a:gradFill rotWithShape="1">
+          <a:gsLst>
+            <a:gs pos="0">
+              <a:schemeClr val="phClr">
+                <a:tint val="80000"/>
+                <a:satMod val="300000"/>
+              </a:schemeClr>
+            </a:gs>
+            <a:gs pos="100000">
+              <a:schemeClr val="phClr">
+                <a:shade val="30000"/>
+                <a:satMod val="200000"/>
+              </a:schemeClr>
+            </a:gs>
+          </a:gsLst>
+          <a:path path="circle">
+            <a:fillToRect l="50000" t="50000" r="50000" b="50000"/>
+          </a:path>
+        </a:gradFill>
+      </a:bgFillStyleLst>
+    </a:fmtScheme>
+  </a:themeElements>
+  <a:objectDefaults/>
+  <a:extraClrSchemeLst/>
+</a:theme>
+</file>
+
+<file path=ppt/theme/theme2.xml><?xml version="1.0" encoding="utf-8"?>
+<a:theme xmlns:a="http://schemas.openxmlformats.org/drawingml/2006/main">
   <a:themeElements>
     <a:clrScheme name="Default">
       <a:dk1>
@@ -9316,284 +10145,7 @@
       </a:bgFillStyleLst>
     </a:fmtScheme>
   </a:themeElements>
-</a:theme>
-</file>
-
-<file path=ppt/theme/theme2.xml><?xml version="1.0" encoding="utf-8"?>
-<a:theme xmlns:a="http://schemas.openxmlformats.org/drawingml/2006/main" xmlns:r="http://schemas.openxmlformats.org/officeDocument/2006/relationships" name="Simple Dark">
-  <a:themeElements>
-    <a:clrScheme name="Simple Dark">
-      <a:dk1>
-        <a:srgbClr val="FFFFFF"/>
-      </a:dk1>
-      <a:lt1>
-        <a:srgbClr val="212121"/>
-      </a:lt1>
-      <a:dk2>
-        <a:srgbClr val="303030"/>
-      </a:dk2>
-      <a:lt2>
-        <a:srgbClr val="ADADAD"/>
-      </a:lt2>
-      <a:accent1>
-        <a:srgbClr val="009688"/>
-      </a:accent1>
-      <a:accent2>
-        <a:srgbClr val="EEEEEE"/>
-      </a:accent2>
-      <a:accent3>
-        <a:srgbClr val="78909C"/>
-      </a:accent3>
-      <a:accent4>
-        <a:srgbClr val="FFAB40"/>
-      </a:accent4>
-      <a:accent5>
-        <a:srgbClr val="4DD0E1"/>
-      </a:accent5>
-      <a:accent6>
-        <a:srgbClr val="EEFF41"/>
-      </a:accent6>
-      <a:hlink>
-        <a:srgbClr val="4DD0E1"/>
-      </a:hlink>
-      <a:folHlink>
-        <a:srgbClr val="4DD0E1"/>
-      </a:folHlink>
-    </a:clrScheme>
-    <a:fontScheme name="Office">
-      <a:majorFont>
-        <a:latin typeface="Arial"/>
-        <a:ea typeface=""/>
-        <a:cs typeface=""/>
-        <a:font script="Jpan" typeface="ＭＳ Ｐゴシック"/>
-        <a:font script="Hang" typeface="맑은 고딕"/>
-        <a:font script="Hans" typeface="宋体"/>
-        <a:font script="Hant" typeface="新細明體"/>
-        <a:font script="Arab" typeface="Times New Roman"/>
-        <a:font script="Hebr" typeface="Times New Roman"/>
-        <a:font script="Thai" typeface="Angsana New"/>
-        <a:font script="Ethi" typeface="Nyala"/>
-        <a:font script="Beng" typeface="Vrinda"/>
-        <a:font script="Gujr" typeface="Shruti"/>
-        <a:font script="Khmr" typeface="MoolBoran"/>
-        <a:font script="Knda" typeface="Tunga"/>
-        <a:font script="Guru" typeface="Raavi"/>
-        <a:font script="Cans" typeface="Euphemia"/>
-        <a:font script="Cher" typeface="Plantagenet Cherokee"/>
-        <a:font script="Yiii" typeface="Microsoft Yi Baiti"/>
-        <a:font script="Tibt" typeface="Microsoft Himalaya"/>
-        <a:font script="Thaa" typeface="MV Boli"/>
-        <a:font script="Deva" typeface="Mangal"/>
-        <a:font script="Telu" typeface="Gautami"/>
-        <a:font script="Taml" typeface="Latha"/>
-        <a:font script="Syrc" typeface="Estrangelo Edessa"/>
-        <a:font script="Orya" typeface="Kalinga"/>
-        <a:font script="Mlym" typeface="Kartika"/>
-        <a:font script="Laoo" typeface="DokChampa"/>
-        <a:font script="Sinh" typeface="Iskoola Pota"/>
-        <a:font script="Mong" typeface="Mongolian Baiti"/>
-        <a:font script="Viet" typeface="Times New Roman"/>
-        <a:font script="Uigh" typeface="Microsoft Uighur"/>
-        <a:font script="Geor" typeface="Sylfaen"/>
-      </a:majorFont>
-      <a:minorFont>
-        <a:latin typeface="Arial"/>
-        <a:ea typeface=""/>
-        <a:cs typeface=""/>
-        <a:font script="Jpan" typeface="ＭＳ Ｐゴシック"/>
-        <a:font script="Hang" typeface="맑은 고딕"/>
-        <a:font script="Hans" typeface="宋体"/>
-        <a:font script="Hant" typeface="新細明體"/>
-        <a:font script="Arab" typeface="Arial"/>
-        <a:font script="Hebr" typeface="Arial"/>
-        <a:font script="Thai" typeface="Cordia New"/>
-        <a:font script="Ethi" typeface="Nyala"/>
-        <a:font script="Beng" typeface="Vrinda"/>
-        <a:font script="Gujr" typeface="Shruti"/>
-        <a:font script="Khmr" typeface="DaunPenh"/>
-        <a:font script="Knda" typeface="Tunga"/>
-        <a:font script="Guru" typeface="Raavi"/>
-        <a:font script="Cans" typeface="Euphemia"/>
-        <a:font script="Cher" typeface="Plantagenet Cherokee"/>
-        <a:font script="Yiii" typeface="Microsoft Yi Baiti"/>
-        <a:font script="Tibt" typeface="Microsoft Himalaya"/>
-        <a:font script="Thaa" typeface="MV Boli"/>
-        <a:font script="Deva" typeface="Mangal"/>
-        <a:font script="Telu" typeface="Gautami"/>
-        <a:font script="Taml" typeface="Latha"/>
-        <a:font script="Syrc" typeface="Estrangelo Edessa"/>
-        <a:font script="Orya" typeface="Kalinga"/>
-        <a:font script="Mlym" typeface="Kartika"/>
-        <a:font script="Laoo" typeface="DokChampa"/>
-        <a:font script="Sinh" typeface="Iskoola Pota"/>
-        <a:font script="Mong" typeface="Mongolian Baiti"/>
-        <a:font script="Viet" typeface="Arial"/>
-        <a:font script="Uigh" typeface="Microsoft Uighur"/>
-        <a:font script="Geor" typeface="Sylfaen"/>
-      </a:minorFont>
-    </a:fontScheme>
-    <a:fmtScheme name="Office">
-      <a:fillStyleLst>
-        <a:solidFill>
-          <a:schemeClr val="phClr"/>
-        </a:solidFill>
-        <a:gradFill rotWithShape="1">
-          <a:gsLst>
-            <a:gs pos="0">
-              <a:schemeClr val="phClr">
-                <a:tint val="50000"/>
-                <a:satMod val="300000"/>
-              </a:schemeClr>
-            </a:gs>
-            <a:gs pos="35000">
-              <a:schemeClr val="phClr">
-                <a:tint val="37000"/>
-                <a:satMod val="300000"/>
-              </a:schemeClr>
-            </a:gs>
-            <a:gs pos="100000">
-              <a:schemeClr val="phClr">
-                <a:tint val="15000"/>
-                <a:satMod val="350000"/>
-              </a:schemeClr>
-            </a:gs>
-          </a:gsLst>
-          <a:lin ang="16200000" scaled="1"/>
-        </a:gradFill>
-        <a:gradFill rotWithShape="1">
-          <a:gsLst>
-            <a:gs pos="0">
-              <a:schemeClr val="phClr">
-                <a:tint val="100000"/>
-                <a:shade val="100000"/>
-                <a:satMod val="130000"/>
-              </a:schemeClr>
-            </a:gs>
-            <a:gs pos="100000">
-              <a:schemeClr val="phClr">
-                <a:tint val="50000"/>
-                <a:shade val="100000"/>
-                <a:satMod val="350000"/>
-              </a:schemeClr>
-            </a:gs>
-          </a:gsLst>
-          <a:lin ang="16200000" scaled="0"/>
-        </a:gradFill>
-      </a:fillStyleLst>
-      <a:lnStyleLst>
-        <a:ln w="9525" cap="flat" cmpd="sng" algn="ctr">
-          <a:solidFill>
-            <a:schemeClr val="phClr">
-              <a:shade val="95000"/>
-              <a:satMod val="105000"/>
-            </a:schemeClr>
-          </a:solidFill>
-          <a:prstDash val="solid"/>
-        </a:ln>
-        <a:ln w="25400" cap="flat" cmpd="sng" algn="ctr">
-          <a:solidFill>
-            <a:schemeClr val="phClr"/>
-          </a:solidFill>
-          <a:prstDash val="solid"/>
-        </a:ln>
-        <a:ln w="38100" cap="flat" cmpd="sng" algn="ctr">
-          <a:solidFill>
-            <a:schemeClr val="phClr"/>
-          </a:solidFill>
-          <a:prstDash val="solid"/>
-        </a:ln>
-      </a:lnStyleLst>
-      <a:effectStyleLst>
-        <a:effectStyle>
-          <a:effectLst>
-            <a:outerShdw blurRad="40000" dist="20000" dir="5400000" rotWithShape="0">
-              <a:srgbClr val="000000">
-                <a:alpha val="38000"/>
-              </a:srgbClr>
-            </a:outerShdw>
-          </a:effectLst>
-        </a:effectStyle>
-        <a:effectStyle>
-          <a:effectLst>
-            <a:outerShdw blurRad="40000" dist="23000" dir="5400000" rotWithShape="0">
-              <a:srgbClr val="000000">
-                <a:alpha val="35000"/>
-              </a:srgbClr>
-            </a:outerShdw>
-          </a:effectLst>
-        </a:effectStyle>
-        <a:effectStyle>
-          <a:effectLst>
-            <a:outerShdw blurRad="40000" dist="23000" dir="5400000" rotWithShape="0">
-              <a:srgbClr val="000000">
-                <a:alpha val="35000"/>
-              </a:srgbClr>
-            </a:outerShdw>
-          </a:effectLst>
-          <a:scene3d>
-            <a:camera prst="orthographicFront">
-              <a:rot lat="0" lon="0" rev="0"/>
-            </a:camera>
-            <a:lightRig rig="threePt" dir="t">
-              <a:rot lat="0" lon="0" rev="1200000"/>
-            </a:lightRig>
-          </a:scene3d>
-          <a:sp3d>
-            <a:bevelT w="63500" h="25400"/>
-          </a:sp3d>
-        </a:effectStyle>
-      </a:effectStyleLst>
-      <a:bgFillStyleLst>
-        <a:solidFill>
-          <a:schemeClr val="phClr"/>
-        </a:solidFill>
-        <a:gradFill rotWithShape="1">
-          <a:gsLst>
-            <a:gs pos="0">
-              <a:schemeClr val="phClr">
-                <a:tint val="40000"/>
-                <a:satMod val="350000"/>
-              </a:schemeClr>
-            </a:gs>
-            <a:gs pos="40000">
-              <a:schemeClr val="phClr">
-                <a:tint val="45000"/>
-                <a:shade val="99000"/>
-                <a:satMod val="350000"/>
-              </a:schemeClr>
-            </a:gs>
-            <a:gs pos="100000">
-              <a:schemeClr val="phClr">
-                <a:shade val="20000"/>
-                <a:satMod val="255000"/>
-              </a:schemeClr>
-            </a:gs>
-          </a:gsLst>
-          <a:path path="circle">
-            <a:fillToRect l="50000" t="-80000" r="50000" b="180000"/>
-          </a:path>
-        </a:gradFill>
-        <a:gradFill rotWithShape="1">
-          <a:gsLst>
-            <a:gs pos="0">
-              <a:schemeClr val="phClr">
-                <a:tint val="80000"/>
-                <a:satMod val="300000"/>
-              </a:schemeClr>
-            </a:gs>
-            <a:gs pos="100000">
-              <a:schemeClr val="phClr">
-                <a:shade val="30000"/>
-                <a:satMod val="200000"/>
-              </a:schemeClr>
-            </a:gs>
-          </a:gsLst>
-          <a:path path="circle">
-            <a:fillToRect l="50000" t="50000" r="50000" b="50000"/>
-          </a:path>
-        </a:gradFill>
-      </a:bgFillStyleLst>
-    </a:fmtScheme>
-  </a:themeElements>
+  <a:objectDefaults/>
+  <a:extraClrSchemeLst/>
 </a:theme>
 </file>